--- a/Beyond the P-Value.pptx
+++ b/Beyond the P-Value.pptx
@@ -240,7 +240,7 @@
           <a:p>
             <a:fld id="{5B4D735E-FF2B-4F2C-B387-0C10F724C3FF}" type="datetimeFigureOut">
               <a:rPr lang="en-US" smtClean="0"/>
-              <a:t>1/7/2019</a:t>
+              <a:t>1/8/2019</a:t>
             </a:fld>
             <a:endParaRPr lang="en-US"/>
           </a:p>
@@ -9569,7 +9569,7 @@
           <a:p>
             <a:fld id="{E18A1D98-80E8-4EC2-AAE6-111788340576}" type="datetimeFigureOut">
               <a:rPr lang="en-US" smtClean="0"/>
-              <a:t>1/7/2019</a:t>
+              <a:t>1/8/2019</a:t>
             </a:fld>
             <a:endParaRPr lang="en-US"/>
           </a:p>
@@ -9776,7 +9776,7 @@
           <a:p>
             <a:fld id="{E18A1D98-80E8-4EC2-AAE6-111788340576}" type="datetimeFigureOut">
               <a:rPr lang="en-US" smtClean="0"/>
-              <a:t>1/7/2019</a:t>
+              <a:t>1/8/2019</a:t>
             </a:fld>
             <a:endParaRPr lang="en-US"/>
           </a:p>
@@ -9956,7 +9956,7 @@
           <a:p>
             <a:fld id="{E18A1D98-80E8-4EC2-AAE6-111788340576}" type="datetimeFigureOut">
               <a:rPr lang="en-US" smtClean="0"/>
-              <a:t>1/7/2019</a:t>
+              <a:t>1/8/2019</a:t>
             </a:fld>
             <a:endParaRPr lang="en-US"/>
           </a:p>
@@ -10187,7 +10187,7 @@
           <a:p>
             <a:fld id="{E18A1D98-80E8-4EC2-AAE6-111788340576}" type="datetimeFigureOut">
               <a:rPr lang="en-US" smtClean="0"/>
-              <a:t>1/7/2019</a:t>
+              <a:t>1/8/2019</a:t>
             </a:fld>
             <a:endParaRPr lang="en-US"/>
           </a:p>
@@ -19085,7 +19085,7 @@
           <a:p>
             <a:fld id="{E18A1D98-80E8-4EC2-AAE6-111788340576}" type="datetimeFigureOut">
               <a:rPr lang="en-US" smtClean="0"/>
-              <a:t>1/7/2019</a:t>
+              <a:t>1/8/2019</a:t>
             </a:fld>
             <a:endParaRPr lang="en-US"/>
           </a:p>
@@ -19359,7 +19359,7 @@
           <a:p>
             <a:fld id="{E18A1D98-80E8-4EC2-AAE6-111788340576}" type="datetimeFigureOut">
               <a:rPr lang="en-US" smtClean="0"/>
-              <a:t>1/7/2019</a:t>
+              <a:t>1/8/2019</a:t>
             </a:fld>
             <a:endParaRPr lang="en-US"/>
           </a:p>
@@ -19757,7 +19757,7 @@
           <a:p>
             <a:fld id="{E18A1D98-80E8-4EC2-AAE6-111788340576}" type="datetimeFigureOut">
               <a:rPr lang="en-US" smtClean="0"/>
-              <a:t>1/7/2019</a:t>
+              <a:t>1/8/2019</a:t>
             </a:fld>
             <a:endParaRPr lang="en-US"/>
           </a:p>
@@ -19875,7 +19875,7 @@
           <a:p>
             <a:fld id="{E18A1D98-80E8-4EC2-AAE6-111788340576}" type="datetimeFigureOut">
               <a:rPr lang="en-US" smtClean="0"/>
-              <a:t>1/7/2019</a:t>
+              <a:t>1/8/2019</a:t>
             </a:fld>
             <a:endParaRPr lang="en-US"/>
           </a:p>
@@ -19970,7 +19970,7 @@
           <a:p>
             <a:fld id="{E18A1D98-80E8-4EC2-AAE6-111788340576}" type="datetimeFigureOut">
               <a:rPr lang="en-US" smtClean="0"/>
-              <a:t>1/7/2019</a:t>
+              <a:t>1/8/2019</a:t>
             </a:fld>
             <a:endParaRPr lang="en-US"/>
           </a:p>
@@ -20260,7 +20260,7 @@
           <a:p>
             <a:fld id="{E18A1D98-80E8-4EC2-AAE6-111788340576}" type="datetimeFigureOut">
               <a:rPr lang="en-US" smtClean="0"/>
-              <a:t>1/7/2019</a:t>
+              <a:t>1/8/2019</a:t>
             </a:fld>
             <a:endParaRPr lang="en-US"/>
           </a:p>
@@ -20540,7 +20540,7 @@
           <a:p>
             <a:fld id="{E18A1D98-80E8-4EC2-AAE6-111788340576}" type="datetimeFigureOut">
               <a:rPr lang="en-US" smtClean="0"/>
-              <a:t>1/7/2019</a:t>
+              <a:t>1/8/2019</a:t>
             </a:fld>
             <a:endParaRPr lang="en-US"/>
           </a:p>
@@ -20790,7 +20790,7 @@
           <a:p>
             <a:fld id="{E18A1D98-80E8-4EC2-AAE6-111788340576}" type="datetimeFigureOut">
               <a:rPr lang="en-US" smtClean="0"/>
-              <a:t>1/7/2019</a:t>
+              <a:t>1/8/2019</a:t>
             </a:fld>
             <a:endParaRPr lang="en-US"/>
           </a:p>
@@ -21311,11 +21311,7 @@
           <a:p>
             <a:r>
               <a:rPr lang="en-US" dirty="0" smtClean="0"/>
-              <a:t>Beyond the P-Value: Visualizing and Embracing </a:t>
-            </a:r>
-            <a:r>
-              <a:rPr lang="en-US" dirty="0" smtClean="0"/>
-              <a:t>uncertainty</a:t>
+              <a:t>Beyond the P-Value: Visualizing and Embracing uncertainty</a:t>
             </a:r>
             <a:endParaRPr lang="en-US" dirty="0"/>
           </a:p>
@@ -21455,11 +21451,7 @@
           <a:p>
             <a:r>
               <a:rPr lang="en-US" dirty="0" smtClean="0"/>
-              <a:t>Probability of getting a result at least as big as what we </a:t>
-            </a:r>
-            <a:r>
-              <a:rPr lang="en-US" dirty="0" smtClean="0"/>
-              <a:t>observed</a:t>
+              <a:t>Probability of getting a result at least as big as what we observed</a:t>
             </a:r>
           </a:p>
           <a:p>
@@ -21467,7 +21459,6 @@
               <a:rPr lang="en-US" dirty="0" smtClean="0"/>
               <a:t>Sounds great, right?</a:t>
             </a:r>
-            <a:endParaRPr lang="en-US" dirty="0" smtClean="0"/>
           </a:p>
           <a:p>
             <a:endParaRPr lang="en-US" dirty="0" smtClean="0"/>
@@ -21758,6 +21749,33 @@
                                         </p:cTn>
                                         <p:tgtEl>
                                           <p:spTgt spid="9"/>
+                                        </p:tgtEl>
+                                        <p:attrNameLst>
+                                          <p:attrName>style.visibility</p:attrName>
+                                        </p:attrNameLst>
+                                      </p:cBhvr>
+                                      <p:to>
+                                        <p:strVal val="hidden"/>
+                                      </p:to>
+                                    </p:set>
+                                  </p:childTnLst>
+                                </p:cTn>
+                              </p:par>
+                              <p:par>
+                                <p:cTn id="7" presetID="1" presetClass="exit" presetSubtype="0" fill="hold" nodeType="withEffect">
+                                  <p:stCondLst>
+                                    <p:cond delay="0"/>
+                                  </p:stCondLst>
+                                  <p:childTnLst>
+                                    <p:set>
+                                      <p:cBhvr>
+                                        <p:cTn id="8" dur="1" fill="hold">
+                                          <p:stCondLst>
+                                            <p:cond delay="0"/>
+                                          </p:stCondLst>
+                                        </p:cTn>
+                                        <p:tgtEl>
+                                          <p:spTgt spid="11"/>
                                         </p:tgtEl>
                                         <p:attrNameLst>
                                           <p:attrName>style.visibility</p:attrName>
@@ -23003,11 +23021,7 @@
             </a:r>
             <a:r>
               <a:rPr lang="en-US" dirty="0"/>
-              <a:t>.</a:t>
-            </a:r>
-            <a:r>
-              <a:rPr lang="en-US" dirty="0"/>
-              <a:t> </a:t>
+              <a:t>. </a:t>
             </a:r>
           </a:p>
         </p:txBody>

--- a/Beyond the P-Value.pptx
+++ b/Beyond the P-Value.pptx
@@ -5,12 +5,12 @@
     <p:sldMasterId id="2147483660" r:id="rId1"/>
   </p:sldMasterIdLst>
   <p:notesMasterIdLst>
-    <p:notesMasterId r:id="rId16"/>
+    <p:notesMasterId r:id="rId30"/>
   </p:notesMasterIdLst>
   <p:sldIdLst>
     <p:sldId id="256" r:id="rId2"/>
-    <p:sldId id="266" r:id="rId3"/>
-    <p:sldId id="264" r:id="rId4"/>
+    <p:sldId id="264" r:id="rId3"/>
+    <p:sldId id="278" r:id="rId4"/>
     <p:sldId id="271" r:id="rId5"/>
     <p:sldId id="270" r:id="rId6"/>
     <p:sldId id="269" r:id="rId7"/>
@@ -19,9 +19,23 @@
     <p:sldId id="274" r:id="rId10"/>
     <p:sldId id="268" r:id="rId11"/>
     <p:sldId id="276" r:id="rId12"/>
-    <p:sldId id="275" r:id="rId13"/>
-    <p:sldId id="265" r:id="rId14"/>
-    <p:sldId id="267" r:id="rId15"/>
+    <p:sldId id="277" r:id="rId13"/>
+    <p:sldId id="275" r:id="rId14"/>
+    <p:sldId id="279" r:id="rId15"/>
+    <p:sldId id="281" r:id="rId16"/>
+    <p:sldId id="265" r:id="rId17"/>
+    <p:sldId id="282" r:id="rId18"/>
+    <p:sldId id="280" r:id="rId19"/>
+    <p:sldId id="284" r:id="rId20"/>
+    <p:sldId id="283" r:id="rId21"/>
+    <p:sldId id="285" r:id="rId22"/>
+    <p:sldId id="289" r:id="rId23"/>
+    <p:sldId id="290" r:id="rId24"/>
+    <p:sldId id="291" r:id="rId25"/>
+    <p:sldId id="286" r:id="rId26"/>
+    <p:sldId id="287" r:id="rId27"/>
+    <p:sldId id="288" r:id="rId28"/>
+    <p:sldId id="267" r:id="rId29"/>
   </p:sldIdLst>
   <p:sldSz cx="12192000" cy="6858000"/>
   <p:notesSz cx="6858000" cy="9144000"/>
@@ -126,8 +140,8 @@
         <p14:section name="Default Section" id="{CCEA940C-C159-493C-9FA9-666187533BAF}">
           <p14:sldIdLst>
             <p14:sldId id="256"/>
-            <p14:sldId id="266"/>
             <p14:sldId id="264"/>
+            <p14:sldId id="278"/>
           </p14:sldIdLst>
         </p14:section>
         <p14:section name="P-value Intro" id="{80C813E4-9C08-4D6A-9BC2-684103657A39}">
@@ -144,8 +158,26 @@
         <p14:section name="Bem ESP" id="{0E824D0C-1F53-4786-90CE-D0EC31856B75}">
           <p14:sldIdLst>
             <p14:sldId id="276"/>
+            <p14:sldId id="277"/>
             <p14:sldId id="275"/>
+            <p14:sldId id="279"/>
+            <p14:sldId id="281"/>
             <p14:sldId id="265"/>
+            <p14:sldId id="282"/>
+            <p14:sldId id="280"/>
+            <p14:sldId id="284"/>
+            <p14:sldId id="283"/>
+            <p14:sldId id="285"/>
+            <p14:sldId id="289"/>
+            <p14:sldId id="290"/>
+            <p14:sldId id="291"/>
+            <p14:sldId id="286"/>
+          </p14:sldIdLst>
+        </p14:section>
+        <p14:section name="Conclusion" id="{6B8F0DCB-48B7-401E-B426-3A41DA5A266F}">
+          <p14:sldIdLst>
+            <p14:sldId id="287"/>
+            <p14:sldId id="288"/>
             <p14:sldId id="267"/>
           </p14:sldIdLst>
         </p14:section>
@@ -240,7 +272,7 @@
           <a:p>
             <a:fld id="{5B4D735E-FF2B-4F2C-B387-0C10F724C3FF}" type="datetimeFigureOut">
               <a:rPr lang="en-US" smtClean="0"/>
-              <a:t>1/8/2019</a:t>
+              <a:t>1/10/2019</a:t>
             </a:fld>
             <a:endParaRPr lang="en-US"/>
           </a:p>
@@ -554,6 +586,274 @@
           <a:p>
             <a:r>
               <a:rPr lang="en-US" dirty="0" smtClean="0"/>
+              <a:t>Setup notes – put</a:t>
+            </a:r>
+            <a:r>
+              <a:rPr lang="en-US" baseline="0" dirty="0" smtClean="0"/>
+              <a:t> z link to repository.</a:t>
+            </a:r>
+            <a:endParaRPr lang="en-US" dirty="0"/>
+          </a:p>
+        </p:txBody>
+      </p:sp>
+      <p:sp>
+        <p:nvSpPr>
+          <p:cNvPr id="4" name="Slide Number Placeholder 3"/>
+          <p:cNvSpPr>
+            <a:spLocks noGrp="1"/>
+          </p:cNvSpPr>
+          <p:nvPr>
+            <p:ph type="sldNum" sz="quarter" idx="10"/>
+          </p:nvPr>
+        </p:nvSpPr>
+        <p:spPr/>
+        <p:txBody>
+          <a:bodyPr/>
+          <a:lstStyle/>
+          <a:p>
+            <a:fld id="{2E0A6CDD-7EB5-4CA4-848D-7292B55DA744}" type="slidenum">
+              <a:rPr lang="en-US" smtClean="0"/>
+              <a:t>1</a:t>
+            </a:fld>
+            <a:endParaRPr lang="en-US"/>
+          </a:p>
+        </p:txBody>
+      </p:sp>
+    </p:spTree>
+    <p:extLst>
+      <p:ext uri="{BB962C8B-B14F-4D97-AF65-F5344CB8AC3E}">
+        <p14:creationId xmlns:p14="http://schemas.microsoft.com/office/powerpoint/2010/main" val="2524381090"/>
+      </p:ext>
+    </p:extLst>
+  </p:cSld>
+  <p:clrMapOvr>
+    <a:masterClrMapping/>
+  </p:clrMapOvr>
+</p:notes>
+</file>
+
+<file path=ppt/notesSlides/notesSlide10.xml><?xml version="1.0" encoding="utf-8"?>
+<p:notes xmlns:a="http://schemas.openxmlformats.org/drawingml/2006/main" xmlns:r="http://schemas.openxmlformats.org/officeDocument/2006/relationships" xmlns:p="http://schemas.openxmlformats.org/presentationml/2006/main">
+  <p:cSld>
+    <p:spTree>
+      <p:nvGrpSpPr>
+        <p:cNvPr id="1" name=""/>
+        <p:cNvGrpSpPr/>
+        <p:nvPr/>
+      </p:nvGrpSpPr>
+      <p:grpSpPr>
+        <a:xfrm>
+          <a:off x="0" y="0"/>
+          <a:ext cx="0" cy="0"/>
+          <a:chOff x="0" y="0"/>
+          <a:chExt cx="0" cy="0"/>
+        </a:xfrm>
+      </p:grpSpPr>
+      <p:sp>
+        <p:nvSpPr>
+          <p:cNvPr id="2" name="Slide Image Placeholder 1"/>
+          <p:cNvSpPr>
+            <a:spLocks noGrp="1" noRot="1" noChangeAspect="1"/>
+          </p:cNvSpPr>
+          <p:nvPr>
+            <p:ph type="sldImg"/>
+          </p:nvPr>
+        </p:nvSpPr>
+        <p:spPr/>
+      </p:sp>
+      <p:sp>
+        <p:nvSpPr>
+          <p:cNvPr id="3" name="Notes Placeholder 2"/>
+          <p:cNvSpPr>
+            <a:spLocks noGrp="1"/>
+          </p:cNvSpPr>
+          <p:nvPr>
+            <p:ph type="body" idx="1"/>
+          </p:nvPr>
+        </p:nvSpPr>
+        <p:spPr/>
+        <p:txBody>
+          <a:bodyPr/>
+          <a:lstStyle/>
+          <a:p>
+            <a:r>
+              <a:rPr lang="en-US" dirty="0" smtClean="0"/>
+              <a:t>Where</a:t>
+            </a:r>
+            <a:r>
+              <a:rPr lang="en-US" baseline="0" dirty="0" smtClean="0"/>
+              <a:t> does most of your research fall?</a:t>
+            </a:r>
+            <a:endParaRPr lang="en-US" dirty="0"/>
+          </a:p>
+        </p:txBody>
+      </p:sp>
+      <p:sp>
+        <p:nvSpPr>
+          <p:cNvPr id="4" name="Slide Number Placeholder 3"/>
+          <p:cNvSpPr>
+            <a:spLocks noGrp="1"/>
+          </p:cNvSpPr>
+          <p:nvPr>
+            <p:ph type="sldNum" sz="quarter" idx="10"/>
+          </p:nvPr>
+        </p:nvSpPr>
+        <p:spPr/>
+        <p:txBody>
+          <a:bodyPr/>
+          <a:lstStyle/>
+          <a:p>
+            <a:fld id="{2E0A6CDD-7EB5-4CA4-848D-7292B55DA744}" type="slidenum">
+              <a:rPr lang="en-US" smtClean="0"/>
+              <a:t>19</a:t>
+            </a:fld>
+            <a:endParaRPr lang="en-US"/>
+          </a:p>
+        </p:txBody>
+      </p:sp>
+    </p:spTree>
+    <p:extLst>
+      <p:ext uri="{BB962C8B-B14F-4D97-AF65-F5344CB8AC3E}">
+        <p14:creationId xmlns:p14="http://schemas.microsoft.com/office/powerpoint/2010/main" val="2545613541"/>
+      </p:ext>
+    </p:extLst>
+  </p:cSld>
+  <p:clrMapOvr>
+    <a:masterClrMapping/>
+  </p:clrMapOvr>
+</p:notes>
+</file>
+
+<file path=ppt/notesSlides/notesSlide11.xml><?xml version="1.0" encoding="utf-8"?>
+<p:notes xmlns:a="http://schemas.openxmlformats.org/drawingml/2006/main" xmlns:r="http://schemas.openxmlformats.org/officeDocument/2006/relationships" xmlns:p="http://schemas.openxmlformats.org/presentationml/2006/main">
+  <p:cSld>
+    <p:spTree>
+      <p:nvGrpSpPr>
+        <p:cNvPr id="1" name=""/>
+        <p:cNvGrpSpPr/>
+        <p:nvPr/>
+      </p:nvGrpSpPr>
+      <p:grpSpPr>
+        <a:xfrm>
+          <a:off x="0" y="0"/>
+          <a:ext cx="0" cy="0"/>
+          <a:chOff x="0" y="0"/>
+          <a:chExt cx="0" cy="0"/>
+        </a:xfrm>
+      </p:grpSpPr>
+      <p:sp>
+        <p:nvSpPr>
+          <p:cNvPr id="2" name="Slide Image Placeholder 1"/>
+          <p:cNvSpPr>
+            <a:spLocks noGrp="1" noRot="1" noChangeAspect="1"/>
+          </p:cNvSpPr>
+          <p:nvPr>
+            <p:ph type="sldImg"/>
+          </p:nvPr>
+        </p:nvSpPr>
+        <p:spPr/>
+      </p:sp>
+      <p:sp>
+        <p:nvSpPr>
+          <p:cNvPr id="3" name="Notes Placeholder 2"/>
+          <p:cNvSpPr>
+            <a:spLocks noGrp="1"/>
+          </p:cNvSpPr>
+          <p:nvPr>
+            <p:ph type="body" idx="1"/>
+          </p:nvPr>
+        </p:nvSpPr>
+        <p:spPr/>
+        <p:txBody>
+          <a:bodyPr/>
+          <a:lstStyle/>
+          <a:p>
+            <a:endParaRPr lang="en-US"/>
+          </a:p>
+        </p:txBody>
+      </p:sp>
+      <p:sp>
+        <p:nvSpPr>
+          <p:cNvPr id="4" name="Slide Number Placeholder 3"/>
+          <p:cNvSpPr>
+            <a:spLocks noGrp="1"/>
+          </p:cNvSpPr>
+          <p:nvPr>
+            <p:ph type="sldNum" sz="quarter" idx="10"/>
+          </p:nvPr>
+        </p:nvSpPr>
+        <p:spPr/>
+        <p:txBody>
+          <a:bodyPr/>
+          <a:lstStyle/>
+          <a:p>
+            <a:fld id="{2E0A6CDD-7EB5-4CA4-848D-7292B55DA744}" type="slidenum">
+              <a:rPr lang="en-US" smtClean="0"/>
+              <a:t>20</a:t>
+            </a:fld>
+            <a:endParaRPr lang="en-US"/>
+          </a:p>
+        </p:txBody>
+      </p:sp>
+    </p:spTree>
+    <p:extLst>
+      <p:ext uri="{BB962C8B-B14F-4D97-AF65-F5344CB8AC3E}">
+        <p14:creationId xmlns:p14="http://schemas.microsoft.com/office/powerpoint/2010/main" val="2317955300"/>
+      </p:ext>
+    </p:extLst>
+  </p:cSld>
+  <p:clrMapOvr>
+    <a:masterClrMapping/>
+  </p:clrMapOvr>
+</p:notes>
+</file>
+
+<file path=ppt/notesSlides/notesSlide2.xml><?xml version="1.0" encoding="utf-8"?>
+<p:notes xmlns:a="http://schemas.openxmlformats.org/drawingml/2006/main" xmlns:r="http://schemas.openxmlformats.org/officeDocument/2006/relationships" xmlns:p="http://schemas.openxmlformats.org/presentationml/2006/main">
+  <p:cSld>
+    <p:spTree>
+      <p:nvGrpSpPr>
+        <p:cNvPr id="1" name=""/>
+        <p:cNvGrpSpPr/>
+        <p:nvPr/>
+      </p:nvGrpSpPr>
+      <p:grpSpPr>
+        <a:xfrm>
+          <a:off x="0" y="0"/>
+          <a:ext cx="0" cy="0"/>
+          <a:chOff x="0" y="0"/>
+          <a:chExt cx="0" cy="0"/>
+        </a:xfrm>
+      </p:grpSpPr>
+      <p:sp>
+        <p:nvSpPr>
+          <p:cNvPr id="2" name="Slide Image Placeholder 1"/>
+          <p:cNvSpPr>
+            <a:spLocks noGrp="1" noRot="1" noChangeAspect="1"/>
+          </p:cNvSpPr>
+          <p:nvPr>
+            <p:ph type="sldImg"/>
+          </p:nvPr>
+        </p:nvSpPr>
+        <p:spPr/>
+      </p:sp>
+      <p:sp>
+        <p:nvSpPr>
+          <p:cNvPr id="3" name="Notes Placeholder 2"/>
+          <p:cNvSpPr>
+            <a:spLocks noGrp="1"/>
+          </p:cNvSpPr>
+          <p:nvPr>
+            <p:ph type="body" idx="1"/>
+          </p:nvPr>
+        </p:nvSpPr>
+        <p:spPr/>
+        <p:txBody>
+          <a:bodyPr/>
+          <a:lstStyle/>
+          <a:p>
+            <a:r>
+              <a:rPr lang="en-US" dirty="0" smtClean="0"/>
               <a:t>Part of how we embrace</a:t>
             </a:r>
             <a:r>
@@ -600,7 +900,7 @@
 </p:notes>
 </file>
 
-<file path=ppt/notesSlides/notesSlide2.xml><?xml version="1.0" encoding="utf-8"?>
+<file path=ppt/notesSlides/notesSlide3.xml><?xml version="1.0" encoding="utf-8"?>
 <p:notes xmlns:a="http://schemas.openxmlformats.org/drawingml/2006/main" xmlns:r="http://schemas.openxmlformats.org/officeDocument/2006/relationships" xmlns:p="http://schemas.openxmlformats.org/presentationml/2006/main">
   <p:cSld>
     <p:spTree>
@@ -688,7 +988,7 @@
 </p:notes>
 </file>
 
-<file path=ppt/notesSlides/notesSlide3.xml><?xml version="1.0" encoding="utf-8"?>
+<file path=ppt/notesSlides/notesSlide4.xml><?xml version="1.0" encoding="utf-8"?>
 <p:notes xmlns:a="http://schemas.openxmlformats.org/drawingml/2006/main" xmlns:r="http://schemas.openxmlformats.org/officeDocument/2006/relationships" xmlns:p="http://schemas.openxmlformats.org/presentationml/2006/main">
   <p:cSld>
     <p:spTree>
@@ -767,6 +1067,469 @@
     <p:extLst>
       <p:ext uri="{BB962C8B-B14F-4D97-AF65-F5344CB8AC3E}">
         <p14:creationId xmlns:p14="http://schemas.microsoft.com/office/powerpoint/2010/main" val="2602271139"/>
+      </p:ext>
+    </p:extLst>
+  </p:cSld>
+  <p:clrMapOvr>
+    <a:masterClrMapping/>
+  </p:clrMapOvr>
+</p:notes>
+</file>
+
+<file path=ppt/notesSlides/notesSlide5.xml><?xml version="1.0" encoding="utf-8"?>
+<p:notes xmlns:a="http://schemas.openxmlformats.org/drawingml/2006/main" xmlns:r="http://schemas.openxmlformats.org/officeDocument/2006/relationships" xmlns:p="http://schemas.openxmlformats.org/presentationml/2006/main">
+  <p:cSld>
+    <p:spTree>
+      <p:nvGrpSpPr>
+        <p:cNvPr id="1" name=""/>
+        <p:cNvGrpSpPr/>
+        <p:nvPr/>
+      </p:nvGrpSpPr>
+      <p:grpSpPr>
+        <a:xfrm>
+          <a:off x="0" y="0"/>
+          <a:ext cx="0" cy="0"/>
+          <a:chOff x="0" y="0"/>
+          <a:chExt cx="0" cy="0"/>
+        </a:xfrm>
+      </p:grpSpPr>
+      <p:sp>
+        <p:nvSpPr>
+          <p:cNvPr id="2" name="Slide Image Placeholder 1"/>
+          <p:cNvSpPr>
+            <a:spLocks noGrp="1" noRot="1" noChangeAspect="1"/>
+          </p:cNvSpPr>
+          <p:nvPr>
+            <p:ph type="sldImg"/>
+          </p:nvPr>
+        </p:nvSpPr>
+        <p:spPr/>
+      </p:sp>
+      <p:sp>
+        <p:nvSpPr>
+          <p:cNvPr id="3" name="Notes Placeholder 2"/>
+          <p:cNvSpPr>
+            <a:spLocks noGrp="1"/>
+          </p:cNvSpPr>
+          <p:nvPr>
+            <p:ph type="body" idx="1"/>
+          </p:nvPr>
+        </p:nvSpPr>
+        <p:spPr/>
+        <p:txBody>
+          <a:bodyPr/>
+          <a:lstStyle/>
+          <a:p>
+            <a:r>
+              <a:rPr lang="en-US" dirty="0" smtClean="0"/>
+              <a:t>Transition</a:t>
+            </a:r>
+            <a:r>
+              <a:rPr lang="en-US" baseline="0" dirty="0" smtClean="0"/>
+              <a:t> here to R and describing dataset</a:t>
+            </a:r>
+          </a:p>
+          <a:p>
+            <a:endParaRPr lang="en-US" dirty="0"/>
+          </a:p>
+        </p:txBody>
+      </p:sp>
+      <p:sp>
+        <p:nvSpPr>
+          <p:cNvPr id="4" name="Slide Number Placeholder 3"/>
+          <p:cNvSpPr>
+            <a:spLocks noGrp="1"/>
+          </p:cNvSpPr>
+          <p:nvPr>
+            <p:ph type="sldNum" sz="quarter" idx="10"/>
+          </p:nvPr>
+        </p:nvSpPr>
+        <p:spPr/>
+        <p:txBody>
+          <a:bodyPr/>
+          <a:lstStyle/>
+          <a:p>
+            <a:fld id="{2E0A6CDD-7EB5-4CA4-848D-7292B55DA744}" type="slidenum">
+              <a:rPr lang="en-US" smtClean="0"/>
+              <a:t>11</a:t>
+            </a:fld>
+            <a:endParaRPr lang="en-US"/>
+          </a:p>
+        </p:txBody>
+      </p:sp>
+    </p:spTree>
+    <p:extLst>
+      <p:ext uri="{BB962C8B-B14F-4D97-AF65-F5344CB8AC3E}">
+        <p14:creationId xmlns:p14="http://schemas.microsoft.com/office/powerpoint/2010/main" val="2802970703"/>
+      </p:ext>
+    </p:extLst>
+  </p:cSld>
+  <p:clrMapOvr>
+    <a:masterClrMapping/>
+  </p:clrMapOvr>
+</p:notes>
+</file>
+
+<file path=ppt/notesSlides/notesSlide6.xml><?xml version="1.0" encoding="utf-8"?>
+<p:notes xmlns:a="http://schemas.openxmlformats.org/drawingml/2006/main" xmlns:r="http://schemas.openxmlformats.org/officeDocument/2006/relationships" xmlns:p="http://schemas.openxmlformats.org/presentationml/2006/main">
+  <p:cSld>
+    <p:spTree>
+      <p:nvGrpSpPr>
+        <p:cNvPr id="1" name=""/>
+        <p:cNvGrpSpPr/>
+        <p:nvPr/>
+      </p:nvGrpSpPr>
+      <p:grpSpPr>
+        <a:xfrm>
+          <a:off x="0" y="0"/>
+          <a:ext cx="0" cy="0"/>
+          <a:chOff x="0" y="0"/>
+          <a:chExt cx="0" cy="0"/>
+        </a:xfrm>
+      </p:grpSpPr>
+      <p:sp>
+        <p:nvSpPr>
+          <p:cNvPr id="2" name="Slide Image Placeholder 1"/>
+          <p:cNvSpPr>
+            <a:spLocks noGrp="1" noRot="1" noChangeAspect="1"/>
+          </p:cNvSpPr>
+          <p:nvPr>
+            <p:ph type="sldImg"/>
+          </p:nvPr>
+        </p:nvSpPr>
+        <p:spPr/>
+      </p:sp>
+      <p:sp>
+        <p:nvSpPr>
+          <p:cNvPr id="3" name="Notes Placeholder 2"/>
+          <p:cNvSpPr>
+            <a:spLocks noGrp="1"/>
+          </p:cNvSpPr>
+          <p:nvPr>
+            <p:ph type="body" idx="1"/>
+          </p:nvPr>
+        </p:nvSpPr>
+        <p:spPr/>
+        <p:txBody>
+          <a:bodyPr/>
+          <a:lstStyle/>
+          <a:p>
+            <a:r>
+              <a:rPr lang="en-US" dirty="0" smtClean="0"/>
+              <a:t>Raise your hand if you</a:t>
+            </a:r>
+            <a:r>
+              <a:rPr lang="en-US" baseline="0" dirty="0" smtClean="0"/>
+              <a:t> can quickly download, manipulate, and run statistical tests on data – doesn’t matter what stat package you use.</a:t>
+            </a:r>
+            <a:endParaRPr lang="en-US" dirty="0"/>
+          </a:p>
+        </p:txBody>
+      </p:sp>
+      <p:sp>
+        <p:nvSpPr>
+          <p:cNvPr id="4" name="Slide Number Placeholder 3"/>
+          <p:cNvSpPr>
+            <a:spLocks noGrp="1"/>
+          </p:cNvSpPr>
+          <p:nvPr>
+            <p:ph type="sldNum" sz="quarter" idx="10"/>
+          </p:nvPr>
+        </p:nvSpPr>
+        <p:spPr/>
+        <p:txBody>
+          <a:bodyPr/>
+          <a:lstStyle/>
+          <a:p>
+            <a:fld id="{2E0A6CDD-7EB5-4CA4-848D-7292B55DA744}" type="slidenum">
+              <a:rPr lang="en-US" smtClean="0"/>
+              <a:t>12</a:t>
+            </a:fld>
+            <a:endParaRPr lang="en-US"/>
+          </a:p>
+        </p:txBody>
+      </p:sp>
+    </p:spTree>
+    <p:extLst>
+      <p:ext uri="{BB962C8B-B14F-4D97-AF65-F5344CB8AC3E}">
+        <p14:creationId xmlns:p14="http://schemas.microsoft.com/office/powerpoint/2010/main" val="855365787"/>
+      </p:ext>
+    </p:extLst>
+  </p:cSld>
+  <p:clrMapOvr>
+    <a:masterClrMapping/>
+  </p:clrMapOvr>
+</p:notes>
+</file>
+
+<file path=ppt/notesSlides/notesSlide7.xml><?xml version="1.0" encoding="utf-8"?>
+<p:notes xmlns:a="http://schemas.openxmlformats.org/drawingml/2006/main" xmlns:r="http://schemas.openxmlformats.org/officeDocument/2006/relationships" xmlns:p="http://schemas.openxmlformats.org/presentationml/2006/main">
+  <p:cSld>
+    <p:spTree>
+      <p:nvGrpSpPr>
+        <p:cNvPr id="1" name=""/>
+        <p:cNvGrpSpPr/>
+        <p:nvPr/>
+      </p:nvGrpSpPr>
+      <p:grpSpPr>
+        <a:xfrm>
+          <a:off x="0" y="0"/>
+          <a:ext cx="0" cy="0"/>
+          <a:chOff x="0" y="0"/>
+          <a:chExt cx="0" cy="0"/>
+        </a:xfrm>
+      </p:grpSpPr>
+      <p:sp>
+        <p:nvSpPr>
+          <p:cNvPr id="2" name="Slide Image Placeholder 1"/>
+          <p:cNvSpPr>
+            <a:spLocks noGrp="1" noRot="1" noChangeAspect="1"/>
+          </p:cNvSpPr>
+          <p:nvPr>
+            <p:ph type="sldImg"/>
+          </p:nvPr>
+        </p:nvSpPr>
+        <p:spPr/>
+      </p:sp>
+      <p:sp>
+        <p:nvSpPr>
+          <p:cNvPr id="3" name="Notes Placeholder 2"/>
+          <p:cNvSpPr>
+            <a:spLocks noGrp="1"/>
+          </p:cNvSpPr>
+          <p:nvPr>
+            <p:ph type="body" idx="1"/>
+          </p:nvPr>
+        </p:nvSpPr>
+        <p:spPr/>
+        <p:txBody>
+          <a:bodyPr/>
+          <a:lstStyle/>
+          <a:p>
+            <a:r>
+              <a:rPr lang="en-US" dirty="0" smtClean="0"/>
+              <a:t>Possibly:</a:t>
+            </a:r>
+            <a:r>
+              <a:rPr lang="en-US" baseline="0" dirty="0" smtClean="0"/>
+              <a:t> Do a lot of “pilot” experiments, keep on going on ONLY the ones that had high effects at the beginning.  Even if the rest of the data has low significance, you’ll end up with a statistically significant effect. only report the significant ones.  There is some evidence that he combined several studies (the Exp1 data already has a bit of a pasted-together feel).</a:t>
+            </a:r>
+          </a:p>
+          <a:p>
+            <a:endParaRPr lang="en-US" baseline="0" dirty="0" smtClean="0"/>
+          </a:p>
+          <a:p>
+            <a:r>
+              <a:rPr lang="en-US" baseline="0" dirty="0" smtClean="0"/>
+              <a:t>And of course, maybe there is ESP.  But let’s use better methods to detect it.</a:t>
+            </a:r>
+            <a:endParaRPr lang="en-US" dirty="0"/>
+          </a:p>
+        </p:txBody>
+      </p:sp>
+      <p:sp>
+        <p:nvSpPr>
+          <p:cNvPr id="4" name="Slide Number Placeholder 3"/>
+          <p:cNvSpPr>
+            <a:spLocks noGrp="1"/>
+          </p:cNvSpPr>
+          <p:nvPr>
+            <p:ph type="sldNum" sz="quarter" idx="10"/>
+          </p:nvPr>
+        </p:nvSpPr>
+        <p:spPr/>
+        <p:txBody>
+          <a:bodyPr/>
+          <a:lstStyle/>
+          <a:p>
+            <a:fld id="{2E0A6CDD-7EB5-4CA4-848D-7292B55DA744}" type="slidenum">
+              <a:rPr lang="en-US" smtClean="0"/>
+              <a:t>15</a:t>
+            </a:fld>
+            <a:endParaRPr lang="en-US"/>
+          </a:p>
+        </p:txBody>
+      </p:sp>
+    </p:spTree>
+    <p:extLst>
+      <p:ext uri="{BB962C8B-B14F-4D97-AF65-F5344CB8AC3E}">
+        <p14:creationId xmlns:p14="http://schemas.microsoft.com/office/powerpoint/2010/main" val="2139078201"/>
+      </p:ext>
+    </p:extLst>
+  </p:cSld>
+  <p:clrMapOvr>
+    <a:masterClrMapping/>
+  </p:clrMapOvr>
+</p:notes>
+</file>
+
+<file path=ppt/notesSlides/notesSlide8.xml><?xml version="1.0" encoding="utf-8"?>
+<p:notes xmlns:a="http://schemas.openxmlformats.org/drawingml/2006/main" xmlns:r="http://schemas.openxmlformats.org/officeDocument/2006/relationships" xmlns:p="http://schemas.openxmlformats.org/presentationml/2006/main">
+  <p:cSld>
+    <p:spTree>
+      <p:nvGrpSpPr>
+        <p:cNvPr id="1" name=""/>
+        <p:cNvGrpSpPr/>
+        <p:nvPr/>
+      </p:nvGrpSpPr>
+      <p:grpSpPr>
+        <a:xfrm>
+          <a:off x="0" y="0"/>
+          <a:ext cx="0" cy="0"/>
+          <a:chOff x="0" y="0"/>
+          <a:chExt cx="0" cy="0"/>
+        </a:xfrm>
+      </p:grpSpPr>
+      <p:sp>
+        <p:nvSpPr>
+          <p:cNvPr id="2" name="Slide Image Placeholder 1"/>
+          <p:cNvSpPr>
+            <a:spLocks noGrp="1" noRot="1" noChangeAspect="1"/>
+          </p:cNvSpPr>
+          <p:nvPr>
+            <p:ph type="sldImg"/>
+          </p:nvPr>
+        </p:nvSpPr>
+        <p:spPr/>
+      </p:sp>
+      <p:sp>
+        <p:nvSpPr>
+          <p:cNvPr id="3" name="Notes Placeholder 2"/>
+          <p:cNvSpPr>
+            <a:spLocks noGrp="1"/>
+          </p:cNvSpPr>
+          <p:nvPr>
+            <p:ph type="body" idx="1"/>
+          </p:nvPr>
+        </p:nvSpPr>
+        <p:spPr/>
+        <p:txBody>
+          <a:bodyPr/>
+          <a:lstStyle/>
+          <a:p>
+            <a:endParaRPr lang="en-US"/>
+          </a:p>
+        </p:txBody>
+      </p:sp>
+      <p:sp>
+        <p:nvSpPr>
+          <p:cNvPr id="4" name="Slide Number Placeholder 3"/>
+          <p:cNvSpPr>
+            <a:spLocks noGrp="1"/>
+          </p:cNvSpPr>
+          <p:nvPr>
+            <p:ph type="sldNum" sz="quarter" idx="10"/>
+          </p:nvPr>
+        </p:nvSpPr>
+        <p:spPr/>
+        <p:txBody>
+          <a:bodyPr/>
+          <a:lstStyle/>
+          <a:p>
+            <a:fld id="{2E0A6CDD-7EB5-4CA4-848D-7292B55DA744}" type="slidenum">
+              <a:rPr lang="en-US" smtClean="0"/>
+              <a:t>17</a:t>
+            </a:fld>
+            <a:endParaRPr lang="en-US"/>
+          </a:p>
+        </p:txBody>
+      </p:sp>
+    </p:spTree>
+    <p:extLst>
+      <p:ext uri="{BB962C8B-B14F-4D97-AF65-F5344CB8AC3E}">
+        <p14:creationId xmlns:p14="http://schemas.microsoft.com/office/powerpoint/2010/main" val="2558614093"/>
+      </p:ext>
+    </p:extLst>
+  </p:cSld>
+  <p:clrMapOvr>
+    <a:masterClrMapping/>
+  </p:clrMapOvr>
+</p:notes>
+</file>
+
+<file path=ppt/notesSlides/notesSlide9.xml><?xml version="1.0" encoding="utf-8"?>
+<p:notes xmlns:a="http://schemas.openxmlformats.org/drawingml/2006/main" xmlns:r="http://schemas.openxmlformats.org/officeDocument/2006/relationships" xmlns:p="http://schemas.openxmlformats.org/presentationml/2006/main">
+  <p:cSld>
+    <p:spTree>
+      <p:nvGrpSpPr>
+        <p:cNvPr id="1" name=""/>
+        <p:cNvGrpSpPr/>
+        <p:nvPr/>
+      </p:nvGrpSpPr>
+      <p:grpSpPr>
+        <a:xfrm>
+          <a:off x="0" y="0"/>
+          <a:ext cx="0" cy="0"/>
+          <a:chOff x="0" y="0"/>
+          <a:chExt cx="0" cy="0"/>
+        </a:xfrm>
+      </p:grpSpPr>
+      <p:sp>
+        <p:nvSpPr>
+          <p:cNvPr id="2" name="Slide Image Placeholder 1"/>
+          <p:cNvSpPr>
+            <a:spLocks noGrp="1" noRot="1" noChangeAspect="1"/>
+          </p:cNvSpPr>
+          <p:nvPr>
+            <p:ph type="sldImg"/>
+          </p:nvPr>
+        </p:nvSpPr>
+        <p:spPr/>
+      </p:sp>
+      <p:sp>
+        <p:nvSpPr>
+          <p:cNvPr id="3" name="Notes Placeholder 2"/>
+          <p:cNvSpPr>
+            <a:spLocks noGrp="1"/>
+          </p:cNvSpPr>
+          <p:nvPr>
+            <p:ph type="body" idx="1"/>
+          </p:nvPr>
+        </p:nvSpPr>
+        <p:spPr/>
+        <p:txBody>
+          <a:bodyPr/>
+          <a:lstStyle/>
+          <a:p>
+            <a:r>
+              <a:rPr lang="en-US" dirty="0" smtClean="0"/>
+              <a:t>Where</a:t>
+            </a:r>
+            <a:r>
+              <a:rPr lang="en-US" baseline="0" dirty="0" smtClean="0"/>
+              <a:t> does most of your research fall?</a:t>
+            </a:r>
+            <a:endParaRPr lang="en-US" dirty="0"/>
+          </a:p>
+        </p:txBody>
+      </p:sp>
+      <p:sp>
+        <p:nvSpPr>
+          <p:cNvPr id="4" name="Slide Number Placeholder 3"/>
+          <p:cNvSpPr>
+            <a:spLocks noGrp="1"/>
+          </p:cNvSpPr>
+          <p:nvPr>
+            <p:ph type="sldNum" sz="quarter" idx="10"/>
+          </p:nvPr>
+        </p:nvSpPr>
+        <p:spPr/>
+        <p:txBody>
+          <a:bodyPr/>
+          <a:lstStyle/>
+          <a:p>
+            <a:fld id="{2E0A6CDD-7EB5-4CA4-848D-7292B55DA744}" type="slidenum">
+              <a:rPr lang="en-US" smtClean="0"/>
+              <a:t>18</a:t>
+            </a:fld>
+            <a:endParaRPr lang="en-US"/>
+          </a:p>
+        </p:txBody>
+      </p:sp>
+    </p:spTree>
+    <p:extLst>
+      <p:ext uri="{BB962C8B-B14F-4D97-AF65-F5344CB8AC3E}">
+        <p14:creationId xmlns:p14="http://schemas.microsoft.com/office/powerpoint/2010/main" val="864461149"/>
       </p:ext>
     </p:extLst>
   </p:cSld>
@@ -9461,7 +10224,7 @@
           </a:lstStyle>
           <a:p>
             <a:r>
-              <a:rPr lang="en-US" smtClean="0"/>
+              <a:rPr lang="en-US" dirty="0" smtClean="0"/>
               <a:t>Click to edit Master title style</a:t>
             </a:r>
             <a:endParaRPr lang="en-US" dirty="0"/>
@@ -9567,9 +10330,9 @@
             </a:lvl1pPr>
           </a:lstStyle>
           <a:p>
-            <a:fld id="{E18A1D98-80E8-4EC2-AAE6-111788340576}" type="datetimeFigureOut">
+            <a:fld id="{88EE5525-E8FD-4960-9983-7CCD6AC1DAB7}" type="datetime1">
               <a:rPr lang="en-US" smtClean="0"/>
-              <a:t>1/8/2019</a:t>
+              <a:t>1/10/2019</a:t>
             </a:fld>
             <a:endParaRPr lang="en-US"/>
           </a:p>
@@ -9585,12 +10348,25 @@
             <p:ph type="ftr" sz="quarter" idx="11"/>
           </p:nvPr>
         </p:nvSpPr>
-        <p:spPr/>
+        <p:spPr>
+          <a:xfrm>
+            <a:off x="299957" y="6423177"/>
+            <a:ext cx="9109086" cy="321847"/>
+          </a:xfrm>
+        </p:spPr>
         <p:txBody>
           <a:bodyPr/>
-          <a:lstStyle/>
+          <a:lstStyle>
+            <a:lvl1pPr>
+              <a:defRPr sz="2400"/>
+            </a:lvl1pPr>
+          </a:lstStyle>
           <a:p>
-            <a:endParaRPr lang="en-US"/>
+            <a:r>
+              <a:rPr lang="en-US" smtClean="0"/>
+              <a:t>(CC) ETHAN BROwN|brow3821@umn.edu|github.com/statisfactions/beyond_P</a:t>
+            </a:r>
+            <a:endParaRPr lang="en-US" dirty="0"/>
           </a:p>
         </p:txBody>
       </p:sp>
@@ -9664,6 +10440,13 @@
   <p:clrMapOvr>
     <a:masterClrMapping/>
   </p:clrMapOvr>
+  <p:timing>
+    <p:tnLst>
+      <p:par>
+        <p:cTn id="1" dur="indefinite" restart="never" nodeType="tmRoot"/>
+      </p:par>
+    </p:tnLst>
+  </p:timing>
 </p:sldLayout>
 </file>
 
@@ -9774,9 +10557,9 @@
           <a:bodyPr/>
           <a:lstStyle/>
           <a:p>
-            <a:fld id="{E18A1D98-80E8-4EC2-AAE6-111788340576}" type="datetimeFigureOut">
+            <a:fld id="{C2DB710E-975F-4823-B8D2-19CB838134C9}" type="datetime1">
               <a:rPr lang="en-US" smtClean="0"/>
-              <a:t>1/8/2019</a:t>
+              <a:t>1/10/2019</a:t>
             </a:fld>
             <a:endParaRPr lang="en-US"/>
           </a:p>
@@ -9797,6 +10580,10 @@
           <a:bodyPr/>
           <a:lstStyle/>
           <a:p>
+            <a:r>
+              <a:rPr lang="en-US" smtClean="0"/>
+              <a:t>(CC) ETHAN BROwN|brow3821@umn.edu|github.com/statisfactions/beyond_P</a:t>
+            </a:r>
             <a:endParaRPr lang="en-US"/>
           </a:p>
         </p:txBody>
@@ -9954,9 +10741,9 @@
           <a:bodyPr/>
           <a:lstStyle/>
           <a:p>
-            <a:fld id="{E18A1D98-80E8-4EC2-AAE6-111788340576}" type="datetimeFigureOut">
+            <a:fld id="{F2635D49-5073-432F-B357-DE77A9FED238}" type="datetime1">
               <a:rPr lang="en-US" smtClean="0"/>
-              <a:t>1/8/2019</a:t>
+              <a:t>1/10/2019</a:t>
             </a:fld>
             <a:endParaRPr lang="en-US"/>
           </a:p>
@@ -9977,6 +10764,10 @@
           <a:bodyPr/>
           <a:lstStyle/>
           <a:p>
+            <a:r>
+              <a:rPr lang="en-US" smtClean="0"/>
+              <a:t>(CC) ETHAN BROwN|brow3821@umn.edu|github.com/statisfactions/beyond_P</a:t>
+            </a:r>
             <a:endParaRPr lang="en-US"/>
           </a:p>
         </p:txBody>
@@ -10185,9 +10976,9 @@
           <a:bodyPr/>
           <a:lstStyle/>
           <a:p>
-            <a:fld id="{E18A1D98-80E8-4EC2-AAE6-111788340576}" type="datetimeFigureOut">
+            <a:fld id="{50860A5E-F1AC-41A8-83BB-B581D83362C0}" type="datetime1">
               <a:rPr lang="en-US" smtClean="0"/>
-              <a:t>1/8/2019</a:t>
+              <a:t>1/10/2019</a:t>
             </a:fld>
             <a:endParaRPr lang="en-US"/>
           </a:p>
@@ -10203,12 +10994,25 @@
             <p:ph type="ftr" sz="quarter" idx="11"/>
           </p:nvPr>
         </p:nvSpPr>
-        <p:spPr/>
+        <p:spPr>
+          <a:xfrm>
+            <a:off x="350445" y="6474415"/>
+            <a:ext cx="8038181" cy="151672"/>
+          </a:xfrm>
+        </p:spPr>
         <p:txBody>
           <a:bodyPr/>
-          <a:lstStyle/>
+          <a:lstStyle>
+            <a:lvl1pPr>
+              <a:defRPr sz="2400"/>
+            </a:lvl1pPr>
+          </a:lstStyle>
           <a:p>
-            <a:endParaRPr lang="en-US"/>
+            <a:r>
+              <a:rPr lang="en-US" smtClean="0"/>
+              <a:t>(CC) ETHAN BROwN|brow3821@umn.edu|github.com/statisfactions/beyond_P</a:t>
+            </a:r>
+            <a:endParaRPr lang="en-US" dirty="0"/>
           </a:p>
         </p:txBody>
       </p:sp>
@@ -10245,6 +11049,13 @@
   <p:clrMapOvr>
     <a:masterClrMapping/>
   </p:clrMapOvr>
+  <p:timing>
+    <p:tnLst>
+      <p:par>
+        <p:cTn id="1" dur="indefinite" restart="never" nodeType="tmRoot"/>
+      </p:par>
+    </p:tnLst>
+  </p:timing>
 </p:sldLayout>
 </file>
 
@@ -18918,7 +19729,7 @@
         </p:nvSpPr>
         <p:spPr>
           <a:xfrm>
-            <a:off x="457200" y="4960137"/>
+            <a:off x="502565" y="4715466"/>
             <a:ext cx="7772400" cy="1463040"/>
           </a:xfrm>
         </p:spPr>
@@ -19083,9 +19894,9 @@
           <a:bodyPr/>
           <a:lstStyle/>
           <a:p>
-            <a:fld id="{E18A1D98-80E8-4EC2-AAE6-111788340576}" type="datetimeFigureOut">
+            <a:fld id="{FD1BC067-A27C-47F5-9607-CBCCE5FA7D31}" type="datetime1">
               <a:rPr lang="en-US" smtClean="0"/>
-              <a:t>1/8/2019</a:t>
+              <a:t>1/10/2019</a:t>
             </a:fld>
             <a:endParaRPr lang="en-US"/>
           </a:p>
@@ -19101,11 +19912,24 @@
             <p:ph type="ftr" sz="quarter" idx="11"/>
           </p:nvPr>
         </p:nvSpPr>
-        <p:spPr/>
+        <p:spPr>
+          <a:xfrm>
+            <a:off x="403454" y="6470704"/>
+            <a:ext cx="6845485" cy="274320"/>
+          </a:xfrm>
+        </p:spPr>
         <p:txBody>
           <a:bodyPr/>
-          <a:lstStyle/>
+          <a:lstStyle>
+            <a:lvl1pPr>
+              <a:defRPr sz="2000"/>
+            </a:lvl1pPr>
+          </a:lstStyle>
           <a:p>
+            <a:r>
+              <a:rPr lang="en-US" smtClean="0"/>
+              <a:t>(CC) ETHAN BROwN|brow3821@umn.edu|github.com/statisfactions/beyond_P</a:t>
+            </a:r>
             <a:endParaRPr lang="en-US"/>
           </a:p>
         </p:txBody>
@@ -19180,6 +20004,13 @@
   <p:clrMapOvr>
     <a:masterClrMapping/>
   </p:clrMapOvr>
+  <p:timing>
+    <p:tnLst>
+      <p:par>
+        <p:cTn id="1" dur="indefinite" restart="never" nodeType="tmRoot"/>
+      </p:par>
+    </p:tnLst>
+  </p:timing>
 </p:sldLayout>
 </file>
 
@@ -19357,9 +20188,9 @@
           <a:bodyPr/>
           <a:lstStyle/>
           <a:p>
-            <a:fld id="{E18A1D98-80E8-4EC2-AAE6-111788340576}" type="datetimeFigureOut">
+            <a:fld id="{70D4EDFA-A56A-46D7-ADA1-1FFF5186F60D}" type="datetime1">
               <a:rPr lang="en-US" smtClean="0"/>
-              <a:t>1/8/2019</a:t>
+              <a:t>1/10/2019</a:t>
             </a:fld>
             <a:endParaRPr lang="en-US"/>
           </a:p>
@@ -19380,6 +20211,10 @@
           <a:bodyPr/>
           <a:lstStyle/>
           <a:p>
+            <a:r>
+              <a:rPr lang="en-US" smtClean="0"/>
+              <a:t>(CC) ETHAN BROwN|brow3821@umn.edu|github.com/statisfactions/beyond_P</a:t>
+            </a:r>
             <a:endParaRPr lang="en-US"/>
           </a:p>
         </p:txBody>
@@ -19417,6 +20252,13 @@
   <p:clrMapOvr>
     <a:masterClrMapping/>
   </p:clrMapOvr>
+  <p:timing>
+    <p:tnLst>
+      <p:par>
+        <p:cTn id="1" dur="indefinite" restart="never" nodeType="tmRoot"/>
+      </p:par>
+    </p:tnLst>
+  </p:timing>
 </p:sldLayout>
 </file>
 
@@ -19755,9 +20597,9 @@
           <a:bodyPr/>
           <a:lstStyle/>
           <a:p>
-            <a:fld id="{E18A1D98-80E8-4EC2-AAE6-111788340576}" type="datetimeFigureOut">
+            <a:fld id="{767157F7-F041-4B9B-B232-533A7DDD06FD}" type="datetime1">
               <a:rPr lang="en-US" smtClean="0"/>
-              <a:t>1/8/2019</a:t>
+              <a:t>1/10/2019</a:t>
             </a:fld>
             <a:endParaRPr lang="en-US"/>
           </a:p>
@@ -19778,6 +20620,10 @@
           <a:bodyPr/>
           <a:lstStyle/>
           <a:p>
+            <a:r>
+              <a:rPr lang="en-US" smtClean="0"/>
+              <a:t>(CC) ETHAN BROwN|brow3821@umn.edu|github.com/statisfactions/beyond_P</a:t>
+            </a:r>
             <a:endParaRPr lang="en-US"/>
           </a:p>
         </p:txBody>
@@ -19815,6 +20661,13 @@
   <p:clrMapOvr>
     <a:masterClrMapping/>
   </p:clrMapOvr>
+  <p:timing>
+    <p:tnLst>
+      <p:par>
+        <p:cTn id="1" dur="indefinite" restart="never" nodeType="tmRoot"/>
+      </p:par>
+    </p:tnLst>
+  </p:timing>
 </p:sldLayout>
 </file>
 
@@ -19873,9 +20726,9 @@
           <a:bodyPr/>
           <a:lstStyle/>
           <a:p>
-            <a:fld id="{E18A1D98-80E8-4EC2-AAE6-111788340576}" type="datetimeFigureOut">
+            <a:fld id="{0B6A0657-F110-4D73-B5B1-EE2ADBE71D94}" type="datetime1">
               <a:rPr lang="en-US" smtClean="0"/>
-              <a:t>1/8/2019</a:t>
+              <a:t>1/10/2019</a:t>
             </a:fld>
             <a:endParaRPr lang="en-US"/>
           </a:p>
@@ -19896,6 +20749,10 @@
           <a:bodyPr/>
           <a:lstStyle/>
           <a:p>
+            <a:r>
+              <a:rPr lang="en-US" smtClean="0"/>
+              <a:t>(CC) ETHAN BROwN|brow3821@umn.edu|github.com/statisfactions/beyond_P</a:t>
+            </a:r>
             <a:endParaRPr lang="en-US"/>
           </a:p>
         </p:txBody>
@@ -19933,6 +20790,13 @@
   <p:clrMapOvr>
     <a:masterClrMapping/>
   </p:clrMapOvr>
+  <p:timing>
+    <p:tnLst>
+      <p:par>
+        <p:cTn id="1" dur="indefinite" restart="never" nodeType="tmRoot"/>
+      </p:par>
+    </p:tnLst>
+  </p:timing>
 </p:sldLayout>
 </file>
 
@@ -19968,9 +20832,9 @@
           <a:bodyPr/>
           <a:lstStyle/>
           <a:p>
-            <a:fld id="{E18A1D98-80E8-4EC2-AAE6-111788340576}" type="datetimeFigureOut">
+            <a:fld id="{13DC128E-3973-4DBB-B04E-088A657002EF}" type="datetime1">
               <a:rPr lang="en-US" smtClean="0"/>
-              <a:t>1/8/2019</a:t>
+              <a:t>1/10/2019</a:t>
             </a:fld>
             <a:endParaRPr lang="en-US"/>
           </a:p>
@@ -19991,6 +20855,10 @@
           <a:bodyPr/>
           <a:lstStyle/>
           <a:p>
+            <a:r>
+              <a:rPr lang="en-US" smtClean="0"/>
+              <a:t>(CC) ETHAN BROwN|brow3821@umn.edu|github.com/statisfactions/beyond_P</a:t>
+            </a:r>
             <a:endParaRPr lang="en-US"/>
           </a:p>
         </p:txBody>
@@ -20258,9 +21126,9 @@
           <a:bodyPr/>
           <a:lstStyle/>
           <a:p>
-            <a:fld id="{E18A1D98-80E8-4EC2-AAE6-111788340576}" type="datetimeFigureOut">
+            <a:fld id="{2EBD0036-ED30-4311-9E85-DFE1BE3908C9}" type="datetime1">
               <a:rPr lang="en-US" smtClean="0"/>
-              <a:t>1/8/2019</a:t>
+              <a:t>1/10/2019</a:t>
             </a:fld>
             <a:endParaRPr lang="en-US"/>
           </a:p>
@@ -20281,6 +21149,10 @@
           <a:bodyPr/>
           <a:lstStyle/>
           <a:p>
+            <a:r>
+              <a:rPr lang="en-US" smtClean="0"/>
+              <a:t>(CC) ETHAN BROwN|brow3821@umn.edu|github.com/statisfactions/beyond_P</a:t>
+            </a:r>
             <a:endParaRPr lang="en-US"/>
           </a:p>
         </p:txBody>
@@ -20538,9 +21410,9 @@
           <a:bodyPr/>
           <a:lstStyle/>
           <a:p>
-            <a:fld id="{E18A1D98-80E8-4EC2-AAE6-111788340576}" type="datetimeFigureOut">
+            <a:fld id="{16618C25-6C29-4B65-AD15-CF70FEA92D21}" type="datetime1">
               <a:rPr lang="en-US" smtClean="0"/>
-              <a:t>1/8/2019</a:t>
+              <a:t>1/10/2019</a:t>
             </a:fld>
             <a:endParaRPr lang="en-US"/>
           </a:p>
@@ -20561,6 +21433,10 @@
           <a:bodyPr/>
           <a:lstStyle/>
           <a:p>
+            <a:r>
+              <a:rPr lang="en-US" smtClean="0"/>
+              <a:t>(CC) ETHAN BROwN|brow3821@umn.edu|github.com/statisfactions/beyond_P</a:t>
+            </a:r>
             <a:endParaRPr lang="en-US"/>
           </a:p>
         </p:txBody>
@@ -20703,7 +21579,7 @@
         </p:nvSpPr>
         <p:spPr>
           <a:xfrm>
-            <a:off x="1024128" y="2286000"/>
+            <a:off x="1604093" y="2274072"/>
             <a:ext cx="9720073" cy="4023360"/>
           </a:xfrm>
           <a:prstGeom prst="rect">
@@ -20788,9 +21664,9 @@
             </a:lvl1pPr>
           </a:lstStyle>
           <a:p>
-            <a:fld id="{E18A1D98-80E8-4EC2-AAE6-111788340576}" type="datetimeFigureOut">
+            <a:fld id="{3DCE7BD7-4D8A-48BB-BC4B-D89DF1351AB3}" type="datetime1">
               <a:rPr lang="en-US" smtClean="0"/>
-              <a:t>1/8/2019</a:t>
+              <a:t>1/10/2019</a:t>
             </a:fld>
             <a:endParaRPr lang="en-US"/>
           </a:p>
@@ -20808,8 +21684,8 @@
         </p:nvSpPr>
         <p:spPr>
           <a:xfrm>
-            <a:off x="4842932" y="6470704"/>
-            <a:ext cx="5901459" cy="274320"/>
+            <a:off x="636104" y="6470704"/>
+            <a:ext cx="9720263" cy="274320"/>
           </a:xfrm>
           <a:prstGeom prst="rect">
             <a:avLst/>
@@ -20818,8 +21694,8 @@
         <p:txBody>
           <a:bodyPr vert="horz" lIns="91440" tIns="45720" rIns="91440" bIns="45720" rtlCol="0" anchor="ctr"/>
           <a:lstStyle>
-            <a:lvl1pPr algn="r">
-              <a:defRPr sz="1000" cap="all" baseline="0">
+            <a:lvl1pPr algn="l">
+              <a:defRPr sz="1800" cap="all" baseline="0">
                 <a:solidFill>
                   <a:schemeClr val="tx1">
                     <a:lumMod val="95000"/>
@@ -20831,7 +21707,11 @@
             </a:lvl1pPr>
           </a:lstStyle>
           <a:p>
-            <a:endParaRPr lang="en-US"/>
+            <a:r>
+              <a:rPr lang="en-US" smtClean="0"/>
+              <a:t>(CC) ETHAN BROwN|brow3821@umn.edu|github.com/statisfactions/beyond_P</a:t>
+            </a:r>
+            <a:endParaRPr lang="en-US" dirty="0"/>
           </a:p>
         </p:txBody>
       </p:sp>
@@ -20934,6 +21814,14 @@
     <p:sldLayoutId id="2147483670" r:id="rId10"/>
     <p:sldLayoutId id="2147483671" r:id="rId11"/>
   </p:sldLayoutIdLst>
+  <p:timing>
+    <p:tnLst>
+      <p:par>
+        <p:cTn id="1" dur="indefinite" restart="never" nodeType="tmRoot"/>
+      </p:par>
+    </p:tnLst>
+  </p:timing>
+  <p:hf sldNum="0" hdr="0" dt="0"/>
   <p:txStyles>
     <p:titleStyle>
       <a:lvl1pPr algn="l" defTabSz="914400" rtl="0" eaLnBrk="1" latinLnBrk="0" hangingPunct="1">
@@ -21276,7 +22164,7 @@
 </file>
 
 <file path=ppt/slides/slide1.xml><?xml version="1.0" encoding="utf-8"?>
-<p:sld xmlns:a="http://schemas.openxmlformats.org/drawingml/2006/main" xmlns:r="http://schemas.openxmlformats.org/officeDocument/2006/relationships" xmlns:p="http://schemas.openxmlformats.org/presentationml/2006/main">
+<p:sld xmlns:a="http://schemas.openxmlformats.org/drawingml/2006/main" xmlns:r="http://schemas.openxmlformats.org/officeDocument/2006/relationships" xmlns:p="http://schemas.openxmlformats.org/presentationml/2006/main" showMasterSp="0">
   <p:cSld>
     <p:spTree>
       <p:nvGrpSpPr>
@@ -21302,7 +22190,12 @@
             <p:ph type="ctrTitle"/>
           </p:nvPr>
         </p:nvSpPr>
-        <p:spPr/>
+        <p:spPr>
+          <a:xfrm>
+            <a:off x="1338353" y="-140677"/>
+            <a:ext cx="4629052" cy="4078355"/>
+          </a:xfrm>
+        </p:spPr>
         <p:txBody>
           <a:bodyPr>
             <a:normAutofit/>
@@ -21327,28 +22220,124 @@
             <p:ph type="subTitle" idx="1"/>
           </p:nvPr>
         </p:nvSpPr>
-        <p:spPr/>
+        <p:spPr>
+          <a:xfrm>
+            <a:off x="2707186" y="3206158"/>
+            <a:ext cx="3200400" cy="1463040"/>
+          </a:xfrm>
+        </p:spPr>
         <p:txBody>
           <a:bodyPr/>
           <a:lstStyle/>
           <a:p>
+            <a:pPr algn="r"/>
             <a:r>
               <a:rPr lang="en-US" dirty="0" smtClean="0"/>
               <a:t>Ethan Brown</a:t>
             </a:r>
           </a:p>
           <a:p>
+            <a:pPr algn="r"/>
             <a:r>
               <a:rPr lang="en-US" dirty="0" smtClean="0"/>
               <a:t>Research Methodology Consulting Center</a:t>
             </a:r>
           </a:p>
           <a:p>
+            <a:pPr algn="r"/>
             <a:r>
               <a:rPr lang="en-US" dirty="0" smtClean="0"/>
               <a:t>CEHD</a:t>
             </a:r>
             <a:endParaRPr lang="en-US" dirty="0"/>
+          </a:p>
+        </p:txBody>
+      </p:sp>
+      <p:sp>
+        <p:nvSpPr>
+          <p:cNvPr id="4" name="Footer Placeholder 3"/>
+          <p:cNvSpPr>
+            <a:spLocks noGrp="1"/>
+          </p:cNvSpPr>
+          <p:nvPr>
+            <p:ph type="ftr" sz="quarter" idx="11"/>
+          </p:nvPr>
+        </p:nvSpPr>
+        <p:spPr>
+          <a:xfrm>
+            <a:off x="1833687" y="4960137"/>
+            <a:ext cx="4073899" cy="1282510"/>
+          </a:xfrm>
+        </p:spPr>
+        <p:txBody>
+          <a:bodyPr/>
+          <a:lstStyle/>
+          <a:p>
+            <a:pPr algn="r"/>
+            <a:r>
+              <a:rPr lang="en-US" smtClean="0"/>
+              <a:t>(CC) ETHAN BROwN|brow3821@umn.edu|github.com/statisfactions/beyond_P</a:t>
+            </a:r>
+            <a:endParaRPr lang="en-US" dirty="0"/>
+          </a:p>
+        </p:txBody>
+      </p:sp>
+      <p:pic>
+        <p:nvPicPr>
+          <p:cNvPr id="5" name="Content Placeholder 4"/>
+          <p:cNvPicPr>
+            <a:picLocks noChangeAspect="1"/>
+          </p:cNvPicPr>
+          <p:nvPr/>
+        </p:nvPicPr>
+        <p:blipFill>
+          <a:blip r:embed="rId3" cstate="print">
+            <a:extLst>
+              <a:ext uri="{28A0092B-C50C-407E-A947-70E740481C1C}">
+                <a14:useLocalDpi xmlns:a14="http://schemas.microsoft.com/office/drawing/2010/main" val="0"/>
+              </a:ext>
+            </a:extLst>
+          </a:blip>
+          <a:stretch>
+            <a:fillRect/>
+          </a:stretch>
+        </p:blipFill>
+        <p:spPr>
+          <a:xfrm>
+            <a:off x="6119458" y="17585"/>
+            <a:ext cx="4684757" cy="7458212"/>
+          </a:xfrm>
+          <a:prstGeom prst="rect">
+            <a:avLst/>
+          </a:prstGeom>
+        </p:spPr>
+      </p:pic>
+      <p:sp>
+        <p:nvSpPr>
+          <p:cNvPr id="6" name="TextBox 5"/>
+          <p:cNvSpPr txBox="1"/>
+          <p:nvPr/>
+        </p:nvSpPr>
+        <p:spPr>
+          <a:xfrm rot="16200000">
+            <a:off x="7981912" y="3200400"/>
+            <a:ext cx="6013938" cy="369332"/>
+          </a:xfrm>
+          <a:prstGeom prst="rect">
+            <a:avLst/>
+          </a:prstGeom>
+          <a:noFill/>
+        </p:spPr>
+        <p:txBody>
+          <a:bodyPr wrap="square" rtlCol="0">
+            <a:spAutoFit/>
+          </a:bodyPr>
+          <a:lstStyle/>
+          <a:p>
+            <a:r>
+              <a:rPr lang="en-US" dirty="0"/>
+              <a:t>https://openclipart.org/detail/307589/halloween-card-8</a:t>
+            </a:r>
           </a:p>
         </p:txBody>
       </p:sp>
@@ -21495,6 +22484,58 @@
           </a:prstGeom>
         </p:spPr>
       </p:pic>
+      <p:sp>
+        <p:nvSpPr>
+          <p:cNvPr id="5" name="Footer Placeholder 4"/>
+          <p:cNvSpPr>
+            <a:spLocks noGrp="1"/>
+          </p:cNvSpPr>
+          <p:nvPr>
+            <p:ph type="ftr" sz="quarter" idx="11"/>
+          </p:nvPr>
+        </p:nvSpPr>
+        <p:spPr/>
+        <p:txBody>
+          <a:bodyPr/>
+          <a:lstStyle/>
+          <a:p>
+            <a:r>
+              <a:rPr lang="en-US" smtClean="0"/>
+              <a:t>(CC) ETHAN BROwN|brow3821@umn.edu|github.com/statisfactions/beyond_P</a:t>
+            </a:r>
+            <a:endParaRPr lang="en-US"/>
+          </a:p>
+        </p:txBody>
+      </p:sp>
+      <p:sp>
+        <p:nvSpPr>
+          <p:cNvPr id="6" name="TextBox 5"/>
+          <p:cNvSpPr txBox="1"/>
+          <p:nvPr/>
+        </p:nvSpPr>
+        <p:spPr>
+          <a:xfrm rot="5400000">
+            <a:off x="9188843" y="3367496"/>
+            <a:ext cx="5514395" cy="369332"/>
+          </a:xfrm>
+          <a:prstGeom prst="rect">
+            <a:avLst/>
+          </a:prstGeom>
+          <a:noFill/>
+        </p:spPr>
+        <p:txBody>
+          <a:bodyPr wrap="none" rtlCol="0">
+            <a:spAutoFit/>
+          </a:bodyPr>
+          <a:lstStyle/>
+          <a:p>
+            <a:r>
+              <a:rPr lang="en-US" dirty="0"/>
+              <a:t>https://openclipart.org/detail/202264/happy-lady-face</a:t>
+            </a:r>
+          </a:p>
+        </p:txBody>
+      </p:sp>
     </p:spTree>
     <p:extLst>
       <p:ext uri="{BB962C8B-B14F-4D97-AF65-F5344CB8AC3E}">
@@ -21541,7 +22582,7 @@
           <p:nvPr/>
         </p:nvPicPr>
         <p:blipFill>
-          <a:blip r:embed="rId2" cstate="print">
+          <a:blip r:embed="rId3" cstate="print">
             <a:extLst>
               <a:ext uri="{28A0092B-C50C-407E-A947-70E740481C1C}">
                 <a14:useLocalDpi xmlns:a14="http://schemas.microsoft.com/office/drawing/2010/main" val="0"/>
@@ -21571,7 +22612,7 @@
           <p:nvPr/>
         </p:nvPicPr>
         <p:blipFill>
-          <a:blip r:embed="rId3" cstate="print">
+          <a:blip r:embed="rId4" cstate="print">
             <a:extLst>
               <a:ext uri="{28A0092B-C50C-407E-A947-70E740481C1C}">
                 <a14:useLocalDpi xmlns:a14="http://schemas.microsoft.com/office/drawing/2010/main" val="0"/>
@@ -21601,7 +22642,7 @@
           <p:nvPr/>
         </p:nvPicPr>
         <p:blipFill>
-          <a:blip r:embed="rId4">
+          <a:blip r:embed="rId5">
             <a:extLst>
               <a:ext uri="{28A0092B-C50C-407E-A947-70E740481C1C}">
                 <a14:useLocalDpi xmlns:a14="http://schemas.microsoft.com/office/drawing/2010/main" val="0"/>
@@ -21639,7 +22680,7 @@
           <a:p>
             <a:r>
               <a:rPr lang="en-US" dirty="0" smtClean="0"/>
-              <a:t>Who has ESP?</a:t>
+              <a:t>Who has “PSI” Powers?</a:t>
             </a:r>
             <a:endParaRPr lang="en-US" dirty="0"/>
           </a:p>
@@ -21656,7 +22697,7 @@
           </p:nvPr>
         </p:nvPicPr>
         <p:blipFill>
-          <a:blip r:embed="rId2" cstate="print">
+          <a:blip r:embed="rId3" cstate="print">
             <a:extLst>
               <a:ext uri="{28A0092B-C50C-407E-A947-70E740481C1C}">
                 <a14:useLocalDpi xmlns:a14="http://schemas.microsoft.com/office/drawing/2010/main" val="0"/>
@@ -21683,7 +22724,7 @@
           <p:nvPr/>
         </p:nvPicPr>
         <p:blipFill>
-          <a:blip r:embed="rId4">
+          <a:blip r:embed="rId5">
             <a:extLst>
               <a:ext uri="{28A0092B-C50C-407E-A947-70E740481C1C}">
                 <a14:useLocalDpi xmlns:a14="http://schemas.microsoft.com/office/drawing/2010/main" val="0"/>
@@ -21704,6 +22745,63 @@
           </a:prstGeom>
         </p:spPr>
       </p:pic>
+      <p:sp>
+        <p:nvSpPr>
+          <p:cNvPr id="5" name="TextBox 4"/>
+          <p:cNvSpPr txBox="1"/>
+          <p:nvPr/>
+        </p:nvSpPr>
+        <p:spPr>
+          <a:xfrm>
+            <a:off x="9144000" y="6506308"/>
+            <a:ext cx="1191352" cy="369332"/>
+          </a:xfrm>
+          <a:prstGeom prst="rect">
+            <a:avLst/>
+          </a:prstGeom>
+          <a:noFill/>
+        </p:spPr>
+        <p:txBody>
+          <a:bodyPr wrap="none" rtlCol="0">
+            <a:spAutoFit/>
+          </a:bodyPr>
+          <a:lstStyle/>
+          <a:p>
+            <a:r>
+              <a:rPr lang="en-US" dirty="0" err="1" smtClean="0"/>
+              <a:t>Bem</a:t>
+            </a:r>
+            <a:r>
+              <a:rPr lang="en-US" dirty="0" smtClean="0"/>
+              <a:t>, 2011</a:t>
+            </a:r>
+            <a:endParaRPr lang="en-US" dirty="0"/>
+          </a:p>
+        </p:txBody>
+      </p:sp>
+      <p:sp>
+        <p:nvSpPr>
+          <p:cNvPr id="6" name="Footer Placeholder 5"/>
+          <p:cNvSpPr>
+            <a:spLocks noGrp="1"/>
+          </p:cNvSpPr>
+          <p:nvPr>
+            <p:ph type="ftr" sz="quarter" idx="11"/>
+          </p:nvPr>
+        </p:nvSpPr>
+        <p:spPr/>
+        <p:txBody>
+          <a:bodyPr/>
+          <a:lstStyle/>
+          <a:p>
+            <a:r>
+              <a:rPr lang="en-US" smtClean="0"/>
+              <a:t>(CC) ETHAN BROwN|brow3821@umn.edu|github.com/statisfactions/beyond_P</a:t>
+            </a:r>
+            <a:endParaRPr lang="en-US"/>
+          </a:p>
+        </p:txBody>
+      </p:sp>
     </p:spTree>
     <p:extLst>
       <p:ext uri="{BB962C8B-B14F-4D97-AF65-F5344CB8AC3E}">
@@ -21851,6 +22949,10 @@
           <a:bodyPr/>
           <a:lstStyle/>
           <a:p>
+            <a:r>
+              <a:rPr lang="en-US" dirty="0" smtClean="0"/>
+              <a:t>Your Challenge</a:t>
+            </a:r>
             <a:endParaRPr lang="en-US" dirty="0"/>
           </a:p>
         </p:txBody>
@@ -21870,6 +22972,163 @@
           <a:bodyPr/>
           <a:lstStyle/>
           <a:p>
+            <a:r>
+              <a:rPr lang="en-US" dirty="0" smtClean="0"/>
+              <a:t>Download the </a:t>
+            </a:r>
+            <a:r>
+              <a:rPr lang="en-US" dirty="0" err="1" smtClean="0"/>
+              <a:t>Bem</a:t>
+            </a:r>
+            <a:r>
+              <a:rPr lang="en-US" dirty="0" smtClean="0"/>
+              <a:t> data</a:t>
+            </a:r>
+          </a:p>
+          <a:p>
+            <a:r>
+              <a:rPr lang="en-US" dirty="0" smtClean="0"/>
+              <a:t>Generate </a:t>
+            </a:r>
+            <a:r>
+              <a:rPr lang="en-US" dirty="0"/>
+              <a:t>as many p-values as you can</a:t>
+            </a:r>
+            <a:r>
+              <a:rPr lang="en-US" dirty="0" smtClean="0"/>
+              <a:t>!</a:t>
+            </a:r>
+          </a:p>
+          <a:p>
+            <a:r>
+              <a:rPr lang="en-US" dirty="0" smtClean="0"/>
+              <a:t>What evidence can you find for “psi</a:t>
+            </a:r>
+            <a:r>
+              <a:rPr lang="en-US" dirty="0" smtClean="0"/>
+              <a:t>”? Or for how “psi” works?</a:t>
+            </a:r>
+            <a:endParaRPr lang="en-US" dirty="0" smtClean="0"/>
+          </a:p>
+        </p:txBody>
+      </p:sp>
+      <p:sp>
+        <p:nvSpPr>
+          <p:cNvPr id="4" name="Footer Placeholder 3"/>
+          <p:cNvSpPr>
+            <a:spLocks noGrp="1"/>
+          </p:cNvSpPr>
+          <p:nvPr>
+            <p:ph type="ftr" sz="quarter" idx="11"/>
+          </p:nvPr>
+        </p:nvSpPr>
+        <p:spPr/>
+        <p:txBody>
+          <a:bodyPr/>
+          <a:lstStyle/>
+          <a:p>
+            <a:r>
+              <a:rPr lang="en-US" smtClean="0"/>
+              <a:t>(CC) ETHAN BROwN|brow3821@umn.edu|github.com/statisfactions/beyond_P</a:t>
+            </a:r>
+            <a:endParaRPr lang="en-US"/>
+          </a:p>
+        </p:txBody>
+      </p:sp>
+    </p:spTree>
+    <p:extLst>
+      <p:ext uri="{BB962C8B-B14F-4D97-AF65-F5344CB8AC3E}">
+        <p14:creationId xmlns:p14="http://schemas.microsoft.com/office/powerpoint/2010/main" val="124096524"/>
+      </p:ext>
+    </p:extLst>
+  </p:cSld>
+  <p:clrMapOvr>
+    <a:masterClrMapping/>
+  </p:clrMapOvr>
+  <p:timing>
+    <p:tnLst>
+      <p:par>
+        <p:cTn id="1" dur="indefinite" restart="never" nodeType="tmRoot"/>
+      </p:par>
+    </p:tnLst>
+  </p:timing>
+</p:sld>
+</file>
+
+<file path=ppt/slides/slide13.xml><?xml version="1.0" encoding="utf-8"?>
+<p:sld xmlns:a="http://schemas.openxmlformats.org/drawingml/2006/main" xmlns:r="http://schemas.openxmlformats.org/officeDocument/2006/relationships" xmlns:p="http://schemas.openxmlformats.org/presentationml/2006/main">
+  <p:cSld>
+    <p:spTree>
+      <p:nvGrpSpPr>
+        <p:cNvPr id="1" name=""/>
+        <p:cNvGrpSpPr/>
+        <p:nvPr/>
+      </p:nvGrpSpPr>
+      <p:grpSpPr>
+        <a:xfrm>
+          <a:off x="0" y="0"/>
+          <a:ext cx="0" cy="0"/>
+          <a:chOff x="0" y="0"/>
+          <a:chExt cx="0" cy="0"/>
+        </a:xfrm>
+      </p:grpSpPr>
+      <p:sp>
+        <p:nvSpPr>
+          <p:cNvPr id="2" name="Title 1"/>
+          <p:cNvSpPr>
+            <a:spLocks noGrp="1"/>
+          </p:cNvSpPr>
+          <p:nvPr>
+            <p:ph type="title"/>
+          </p:nvPr>
+        </p:nvSpPr>
+        <p:spPr/>
+        <p:txBody>
+          <a:bodyPr/>
+          <a:lstStyle/>
+          <a:p>
+            <a:endParaRPr lang="en-US" dirty="0"/>
+          </a:p>
+        </p:txBody>
+      </p:sp>
+      <p:sp>
+        <p:nvSpPr>
+          <p:cNvPr id="3" name="Content Placeholder 2"/>
+          <p:cNvSpPr>
+            <a:spLocks noGrp="1"/>
+          </p:cNvSpPr>
+          <p:nvPr>
+            <p:ph idx="1"/>
+          </p:nvPr>
+        </p:nvSpPr>
+        <p:spPr/>
+        <p:txBody>
+          <a:bodyPr/>
+          <a:lstStyle/>
+          <a:p>
+            <a:endParaRPr lang="en-US"/>
+          </a:p>
+        </p:txBody>
+      </p:sp>
+      <p:sp>
+        <p:nvSpPr>
+          <p:cNvPr id="5" name="Footer Placeholder 4"/>
+          <p:cNvSpPr>
+            <a:spLocks noGrp="1"/>
+          </p:cNvSpPr>
+          <p:nvPr>
+            <p:ph type="ftr" sz="quarter" idx="11"/>
+          </p:nvPr>
+        </p:nvSpPr>
+        <p:spPr/>
+        <p:txBody>
+          <a:bodyPr/>
+          <a:lstStyle/>
+          <a:p>
+            <a:r>
+              <a:rPr lang="en-US" smtClean="0"/>
+              <a:t>(CC) ETHAN BROwN|brow3821@umn.edu|github.com/statisfactions/beyond_P</a:t>
+            </a:r>
             <a:endParaRPr lang="en-US"/>
           </a:p>
         </p:txBody>
@@ -21918,7 +23177,7 @@
 </p:sld>
 </file>
 
-<file path=ppt/slides/slide13.xml><?xml version="1.0" encoding="utf-8"?>
+<file path=ppt/slides/slide14.xml><?xml version="1.0" encoding="utf-8"?>
 <p:sld xmlns:a="http://schemas.openxmlformats.org/drawingml/2006/main" xmlns:r="http://schemas.openxmlformats.org/officeDocument/2006/relationships" xmlns:p="http://schemas.openxmlformats.org/presentationml/2006/main">
   <p:cSld>
     <p:spTree>
@@ -21952,11 +23211,1771 @@
           <a:p>
             <a:r>
               <a:rPr lang="en-US" dirty="0" smtClean="0"/>
-              <a:t>Biasing and </a:t>
+              <a:t>P-Hacking/Harking</a:t>
+            </a:r>
+            <a:endParaRPr lang="en-US" dirty="0"/>
+          </a:p>
+        </p:txBody>
+      </p:sp>
+      <p:sp>
+        <p:nvSpPr>
+          <p:cNvPr id="3" name="Content Placeholder 2"/>
+          <p:cNvSpPr>
+            <a:spLocks noGrp="1"/>
+          </p:cNvSpPr>
+          <p:nvPr>
+            <p:ph idx="1"/>
+          </p:nvPr>
+        </p:nvSpPr>
+        <p:spPr/>
+        <p:txBody>
+          <a:bodyPr/>
+          <a:lstStyle/>
+          <a:p>
+            <a:r>
+              <a:rPr lang="en-US" dirty="0" smtClean="0"/>
+              <a:t>p-hacking: do a bunch of tests, report only the significant ones</a:t>
+            </a:r>
+          </a:p>
+          <a:p>
+            <a:r>
+              <a:rPr lang="en-US" dirty="0" smtClean="0"/>
+              <a:t>Hypothesizing After the Results are Known</a:t>
+            </a:r>
+          </a:p>
+          <a:p>
+            <a:r>
+              <a:rPr lang="en-US" dirty="0" smtClean="0"/>
+              <a:t>These are no longer fair tests of one null hypothesis</a:t>
+            </a:r>
+            <a:endParaRPr lang="en-US" dirty="0"/>
+          </a:p>
+        </p:txBody>
+      </p:sp>
+      <p:sp>
+        <p:nvSpPr>
+          <p:cNvPr id="4" name="Footer Placeholder 3"/>
+          <p:cNvSpPr>
+            <a:spLocks noGrp="1"/>
+          </p:cNvSpPr>
+          <p:nvPr>
+            <p:ph type="ftr" sz="quarter" idx="11"/>
+          </p:nvPr>
+        </p:nvSpPr>
+        <p:spPr/>
+        <p:txBody>
+          <a:bodyPr/>
+          <a:lstStyle/>
+          <a:p>
+            <a:r>
+              <a:rPr lang="en-US" smtClean="0"/>
+              <a:t>(CC) ETHAN BROwN|brow3821@umn.edu|github.com/statisfactions/beyond_P</a:t>
+            </a:r>
+            <a:endParaRPr lang="en-US" dirty="0"/>
+          </a:p>
+        </p:txBody>
+      </p:sp>
+    </p:spTree>
+    <p:extLst>
+      <p:ext uri="{BB962C8B-B14F-4D97-AF65-F5344CB8AC3E}">
+        <p14:creationId xmlns:p14="http://schemas.microsoft.com/office/powerpoint/2010/main" val="3009211317"/>
+      </p:ext>
+    </p:extLst>
+  </p:cSld>
+  <p:clrMapOvr>
+    <a:masterClrMapping/>
+  </p:clrMapOvr>
+</p:sld>
+</file>
+
+<file path=ppt/slides/slide15.xml><?xml version="1.0" encoding="utf-8"?>
+<p:sld xmlns:a="http://schemas.openxmlformats.org/drawingml/2006/main" xmlns:r="http://schemas.openxmlformats.org/officeDocument/2006/relationships" xmlns:p="http://schemas.openxmlformats.org/presentationml/2006/main">
+  <p:cSld>
+    <p:spTree>
+      <p:nvGrpSpPr>
+        <p:cNvPr id="1" name=""/>
+        <p:cNvGrpSpPr/>
+        <p:nvPr/>
+      </p:nvGrpSpPr>
+      <p:grpSpPr>
+        <a:xfrm>
+          <a:off x="0" y="0"/>
+          <a:ext cx="0" cy="0"/>
+          <a:chOff x="0" y="0"/>
+          <a:chExt cx="0" cy="0"/>
+        </a:xfrm>
+      </p:grpSpPr>
+      <p:sp>
+        <p:nvSpPr>
+          <p:cNvPr id="2" name="Title 1"/>
+          <p:cNvSpPr>
+            <a:spLocks noGrp="1"/>
+          </p:cNvSpPr>
+          <p:nvPr>
+            <p:ph type="title"/>
+          </p:nvPr>
+        </p:nvSpPr>
+        <p:spPr/>
+        <p:txBody>
+          <a:bodyPr/>
+          <a:lstStyle/>
+          <a:p>
+            <a:r>
+              <a:rPr lang="en-US" dirty="0" smtClean="0"/>
+              <a:t>What did </a:t>
             </a:r>
             <a:r>
               <a:rPr lang="en-US" dirty="0" err="1" smtClean="0"/>
-              <a:t>Debiasing</a:t>
+              <a:t>bem</a:t>
+            </a:r>
+            <a:r>
+              <a:rPr lang="en-US" dirty="0" smtClean="0"/>
+              <a:t> do?</a:t>
+            </a:r>
+            <a:endParaRPr lang="en-US" dirty="0"/>
+          </a:p>
+        </p:txBody>
+      </p:sp>
+      <p:graphicFrame>
+        <p:nvGraphicFramePr>
+          <p:cNvPr id="5" name="Content Placeholder 4"/>
+          <p:cNvGraphicFramePr>
+            <a:graphicFrameLocks noGrp="1"/>
+          </p:cNvGraphicFramePr>
+          <p:nvPr>
+            <p:ph idx="1"/>
+            <p:extLst>
+              <p:ext uri="{D42A27DB-BD31-4B8C-83A1-F6EECF244321}">
+                <p14:modId xmlns:p14="http://schemas.microsoft.com/office/powerpoint/2010/main" val="2936498638"/>
+              </p:ext>
+            </p:extLst>
+          </p:nvPr>
+        </p:nvGraphicFramePr>
+        <p:xfrm>
+          <a:off x="2417859" y="1724176"/>
+          <a:ext cx="6335724" cy="4532781"/>
+        </p:xfrm>
+        <a:graphic>
+          <a:graphicData uri="http://schemas.openxmlformats.org/drawingml/2006/table">
+            <a:tbl>
+              <a:tblPr/>
+              <a:tblGrid>
+                <a:gridCol w="2111908"/>
+                <a:gridCol w="2111908"/>
+                <a:gridCol w="2111908"/>
+              </a:tblGrid>
+              <a:tr h="412071">
+                <a:tc>
+                  <a:txBody>
+                    <a:bodyPr/>
+                    <a:lstStyle/>
+                    <a:p>
+                      <a:pPr algn="l"/>
+                      <a:r>
+                        <a:rPr lang="en-US" sz="1700" b="1" dirty="0">
+                          <a:effectLst/>
+                        </a:rPr>
+                        <a:t>EXPERIMENT</a:t>
+                      </a:r>
+                    </a:p>
+                  </a:txBody>
+                  <a:tcPr marL="86082" marR="89668" marT="53801" marB="53801" anchor="ctr">
+                    <a:lnL>
+                      <a:noFill/>
+                    </a:lnL>
+                    <a:lnR>
+                      <a:noFill/>
+                    </a:lnR>
+                    <a:lnT w="9525" cap="flat" cmpd="sng" algn="ctr">
+                      <a:solidFill>
+                        <a:srgbClr val="EDEDED"/>
+                      </a:solidFill>
+                      <a:prstDash val="solid"/>
+                      <a:round/>
+                      <a:headEnd type="none" w="med" len="med"/>
+                      <a:tailEnd type="none" w="med" len="med"/>
+                    </a:lnT>
+                    <a:lnB w="9525" cap="flat" cmpd="sng" algn="ctr">
+                      <a:solidFill>
+                        <a:srgbClr val="EDEDED"/>
+                      </a:solidFill>
+                      <a:prstDash val="solid"/>
+                      <a:round/>
+                      <a:headEnd type="none" w="med" len="med"/>
+                      <a:tailEnd type="none" w="med" len="med"/>
+                    </a:lnB>
+                    <a:solidFill>
+                      <a:srgbClr val="FFFFFF"/>
+                    </a:solidFill>
+                  </a:tcPr>
+                </a:tc>
+                <a:tc>
+                  <a:txBody>
+                    <a:bodyPr/>
+                    <a:lstStyle/>
+                    <a:p>
+                      <a:pPr algn="l"/>
+                      <a:r>
+                        <a:rPr lang="en-US" sz="1700" b="1" dirty="0">
+                          <a:effectLst/>
+                        </a:rPr>
+                        <a:t>S 1-50</a:t>
+                      </a:r>
+                    </a:p>
+                  </a:txBody>
+                  <a:tcPr marL="86082" marR="89668" marT="53801" marB="53801" anchor="ctr">
+                    <a:lnL>
+                      <a:noFill/>
+                    </a:lnL>
+                    <a:lnR>
+                      <a:noFill/>
+                    </a:lnR>
+                    <a:lnT w="9525" cap="flat" cmpd="sng" algn="ctr">
+                      <a:solidFill>
+                        <a:srgbClr val="EDEDED"/>
+                      </a:solidFill>
+                      <a:prstDash val="solid"/>
+                      <a:round/>
+                      <a:headEnd type="none" w="med" len="med"/>
+                      <a:tailEnd type="none" w="med" len="med"/>
+                    </a:lnT>
+                    <a:lnB w="9525" cap="flat" cmpd="sng" algn="ctr">
+                      <a:solidFill>
+                        <a:srgbClr val="EDEDED"/>
+                      </a:solidFill>
+                      <a:prstDash val="solid"/>
+                      <a:round/>
+                      <a:headEnd type="none" w="med" len="med"/>
+                      <a:tailEnd type="none" w="med" len="med"/>
+                    </a:lnB>
+                    <a:solidFill>
+                      <a:srgbClr val="FFFFFF"/>
+                    </a:solidFill>
+                  </a:tcPr>
+                </a:tc>
+                <a:tc>
+                  <a:txBody>
+                    <a:bodyPr/>
+                    <a:lstStyle/>
+                    <a:p>
+                      <a:pPr algn="l"/>
+                      <a:r>
+                        <a:rPr lang="en-US" sz="1700" b="1" dirty="0">
+                          <a:effectLst/>
+                        </a:rPr>
+                        <a:t>S 51-100</a:t>
+                      </a:r>
+                    </a:p>
+                  </a:txBody>
+                  <a:tcPr marL="86082" marR="89668" marT="53801" marB="53801" anchor="ctr">
+                    <a:lnL>
+                      <a:noFill/>
+                    </a:lnL>
+                    <a:lnR>
+                      <a:noFill/>
+                    </a:lnR>
+                    <a:lnT w="9525" cap="flat" cmpd="sng" algn="ctr">
+                      <a:solidFill>
+                        <a:srgbClr val="EDEDED"/>
+                      </a:solidFill>
+                      <a:prstDash val="solid"/>
+                      <a:round/>
+                      <a:headEnd type="none" w="med" len="med"/>
+                      <a:tailEnd type="none" w="med" len="med"/>
+                    </a:lnT>
+                    <a:lnB w="9525" cap="flat" cmpd="sng" algn="ctr">
+                      <a:solidFill>
+                        <a:srgbClr val="EDEDED"/>
+                      </a:solidFill>
+                      <a:prstDash val="solid"/>
+                      <a:round/>
+                      <a:headEnd type="none" w="med" len="med"/>
+                      <a:tailEnd type="none" w="med" len="med"/>
+                    </a:lnB>
+                    <a:solidFill>
+                      <a:srgbClr val="FFFFFF"/>
+                    </a:solidFill>
+                  </a:tcPr>
+                </a:tc>
+              </a:tr>
+              <a:tr h="412071">
+                <a:tc>
+                  <a:txBody>
+                    <a:bodyPr/>
+                    <a:lstStyle/>
+                    <a:p>
+                      <a:pPr algn="l"/>
+                      <a:r>
+                        <a:rPr lang="en-US" sz="1700" b="0">
+                          <a:effectLst/>
+                        </a:rPr>
+                        <a:t>EXP1</a:t>
+                      </a:r>
+                    </a:p>
+                  </a:txBody>
+                  <a:tcPr marL="86082" marR="89668" marT="53801" marB="53801" anchor="ctr">
+                    <a:lnL>
+                      <a:noFill/>
+                    </a:lnL>
+                    <a:lnR>
+                      <a:noFill/>
+                    </a:lnR>
+                    <a:lnT w="9525" cap="flat" cmpd="sng" algn="ctr">
+                      <a:solidFill>
+                        <a:srgbClr val="EDEDED"/>
+                      </a:solidFill>
+                      <a:prstDash val="solid"/>
+                      <a:round/>
+                      <a:headEnd type="none" w="med" len="med"/>
+                      <a:tailEnd type="none" w="med" len="med"/>
+                    </a:lnT>
+                    <a:lnB w="9525" cap="flat" cmpd="sng" algn="ctr">
+                      <a:solidFill>
+                        <a:srgbClr val="EDEDED"/>
+                      </a:solidFill>
+                      <a:prstDash val="solid"/>
+                      <a:round/>
+                      <a:headEnd type="none" w="med" len="med"/>
+                      <a:tailEnd type="none" w="med" len="med"/>
+                    </a:lnB>
+                    <a:solidFill>
+                      <a:srgbClr val="FFFFFF"/>
+                    </a:solidFill>
+                  </a:tcPr>
+                </a:tc>
+                <a:tc>
+                  <a:txBody>
+                    <a:bodyPr/>
+                    <a:lstStyle/>
+                    <a:p>
+                      <a:pPr algn="l"/>
+                      <a:r>
+                        <a:rPr lang="en-US" sz="1700" b="0" dirty="0">
+                          <a:effectLst/>
+                        </a:rPr>
+                        <a:t>p = .004</a:t>
+                      </a:r>
+                    </a:p>
+                  </a:txBody>
+                  <a:tcPr marL="86082" marR="89668" marT="53801" marB="53801" anchor="ctr">
+                    <a:lnL>
+                      <a:noFill/>
+                    </a:lnL>
+                    <a:lnR>
+                      <a:noFill/>
+                    </a:lnR>
+                    <a:lnT w="9525" cap="flat" cmpd="sng" algn="ctr">
+                      <a:solidFill>
+                        <a:srgbClr val="EDEDED"/>
+                      </a:solidFill>
+                      <a:prstDash val="solid"/>
+                      <a:round/>
+                      <a:headEnd type="none" w="med" len="med"/>
+                      <a:tailEnd type="none" w="med" len="med"/>
+                    </a:lnT>
+                    <a:lnB w="9525" cap="flat" cmpd="sng" algn="ctr">
+                      <a:solidFill>
+                        <a:srgbClr val="EDEDED"/>
+                      </a:solidFill>
+                      <a:prstDash val="solid"/>
+                      <a:round/>
+                      <a:headEnd type="none" w="med" len="med"/>
+                      <a:tailEnd type="none" w="med" len="med"/>
+                    </a:lnB>
+                    <a:solidFill>
+                      <a:srgbClr val="FFFFFF"/>
+                    </a:solidFill>
+                  </a:tcPr>
+                </a:tc>
+                <a:tc>
+                  <a:txBody>
+                    <a:bodyPr/>
+                    <a:lstStyle/>
+                    <a:p>
+                      <a:pPr algn="l"/>
+                      <a:r>
+                        <a:rPr lang="en-US" sz="1700" b="0">
+                          <a:effectLst/>
+                        </a:rPr>
+                        <a:t>p = .194</a:t>
+                      </a:r>
+                    </a:p>
+                  </a:txBody>
+                  <a:tcPr marL="86082" marR="89668" marT="53801" marB="53801" anchor="ctr">
+                    <a:lnL>
+                      <a:noFill/>
+                    </a:lnL>
+                    <a:lnR>
+                      <a:noFill/>
+                    </a:lnR>
+                    <a:lnT w="9525" cap="flat" cmpd="sng" algn="ctr">
+                      <a:solidFill>
+                        <a:srgbClr val="EDEDED"/>
+                      </a:solidFill>
+                      <a:prstDash val="solid"/>
+                      <a:round/>
+                      <a:headEnd type="none" w="med" len="med"/>
+                      <a:tailEnd type="none" w="med" len="med"/>
+                    </a:lnT>
+                    <a:lnB w="9525" cap="flat" cmpd="sng" algn="ctr">
+                      <a:solidFill>
+                        <a:srgbClr val="EDEDED"/>
+                      </a:solidFill>
+                      <a:prstDash val="solid"/>
+                      <a:round/>
+                      <a:headEnd type="none" w="med" len="med"/>
+                      <a:tailEnd type="none" w="med" len="med"/>
+                    </a:lnB>
+                    <a:solidFill>
+                      <a:srgbClr val="FFFFFF"/>
+                    </a:solidFill>
+                  </a:tcPr>
+                </a:tc>
+              </a:tr>
+              <a:tr h="412071">
+                <a:tc>
+                  <a:txBody>
+                    <a:bodyPr/>
+                    <a:lstStyle/>
+                    <a:p>
+                      <a:pPr algn="l"/>
+                      <a:r>
+                        <a:rPr lang="en-US" sz="1700" b="0">
+                          <a:effectLst/>
+                        </a:rPr>
+                        <a:t>EXP2</a:t>
+                      </a:r>
+                    </a:p>
+                  </a:txBody>
+                  <a:tcPr marL="86082" marR="89668" marT="53801" marB="53801" anchor="ctr">
+                    <a:lnL>
+                      <a:noFill/>
+                    </a:lnL>
+                    <a:lnR>
+                      <a:noFill/>
+                    </a:lnR>
+                    <a:lnT w="9525" cap="flat" cmpd="sng" algn="ctr">
+                      <a:solidFill>
+                        <a:srgbClr val="EDEDED"/>
+                      </a:solidFill>
+                      <a:prstDash val="solid"/>
+                      <a:round/>
+                      <a:headEnd type="none" w="med" len="med"/>
+                      <a:tailEnd type="none" w="med" len="med"/>
+                    </a:lnT>
+                    <a:lnB w="9525" cap="flat" cmpd="sng" algn="ctr">
+                      <a:solidFill>
+                        <a:srgbClr val="EDEDED"/>
+                      </a:solidFill>
+                      <a:prstDash val="solid"/>
+                      <a:round/>
+                      <a:headEnd type="none" w="med" len="med"/>
+                      <a:tailEnd type="none" w="med" len="med"/>
+                    </a:lnB>
+                    <a:solidFill>
+                      <a:srgbClr val="FFFFFF"/>
+                    </a:solidFill>
+                  </a:tcPr>
+                </a:tc>
+                <a:tc>
+                  <a:txBody>
+                    <a:bodyPr/>
+                    <a:lstStyle/>
+                    <a:p>
+                      <a:pPr algn="l"/>
+                      <a:r>
+                        <a:rPr lang="en-US" sz="1700" b="0" dirty="0">
+                          <a:effectLst/>
+                        </a:rPr>
+                        <a:t>p = .096</a:t>
+                      </a:r>
+                    </a:p>
+                  </a:txBody>
+                  <a:tcPr marL="86082" marR="89668" marT="53801" marB="53801" anchor="ctr">
+                    <a:lnL>
+                      <a:noFill/>
+                    </a:lnL>
+                    <a:lnR>
+                      <a:noFill/>
+                    </a:lnR>
+                    <a:lnT w="9525" cap="flat" cmpd="sng" algn="ctr">
+                      <a:solidFill>
+                        <a:srgbClr val="EDEDED"/>
+                      </a:solidFill>
+                      <a:prstDash val="solid"/>
+                      <a:round/>
+                      <a:headEnd type="none" w="med" len="med"/>
+                      <a:tailEnd type="none" w="med" len="med"/>
+                    </a:lnT>
+                    <a:lnB w="9525" cap="flat" cmpd="sng" algn="ctr">
+                      <a:solidFill>
+                        <a:srgbClr val="EDEDED"/>
+                      </a:solidFill>
+                      <a:prstDash val="solid"/>
+                      <a:round/>
+                      <a:headEnd type="none" w="med" len="med"/>
+                      <a:tailEnd type="none" w="med" len="med"/>
+                    </a:lnB>
+                    <a:solidFill>
+                      <a:srgbClr val="FFFFFF"/>
+                    </a:solidFill>
+                  </a:tcPr>
+                </a:tc>
+                <a:tc>
+                  <a:txBody>
+                    <a:bodyPr/>
+                    <a:lstStyle/>
+                    <a:p>
+                      <a:pPr algn="l"/>
+                      <a:r>
+                        <a:rPr lang="en-US" sz="1700" b="0">
+                          <a:effectLst/>
+                        </a:rPr>
+                        <a:t>p = .170</a:t>
+                      </a:r>
+                    </a:p>
+                  </a:txBody>
+                  <a:tcPr marL="86082" marR="89668" marT="53801" marB="53801" anchor="ctr">
+                    <a:lnL>
+                      <a:noFill/>
+                    </a:lnL>
+                    <a:lnR>
+                      <a:noFill/>
+                    </a:lnR>
+                    <a:lnT w="9525" cap="flat" cmpd="sng" algn="ctr">
+                      <a:solidFill>
+                        <a:srgbClr val="EDEDED"/>
+                      </a:solidFill>
+                      <a:prstDash val="solid"/>
+                      <a:round/>
+                      <a:headEnd type="none" w="med" len="med"/>
+                      <a:tailEnd type="none" w="med" len="med"/>
+                    </a:lnT>
+                    <a:lnB w="9525" cap="flat" cmpd="sng" algn="ctr">
+                      <a:solidFill>
+                        <a:srgbClr val="EDEDED"/>
+                      </a:solidFill>
+                      <a:prstDash val="solid"/>
+                      <a:round/>
+                      <a:headEnd type="none" w="med" len="med"/>
+                      <a:tailEnd type="none" w="med" len="med"/>
+                    </a:lnB>
+                    <a:solidFill>
+                      <a:srgbClr val="FFFFFF"/>
+                    </a:solidFill>
+                  </a:tcPr>
+                </a:tc>
+              </a:tr>
+              <a:tr h="412071">
+                <a:tc>
+                  <a:txBody>
+                    <a:bodyPr/>
+                    <a:lstStyle/>
+                    <a:p>
+                      <a:pPr algn="l"/>
+                      <a:r>
+                        <a:rPr lang="en-US" sz="1700" b="0">
+                          <a:effectLst/>
+                        </a:rPr>
+                        <a:t>EXP3</a:t>
+                      </a:r>
+                    </a:p>
+                  </a:txBody>
+                  <a:tcPr marL="86082" marR="89668" marT="53801" marB="53801" anchor="ctr">
+                    <a:lnL>
+                      <a:noFill/>
+                    </a:lnL>
+                    <a:lnR>
+                      <a:noFill/>
+                    </a:lnR>
+                    <a:lnT w="9525" cap="flat" cmpd="sng" algn="ctr">
+                      <a:solidFill>
+                        <a:srgbClr val="EDEDED"/>
+                      </a:solidFill>
+                      <a:prstDash val="solid"/>
+                      <a:round/>
+                      <a:headEnd type="none" w="med" len="med"/>
+                      <a:tailEnd type="none" w="med" len="med"/>
+                    </a:lnT>
+                    <a:lnB w="9525" cap="flat" cmpd="sng" algn="ctr">
+                      <a:solidFill>
+                        <a:srgbClr val="EDEDED"/>
+                      </a:solidFill>
+                      <a:prstDash val="solid"/>
+                      <a:round/>
+                      <a:headEnd type="none" w="med" len="med"/>
+                      <a:tailEnd type="none" w="med" len="med"/>
+                    </a:lnB>
+                    <a:solidFill>
+                      <a:srgbClr val="FFFFFF"/>
+                    </a:solidFill>
+                  </a:tcPr>
+                </a:tc>
+                <a:tc>
+                  <a:txBody>
+                    <a:bodyPr/>
+                    <a:lstStyle/>
+                    <a:p>
+                      <a:pPr algn="l"/>
+                      <a:r>
+                        <a:rPr lang="en-US" sz="1700" b="0">
+                          <a:effectLst/>
+                        </a:rPr>
+                        <a:t>p = .039</a:t>
+                      </a:r>
+                    </a:p>
+                  </a:txBody>
+                  <a:tcPr marL="86082" marR="89668" marT="53801" marB="53801" anchor="ctr">
+                    <a:lnL>
+                      <a:noFill/>
+                    </a:lnL>
+                    <a:lnR>
+                      <a:noFill/>
+                    </a:lnR>
+                    <a:lnT w="9525" cap="flat" cmpd="sng" algn="ctr">
+                      <a:solidFill>
+                        <a:srgbClr val="EDEDED"/>
+                      </a:solidFill>
+                      <a:prstDash val="solid"/>
+                      <a:round/>
+                      <a:headEnd type="none" w="med" len="med"/>
+                      <a:tailEnd type="none" w="med" len="med"/>
+                    </a:lnT>
+                    <a:lnB w="9525" cap="flat" cmpd="sng" algn="ctr">
+                      <a:solidFill>
+                        <a:srgbClr val="EDEDED"/>
+                      </a:solidFill>
+                      <a:prstDash val="solid"/>
+                      <a:round/>
+                      <a:headEnd type="none" w="med" len="med"/>
+                      <a:tailEnd type="none" w="med" len="med"/>
+                    </a:lnB>
+                    <a:solidFill>
+                      <a:srgbClr val="FFFFFF"/>
+                    </a:solidFill>
+                  </a:tcPr>
+                </a:tc>
+                <a:tc>
+                  <a:txBody>
+                    <a:bodyPr/>
+                    <a:lstStyle/>
+                    <a:p>
+                      <a:pPr algn="l"/>
+                      <a:r>
+                        <a:rPr lang="en-US" sz="1700" b="0">
+                          <a:effectLst/>
+                        </a:rPr>
+                        <a:t>p = .100</a:t>
+                      </a:r>
+                    </a:p>
+                  </a:txBody>
+                  <a:tcPr marL="86082" marR="89668" marT="53801" marB="53801" anchor="ctr">
+                    <a:lnL>
+                      <a:noFill/>
+                    </a:lnL>
+                    <a:lnR>
+                      <a:noFill/>
+                    </a:lnR>
+                    <a:lnT w="9525" cap="flat" cmpd="sng" algn="ctr">
+                      <a:solidFill>
+                        <a:srgbClr val="EDEDED"/>
+                      </a:solidFill>
+                      <a:prstDash val="solid"/>
+                      <a:round/>
+                      <a:headEnd type="none" w="med" len="med"/>
+                      <a:tailEnd type="none" w="med" len="med"/>
+                    </a:lnT>
+                    <a:lnB w="9525" cap="flat" cmpd="sng" algn="ctr">
+                      <a:solidFill>
+                        <a:srgbClr val="EDEDED"/>
+                      </a:solidFill>
+                      <a:prstDash val="solid"/>
+                      <a:round/>
+                      <a:headEnd type="none" w="med" len="med"/>
+                      <a:tailEnd type="none" w="med" len="med"/>
+                    </a:lnB>
+                    <a:solidFill>
+                      <a:srgbClr val="FFFFFF"/>
+                    </a:solidFill>
+                  </a:tcPr>
+                </a:tc>
+              </a:tr>
+              <a:tr h="412071">
+                <a:tc>
+                  <a:txBody>
+                    <a:bodyPr/>
+                    <a:lstStyle/>
+                    <a:p>
+                      <a:pPr algn="l"/>
+                      <a:r>
+                        <a:rPr lang="en-US" sz="1700" b="0">
+                          <a:effectLst/>
+                        </a:rPr>
+                        <a:t>EXP4</a:t>
+                      </a:r>
+                    </a:p>
+                  </a:txBody>
+                  <a:tcPr marL="86082" marR="89668" marT="53801" marB="53801" anchor="ctr">
+                    <a:lnL>
+                      <a:noFill/>
+                    </a:lnL>
+                    <a:lnR>
+                      <a:noFill/>
+                    </a:lnR>
+                    <a:lnT w="9525" cap="flat" cmpd="sng" algn="ctr">
+                      <a:solidFill>
+                        <a:srgbClr val="EDEDED"/>
+                      </a:solidFill>
+                      <a:prstDash val="solid"/>
+                      <a:round/>
+                      <a:headEnd type="none" w="med" len="med"/>
+                      <a:tailEnd type="none" w="med" len="med"/>
+                    </a:lnT>
+                    <a:lnB w="9525" cap="flat" cmpd="sng" algn="ctr">
+                      <a:solidFill>
+                        <a:srgbClr val="EDEDED"/>
+                      </a:solidFill>
+                      <a:prstDash val="solid"/>
+                      <a:round/>
+                      <a:headEnd type="none" w="med" len="med"/>
+                      <a:tailEnd type="none" w="med" len="med"/>
+                    </a:lnB>
+                    <a:solidFill>
+                      <a:srgbClr val="FFFFFF"/>
+                    </a:solidFill>
+                  </a:tcPr>
+                </a:tc>
+                <a:tc>
+                  <a:txBody>
+                    <a:bodyPr/>
+                    <a:lstStyle/>
+                    <a:p>
+                      <a:pPr algn="l"/>
+                      <a:r>
+                        <a:rPr lang="en-US" sz="1700" b="0">
+                          <a:effectLst/>
+                        </a:rPr>
+                        <a:t>p = .033</a:t>
+                      </a:r>
+                    </a:p>
+                  </a:txBody>
+                  <a:tcPr marL="86082" marR="89668" marT="53801" marB="53801" anchor="ctr">
+                    <a:lnL>
+                      <a:noFill/>
+                    </a:lnL>
+                    <a:lnR>
+                      <a:noFill/>
+                    </a:lnR>
+                    <a:lnT w="9525" cap="flat" cmpd="sng" algn="ctr">
+                      <a:solidFill>
+                        <a:srgbClr val="EDEDED"/>
+                      </a:solidFill>
+                      <a:prstDash val="solid"/>
+                      <a:round/>
+                      <a:headEnd type="none" w="med" len="med"/>
+                      <a:tailEnd type="none" w="med" len="med"/>
+                    </a:lnT>
+                    <a:lnB w="9525" cap="flat" cmpd="sng" algn="ctr">
+                      <a:solidFill>
+                        <a:srgbClr val="EDEDED"/>
+                      </a:solidFill>
+                      <a:prstDash val="solid"/>
+                      <a:round/>
+                      <a:headEnd type="none" w="med" len="med"/>
+                      <a:tailEnd type="none" w="med" len="med"/>
+                    </a:lnB>
+                    <a:solidFill>
+                      <a:srgbClr val="FFFFFF"/>
+                    </a:solidFill>
+                  </a:tcPr>
+                </a:tc>
+                <a:tc>
+                  <a:txBody>
+                    <a:bodyPr/>
+                    <a:lstStyle/>
+                    <a:p>
+                      <a:pPr algn="l"/>
+                      <a:r>
+                        <a:rPr lang="en-US" sz="1700" b="0">
+                          <a:effectLst/>
+                        </a:rPr>
+                        <a:t>p = .067</a:t>
+                      </a:r>
+                    </a:p>
+                  </a:txBody>
+                  <a:tcPr marL="86082" marR="89668" marT="53801" marB="53801" anchor="ctr">
+                    <a:lnL>
+                      <a:noFill/>
+                    </a:lnL>
+                    <a:lnR>
+                      <a:noFill/>
+                    </a:lnR>
+                    <a:lnT w="9525" cap="flat" cmpd="sng" algn="ctr">
+                      <a:solidFill>
+                        <a:srgbClr val="EDEDED"/>
+                      </a:solidFill>
+                      <a:prstDash val="solid"/>
+                      <a:round/>
+                      <a:headEnd type="none" w="med" len="med"/>
+                      <a:tailEnd type="none" w="med" len="med"/>
+                    </a:lnT>
+                    <a:lnB w="9525" cap="flat" cmpd="sng" algn="ctr">
+                      <a:solidFill>
+                        <a:srgbClr val="EDEDED"/>
+                      </a:solidFill>
+                      <a:prstDash val="solid"/>
+                      <a:round/>
+                      <a:headEnd type="none" w="med" len="med"/>
+                      <a:tailEnd type="none" w="med" len="med"/>
+                    </a:lnB>
+                    <a:solidFill>
+                      <a:srgbClr val="FFFFFF"/>
+                    </a:solidFill>
+                  </a:tcPr>
+                </a:tc>
+              </a:tr>
+              <a:tr h="412071">
+                <a:tc>
+                  <a:txBody>
+                    <a:bodyPr/>
+                    <a:lstStyle/>
+                    <a:p>
+                      <a:pPr algn="l"/>
+                      <a:r>
+                        <a:rPr lang="en-US" sz="1700" b="0">
+                          <a:effectLst/>
+                        </a:rPr>
+                        <a:t>EXP5</a:t>
+                      </a:r>
+                    </a:p>
+                  </a:txBody>
+                  <a:tcPr marL="86082" marR="89668" marT="53801" marB="53801" anchor="ctr">
+                    <a:lnL>
+                      <a:noFill/>
+                    </a:lnL>
+                    <a:lnR>
+                      <a:noFill/>
+                    </a:lnR>
+                    <a:lnT w="9525" cap="flat" cmpd="sng" algn="ctr">
+                      <a:solidFill>
+                        <a:srgbClr val="EDEDED"/>
+                      </a:solidFill>
+                      <a:prstDash val="solid"/>
+                      <a:round/>
+                      <a:headEnd type="none" w="med" len="med"/>
+                      <a:tailEnd type="none" w="med" len="med"/>
+                    </a:lnT>
+                    <a:lnB w="9525" cap="flat" cmpd="sng" algn="ctr">
+                      <a:solidFill>
+                        <a:srgbClr val="EDEDED"/>
+                      </a:solidFill>
+                      <a:prstDash val="solid"/>
+                      <a:round/>
+                      <a:headEnd type="none" w="med" len="med"/>
+                      <a:tailEnd type="none" w="med" len="med"/>
+                    </a:lnB>
+                    <a:solidFill>
+                      <a:srgbClr val="FFFFFF"/>
+                    </a:solidFill>
+                  </a:tcPr>
+                </a:tc>
+                <a:tc>
+                  <a:txBody>
+                    <a:bodyPr/>
+                    <a:lstStyle/>
+                    <a:p>
+                      <a:pPr algn="l"/>
+                      <a:r>
+                        <a:rPr lang="en-US" sz="1700" b="0">
+                          <a:effectLst/>
+                        </a:rPr>
+                        <a:t>p = .013</a:t>
+                      </a:r>
+                    </a:p>
+                  </a:txBody>
+                  <a:tcPr marL="86082" marR="89668" marT="53801" marB="53801" anchor="ctr">
+                    <a:lnL>
+                      <a:noFill/>
+                    </a:lnL>
+                    <a:lnR>
+                      <a:noFill/>
+                    </a:lnR>
+                    <a:lnT w="9525" cap="flat" cmpd="sng" algn="ctr">
+                      <a:solidFill>
+                        <a:srgbClr val="EDEDED"/>
+                      </a:solidFill>
+                      <a:prstDash val="solid"/>
+                      <a:round/>
+                      <a:headEnd type="none" w="med" len="med"/>
+                      <a:tailEnd type="none" w="med" len="med"/>
+                    </a:lnT>
+                    <a:lnB w="9525" cap="flat" cmpd="sng" algn="ctr">
+                      <a:solidFill>
+                        <a:srgbClr val="EDEDED"/>
+                      </a:solidFill>
+                      <a:prstDash val="solid"/>
+                      <a:round/>
+                      <a:headEnd type="none" w="med" len="med"/>
+                      <a:tailEnd type="none" w="med" len="med"/>
+                    </a:lnB>
+                    <a:solidFill>
+                      <a:srgbClr val="FFFFFF"/>
+                    </a:solidFill>
+                  </a:tcPr>
+                </a:tc>
+                <a:tc>
+                  <a:txBody>
+                    <a:bodyPr/>
+                    <a:lstStyle/>
+                    <a:p>
+                      <a:pPr algn="l"/>
+                      <a:r>
+                        <a:rPr lang="en-US" sz="1700" b="0" dirty="0">
+                          <a:effectLst/>
+                        </a:rPr>
+                        <a:t>p = .069</a:t>
+                      </a:r>
+                    </a:p>
+                  </a:txBody>
+                  <a:tcPr marL="86082" marR="89668" marT="53801" marB="53801" anchor="ctr">
+                    <a:lnL>
+                      <a:noFill/>
+                    </a:lnL>
+                    <a:lnR>
+                      <a:noFill/>
+                    </a:lnR>
+                    <a:lnT w="9525" cap="flat" cmpd="sng" algn="ctr">
+                      <a:solidFill>
+                        <a:srgbClr val="EDEDED"/>
+                      </a:solidFill>
+                      <a:prstDash val="solid"/>
+                      <a:round/>
+                      <a:headEnd type="none" w="med" len="med"/>
+                      <a:tailEnd type="none" w="med" len="med"/>
+                    </a:lnT>
+                    <a:lnB w="9525" cap="flat" cmpd="sng" algn="ctr">
+                      <a:solidFill>
+                        <a:srgbClr val="EDEDED"/>
+                      </a:solidFill>
+                      <a:prstDash val="solid"/>
+                      <a:round/>
+                      <a:headEnd type="none" w="med" len="med"/>
+                      <a:tailEnd type="none" w="med" len="med"/>
+                    </a:lnB>
+                    <a:solidFill>
+                      <a:srgbClr val="FFFFFF"/>
+                    </a:solidFill>
+                  </a:tcPr>
+                </a:tc>
+              </a:tr>
+              <a:tr h="412071">
+                <a:tc>
+                  <a:txBody>
+                    <a:bodyPr/>
+                    <a:lstStyle/>
+                    <a:p>
+                      <a:pPr algn="l"/>
+                      <a:r>
+                        <a:rPr lang="en-US" sz="1700" b="0">
+                          <a:effectLst/>
+                        </a:rPr>
+                        <a:t>EXP6a</a:t>
+                      </a:r>
+                    </a:p>
+                  </a:txBody>
+                  <a:tcPr marL="86082" marR="89668" marT="53801" marB="53801" anchor="ctr">
+                    <a:lnL>
+                      <a:noFill/>
+                    </a:lnL>
+                    <a:lnR>
+                      <a:noFill/>
+                    </a:lnR>
+                    <a:lnT w="9525" cap="flat" cmpd="sng" algn="ctr">
+                      <a:solidFill>
+                        <a:srgbClr val="EDEDED"/>
+                      </a:solidFill>
+                      <a:prstDash val="solid"/>
+                      <a:round/>
+                      <a:headEnd type="none" w="med" len="med"/>
+                      <a:tailEnd type="none" w="med" len="med"/>
+                    </a:lnT>
+                    <a:lnB w="9525" cap="flat" cmpd="sng" algn="ctr">
+                      <a:solidFill>
+                        <a:srgbClr val="EDEDED"/>
+                      </a:solidFill>
+                      <a:prstDash val="solid"/>
+                      <a:round/>
+                      <a:headEnd type="none" w="med" len="med"/>
+                      <a:tailEnd type="none" w="med" len="med"/>
+                    </a:lnB>
+                    <a:solidFill>
+                      <a:srgbClr val="FFFFFF"/>
+                    </a:solidFill>
+                  </a:tcPr>
+                </a:tc>
+                <a:tc>
+                  <a:txBody>
+                    <a:bodyPr/>
+                    <a:lstStyle/>
+                    <a:p>
+                      <a:pPr algn="l"/>
+                      <a:r>
+                        <a:rPr lang="en-US" sz="1700" b="0">
+                          <a:effectLst/>
+                        </a:rPr>
+                        <a:t>p = .412</a:t>
+                      </a:r>
+                    </a:p>
+                  </a:txBody>
+                  <a:tcPr marL="86082" marR="89668" marT="53801" marB="53801" anchor="ctr">
+                    <a:lnL>
+                      <a:noFill/>
+                    </a:lnL>
+                    <a:lnR>
+                      <a:noFill/>
+                    </a:lnR>
+                    <a:lnT w="9525" cap="flat" cmpd="sng" algn="ctr">
+                      <a:solidFill>
+                        <a:srgbClr val="EDEDED"/>
+                      </a:solidFill>
+                      <a:prstDash val="solid"/>
+                      <a:round/>
+                      <a:headEnd type="none" w="med" len="med"/>
+                      <a:tailEnd type="none" w="med" len="med"/>
+                    </a:lnT>
+                    <a:lnB w="9525" cap="flat" cmpd="sng" algn="ctr">
+                      <a:solidFill>
+                        <a:srgbClr val="EDEDED"/>
+                      </a:solidFill>
+                      <a:prstDash val="solid"/>
+                      <a:round/>
+                      <a:headEnd type="none" w="med" len="med"/>
+                      <a:tailEnd type="none" w="med" len="med"/>
+                    </a:lnB>
+                    <a:solidFill>
+                      <a:srgbClr val="FFFFFF"/>
+                    </a:solidFill>
+                  </a:tcPr>
+                </a:tc>
+                <a:tc>
+                  <a:txBody>
+                    <a:bodyPr/>
+                    <a:lstStyle/>
+                    <a:p>
+                      <a:pPr algn="l"/>
+                      <a:r>
+                        <a:rPr lang="en-US" sz="1700" b="0" dirty="0">
+                          <a:effectLst/>
+                        </a:rPr>
+                        <a:t>p = .126</a:t>
+                      </a:r>
+                    </a:p>
+                  </a:txBody>
+                  <a:tcPr marL="86082" marR="89668" marT="53801" marB="53801" anchor="ctr">
+                    <a:lnL>
+                      <a:noFill/>
+                    </a:lnL>
+                    <a:lnR>
+                      <a:noFill/>
+                    </a:lnR>
+                    <a:lnT w="9525" cap="flat" cmpd="sng" algn="ctr">
+                      <a:solidFill>
+                        <a:srgbClr val="EDEDED"/>
+                      </a:solidFill>
+                      <a:prstDash val="solid"/>
+                      <a:round/>
+                      <a:headEnd type="none" w="med" len="med"/>
+                      <a:tailEnd type="none" w="med" len="med"/>
+                    </a:lnT>
+                    <a:lnB w="9525" cap="flat" cmpd="sng" algn="ctr">
+                      <a:solidFill>
+                        <a:srgbClr val="EDEDED"/>
+                      </a:solidFill>
+                      <a:prstDash val="solid"/>
+                      <a:round/>
+                      <a:headEnd type="none" w="med" len="med"/>
+                      <a:tailEnd type="none" w="med" len="med"/>
+                    </a:lnB>
+                    <a:solidFill>
+                      <a:srgbClr val="FFFFFF"/>
+                    </a:solidFill>
+                  </a:tcPr>
+                </a:tc>
+              </a:tr>
+              <a:tr h="412071">
+                <a:tc>
+                  <a:txBody>
+                    <a:bodyPr/>
+                    <a:lstStyle/>
+                    <a:p>
+                      <a:pPr algn="l"/>
+                      <a:r>
+                        <a:rPr lang="en-US" sz="1700" b="0">
+                          <a:effectLst/>
+                        </a:rPr>
+                        <a:t>EXP5b</a:t>
+                      </a:r>
+                    </a:p>
+                  </a:txBody>
+                  <a:tcPr marL="86082" marR="89668" marT="53801" marB="53801" anchor="ctr">
+                    <a:lnL>
+                      <a:noFill/>
+                    </a:lnL>
+                    <a:lnR>
+                      <a:noFill/>
+                    </a:lnR>
+                    <a:lnT w="9525" cap="flat" cmpd="sng" algn="ctr">
+                      <a:solidFill>
+                        <a:srgbClr val="EDEDED"/>
+                      </a:solidFill>
+                      <a:prstDash val="solid"/>
+                      <a:round/>
+                      <a:headEnd type="none" w="med" len="med"/>
+                      <a:tailEnd type="none" w="med" len="med"/>
+                    </a:lnT>
+                    <a:lnB w="9525" cap="flat" cmpd="sng" algn="ctr">
+                      <a:solidFill>
+                        <a:srgbClr val="EDEDED"/>
+                      </a:solidFill>
+                      <a:prstDash val="solid"/>
+                      <a:round/>
+                      <a:headEnd type="none" w="med" len="med"/>
+                      <a:tailEnd type="none" w="med" len="med"/>
+                    </a:lnB>
+                    <a:solidFill>
+                      <a:srgbClr val="FFFFFF"/>
+                    </a:solidFill>
+                  </a:tcPr>
+                </a:tc>
+                <a:tc>
+                  <a:txBody>
+                    <a:bodyPr/>
+                    <a:lstStyle/>
+                    <a:p>
+                      <a:pPr algn="l"/>
+                      <a:r>
+                        <a:rPr lang="en-US" sz="1700" b="0">
+                          <a:effectLst/>
+                        </a:rPr>
+                        <a:t>p = .023</a:t>
+                      </a:r>
+                    </a:p>
+                  </a:txBody>
+                  <a:tcPr marL="86082" marR="89668" marT="53801" marB="53801" anchor="ctr">
+                    <a:lnL>
+                      <a:noFill/>
+                    </a:lnL>
+                    <a:lnR>
+                      <a:noFill/>
+                    </a:lnR>
+                    <a:lnT w="9525" cap="flat" cmpd="sng" algn="ctr">
+                      <a:solidFill>
+                        <a:srgbClr val="EDEDED"/>
+                      </a:solidFill>
+                      <a:prstDash val="solid"/>
+                      <a:round/>
+                      <a:headEnd type="none" w="med" len="med"/>
+                      <a:tailEnd type="none" w="med" len="med"/>
+                    </a:lnT>
+                    <a:lnB w="9525" cap="flat" cmpd="sng" algn="ctr">
+                      <a:solidFill>
+                        <a:srgbClr val="EDEDED"/>
+                      </a:solidFill>
+                      <a:prstDash val="solid"/>
+                      <a:round/>
+                      <a:headEnd type="none" w="med" len="med"/>
+                      <a:tailEnd type="none" w="med" len="med"/>
+                    </a:lnB>
+                    <a:solidFill>
+                      <a:srgbClr val="FFFFFF"/>
+                    </a:solidFill>
+                  </a:tcPr>
+                </a:tc>
+                <a:tc>
+                  <a:txBody>
+                    <a:bodyPr/>
+                    <a:lstStyle/>
+                    <a:p>
+                      <a:pPr algn="l"/>
+                      <a:r>
+                        <a:rPr lang="en-US" sz="1700" b="0">
+                          <a:effectLst/>
+                        </a:rPr>
+                        <a:t>p = .410</a:t>
+                      </a:r>
+                    </a:p>
+                  </a:txBody>
+                  <a:tcPr marL="86082" marR="89668" marT="53801" marB="53801" anchor="ctr">
+                    <a:lnL>
+                      <a:noFill/>
+                    </a:lnL>
+                    <a:lnR>
+                      <a:noFill/>
+                    </a:lnR>
+                    <a:lnT w="9525" cap="flat" cmpd="sng" algn="ctr">
+                      <a:solidFill>
+                        <a:srgbClr val="EDEDED"/>
+                      </a:solidFill>
+                      <a:prstDash val="solid"/>
+                      <a:round/>
+                      <a:headEnd type="none" w="med" len="med"/>
+                      <a:tailEnd type="none" w="med" len="med"/>
+                    </a:lnT>
+                    <a:lnB w="9525" cap="flat" cmpd="sng" algn="ctr">
+                      <a:solidFill>
+                        <a:srgbClr val="EDEDED"/>
+                      </a:solidFill>
+                      <a:prstDash val="solid"/>
+                      <a:round/>
+                      <a:headEnd type="none" w="med" len="med"/>
+                      <a:tailEnd type="none" w="med" len="med"/>
+                    </a:lnB>
+                    <a:solidFill>
+                      <a:srgbClr val="FFFFFF"/>
+                    </a:solidFill>
+                  </a:tcPr>
+                </a:tc>
+              </a:tr>
+              <a:tr h="412071">
+                <a:tc>
+                  <a:txBody>
+                    <a:bodyPr/>
+                    <a:lstStyle/>
+                    <a:p>
+                      <a:pPr algn="l"/>
+                      <a:r>
+                        <a:rPr lang="en-US" sz="1700" b="0">
+                          <a:effectLst/>
+                        </a:rPr>
+                        <a:t>EXP7</a:t>
+                      </a:r>
+                    </a:p>
+                  </a:txBody>
+                  <a:tcPr marL="86082" marR="89668" marT="53801" marB="53801" anchor="ctr">
+                    <a:lnL>
+                      <a:noFill/>
+                    </a:lnL>
+                    <a:lnR>
+                      <a:noFill/>
+                    </a:lnR>
+                    <a:lnT w="9525" cap="flat" cmpd="sng" algn="ctr">
+                      <a:solidFill>
+                        <a:srgbClr val="EDEDED"/>
+                      </a:solidFill>
+                      <a:prstDash val="solid"/>
+                      <a:round/>
+                      <a:headEnd type="none" w="med" len="med"/>
+                      <a:tailEnd type="none" w="med" len="med"/>
+                    </a:lnT>
+                    <a:lnB w="9525" cap="flat" cmpd="sng" algn="ctr">
+                      <a:solidFill>
+                        <a:srgbClr val="EDEDED"/>
+                      </a:solidFill>
+                      <a:prstDash val="solid"/>
+                      <a:round/>
+                      <a:headEnd type="none" w="med" len="med"/>
+                      <a:tailEnd type="none" w="med" len="med"/>
+                    </a:lnB>
+                    <a:solidFill>
+                      <a:srgbClr val="FFFFFF"/>
+                    </a:solidFill>
+                  </a:tcPr>
+                </a:tc>
+                <a:tc>
+                  <a:txBody>
+                    <a:bodyPr/>
+                    <a:lstStyle/>
+                    <a:p>
+                      <a:pPr algn="l"/>
+                      <a:r>
+                        <a:rPr lang="en-US" sz="1700" b="0">
+                          <a:effectLst/>
+                        </a:rPr>
+                        <a:t>p = .020</a:t>
+                      </a:r>
+                    </a:p>
+                  </a:txBody>
+                  <a:tcPr marL="86082" marR="89668" marT="53801" marB="53801" anchor="ctr">
+                    <a:lnL>
+                      <a:noFill/>
+                    </a:lnL>
+                    <a:lnR>
+                      <a:noFill/>
+                    </a:lnR>
+                    <a:lnT w="9525" cap="flat" cmpd="sng" algn="ctr">
+                      <a:solidFill>
+                        <a:srgbClr val="EDEDED"/>
+                      </a:solidFill>
+                      <a:prstDash val="solid"/>
+                      <a:round/>
+                      <a:headEnd type="none" w="med" len="med"/>
+                      <a:tailEnd type="none" w="med" len="med"/>
+                    </a:lnT>
+                    <a:lnB w="9525" cap="flat" cmpd="sng" algn="ctr">
+                      <a:solidFill>
+                        <a:srgbClr val="EDEDED"/>
+                      </a:solidFill>
+                      <a:prstDash val="solid"/>
+                      <a:round/>
+                      <a:headEnd type="none" w="med" len="med"/>
+                      <a:tailEnd type="none" w="med" len="med"/>
+                    </a:lnB>
+                    <a:solidFill>
+                      <a:srgbClr val="FFFFFF"/>
+                    </a:solidFill>
+                  </a:tcPr>
+                </a:tc>
+                <a:tc>
+                  <a:txBody>
+                    <a:bodyPr/>
+                    <a:lstStyle/>
+                    <a:p>
+                      <a:pPr algn="l"/>
+                      <a:r>
+                        <a:rPr lang="en-US" sz="1700" b="0">
+                          <a:effectLst/>
+                        </a:rPr>
+                        <a:t>p = .338</a:t>
+                      </a:r>
+                    </a:p>
+                  </a:txBody>
+                  <a:tcPr marL="86082" marR="89668" marT="53801" marB="53801" anchor="ctr">
+                    <a:lnL>
+                      <a:noFill/>
+                    </a:lnL>
+                    <a:lnR>
+                      <a:noFill/>
+                    </a:lnR>
+                    <a:lnT w="9525" cap="flat" cmpd="sng" algn="ctr">
+                      <a:solidFill>
+                        <a:srgbClr val="EDEDED"/>
+                      </a:solidFill>
+                      <a:prstDash val="solid"/>
+                      <a:round/>
+                      <a:headEnd type="none" w="med" len="med"/>
+                      <a:tailEnd type="none" w="med" len="med"/>
+                    </a:lnT>
+                    <a:lnB w="9525" cap="flat" cmpd="sng" algn="ctr">
+                      <a:solidFill>
+                        <a:srgbClr val="EDEDED"/>
+                      </a:solidFill>
+                      <a:prstDash val="solid"/>
+                      <a:round/>
+                      <a:headEnd type="none" w="med" len="med"/>
+                      <a:tailEnd type="none" w="med" len="med"/>
+                    </a:lnB>
+                    <a:solidFill>
+                      <a:srgbClr val="FFFFFF"/>
+                    </a:solidFill>
+                  </a:tcPr>
+                </a:tc>
+              </a:tr>
+              <a:tr h="412071">
+                <a:tc>
+                  <a:txBody>
+                    <a:bodyPr/>
+                    <a:lstStyle/>
+                    <a:p>
+                      <a:pPr algn="l"/>
+                      <a:r>
+                        <a:rPr lang="en-US" sz="1700" b="0">
+                          <a:effectLst/>
+                        </a:rPr>
+                        <a:t>EXP8</a:t>
+                      </a:r>
+                    </a:p>
+                  </a:txBody>
+                  <a:tcPr marL="86082" marR="89668" marT="53801" marB="53801" anchor="ctr">
+                    <a:lnL>
+                      <a:noFill/>
+                    </a:lnL>
+                    <a:lnR>
+                      <a:noFill/>
+                    </a:lnR>
+                    <a:lnT w="9525" cap="flat" cmpd="sng" algn="ctr">
+                      <a:solidFill>
+                        <a:srgbClr val="EDEDED"/>
+                      </a:solidFill>
+                      <a:prstDash val="solid"/>
+                      <a:round/>
+                      <a:headEnd type="none" w="med" len="med"/>
+                      <a:tailEnd type="none" w="med" len="med"/>
+                    </a:lnT>
+                    <a:lnB w="9525" cap="flat" cmpd="sng" algn="ctr">
+                      <a:solidFill>
+                        <a:srgbClr val="EDEDED"/>
+                      </a:solidFill>
+                      <a:prstDash val="solid"/>
+                      <a:round/>
+                      <a:headEnd type="none" w="med" len="med"/>
+                      <a:tailEnd type="none" w="med" len="med"/>
+                    </a:lnB>
+                    <a:solidFill>
+                      <a:srgbClr val="FFFFFF"/>
+                    </a:solidFill>
+                  </a:tcPr>
+                </a:tc>
+                <a:tc>
+                  <a:txBody>
+                    <a:bodyPr/>
+                    <a:lstStyle/>
+                    <a:p>
+                      <a:pPr algn="l"/>
+                      <a:r>
+                        <a:rPr lang="en-US" sz="1700" b="0">
+                          <a:effectLst/>
+                        </a:rPr>
+                        <a:t>p = .010</a:t>
+                      </a:r>
+                    </a:p>
+                  </a:txBody>
+                  <a:tcPr marL="86082" marR="89668" marT="53801" marB="53801" anchor="ctr">
+                    <a:lnL>
+                      <a:noFill/>
+                    </a:lnL>
+                    <a:lnR>
+                      <a:noFill/>
+                    </a:lnR>
+                    <a:lnT w="9525" cap="flat" cmpd="sng" algn="ctr">
+                      <a:solidFill>
+                        <a:srgbClr val="EDEDED"/>
+                      </a:solidFill>
+                      <a:prstDash val="solid"/>
+                      <a:round/>
+                      <a:headEnd type="none" w="med" len="med"/>
+                      <a:tailEnd type="none" w="med" len="med"/>
+                    </a:lnT>
+                    <a:lnB w="9525" cap="flat" cmpd="sng" algn="ctr">
+                      <a:solidFill>
+                        <a:srgbClr val="EDEDED"/>
+                      </a:solidFill>
+                      <a:prstDash val="solid"/>
+                      <a:round/>
+                      <a:headEnd type="none" w="med" len="med"/>
+                      <a:tailEnd type="none" w="med" len="med"/>
+                    </a:lnB>
+                    <a:solidFill>
+                      <a:srgbClr val="FFFFFF"/>
+                    </a:solidFill>
+                  </a:tcPr>
+                </a:tc>
+                <a:tc>
+                  <a:txBody>
+                    <a:bodyPr/>
+                    <a:lstStyle/>
+                    <a:p>
+                      <a:pPr algn="l"/>
+                      <a:r>
+                        <a:rPr lang="en-US" sz="1700" b="0">
+                          <a:effectLst/>
+                        </a:rPr>
+                        <a:t>p = .318</a:t>
+                      </a:r>
+                    </a:p>
+                  </a:txBody>
+                  <a:tcPr marL="86082" marR="89668" marT="53801" marB="53801" anchor="ctr">
+                    <a:lnL>
+                      <a:noFill/>
+                    </a:lnL>
+                    <a:lnR>
+                      <a:noFill/>
+                    </a:lnR>
+                    <a:lnT w="9525" cap="flat" cmpd="sng" algn="ctr">
+                      <a:solidFill>
+                        <a:srgbClr val="EDEDED"/>
+                      </a:solidFill>
+                      <a:prstDash val="solid"/>
+                      <a:round/>
+                      <a:headEnd type="none" w="med" len="med"/>
+                      <a:tailEnd type="none" w="med" len="med"/>
+                    </a:lnT>
+                    <a:lnB w="9525" cap="flat" cmpd="sng" algn="ctr">
+                      <a:solidFill>
+                        <a:srgbClr val="EDEDED"/>
+                      </a:solidFill>
+                      <a:prstDash val="solid"/>
+                      <a:round/>
+                      <a:headEnd type="none" w="med" len="med"/>
+                      <a:tailEnd type="none" w="med" len="med"/>
+                    </a:lnB>
+                    <a:solidFill>
+                      <a:srgbClr val="FFFFFF"/>
+                    </a:solidFill>
+                  </a:tcPr>
+                </a:tc>
+              </a:tr>
+              <a:tr h="412071">
+                <a:tc>
+                  <a:txBody>
+                    <a:bodyPr/>
+                    <a:lstStyle/>
+                    <a:p>
+                      <a:pPr algn="l"/>
+                      <a:r>
+                        <a:rPr lang="en-US" sz="1700" b="0">
+                          <a:effectLst/>
+                        </a:rPr>
+                        <a:t>EXP9</a:t>
+                      </a:r>
+                    </a:p>
+                  </a:txBody>
+                  <a:tcPr marL="86082" marR="89668" marT="53801" marB="53801" anchor="ctr">
+                    <a:lnL>
+                      <a:noFill/>
+                    </a:lnL>
+                    <a:lnR>
+                      <a:noFill/>
+                    </a:lnR>
+                    <a:lnT w="9525" cap="flat" cmpd="sng" algn="ctr">
+                      <a:solidFill>
+                        <a:srgbClr val="EDEDED"/>
+                      </a:solidFill>
+                      <a:prstDash val="solid"/>
+                      <a:round/>
+                      <a:headEnd type="none" w="med" len="med"/>
+                      <a:tailEnd type="none" w="med" len="med"/>
+                    </a:lnT>
+                    <a:lnB w="9525" cap="flat" cmpd="sng" algn="ctr">
+                      <a:solidFill>
+                        <a:srgbClr val="EDEDED"/>
+                      </a:solidFill>
+                      <a:prstDash val="solid"/>
+                      <a:round/>
+                      <a:headEnd type="none" w="med" len="med"/>
+                      <a:tailEnd type="none" w="med" len="med"/>
+                    </a:lnB>
+                    <a:solidFill>
+                      <a:srgbClr val="FFFFFF"/>
+                    </a:solidFill>
+                  </a:tcPr>
+                </a:tc>
+                <a:tc>
+                  <a:txBody>
+                    <a:bodyPr/>
+                    <a:lstStyle/>
+                    <a:p>
+                      <a:pPr algn="l"/>
+                      <a:r>
+                        <a:rPr lang="en-US" sz="1700" b="0">
+                          <a:effectLst/>
+                        </a:rPr>
+                        <a:t>p = .003</a:t>
+                      </a:r>
+                    </a:p>
+                  </a:txBody>
+                  <a:tcPr marL="86082" marR="89668" marT="53801" marB="53801" anchor="ctr">
+                    <a:lnL>
+                      <a:noFill/>
+                    </a:lnL>
+                    <a:lnR>
+                      <a:noFill/>
+                    </a:lnR>
+                    <a:lnT w="9525" cap="flat" cmpd="sng" algn="ctr">
+                      <a:solidFill>
+                        <a:srgbClr val="EDEDED"/>
+                      </a:solidFill>
+                      <a:prstDash val="solid"/>
+                      <a:round/>
+                      <a:headEnd type="none" w="med" len="med"/>
+                      <a:tailEnd type="none" w="med" len="med"/>
+                    </a:lnT>
+                    <a:lnB w="9525" cap="flat" cmpd="sng" algn="ctr">
+                      <a:solidFill>
+                        <a:srgbClr val="EDEDED"/>
+                      </a:solidFill>
+                      <a:prstDash val="solid"/>
+                      <a:round/>
+                      <a:headEnd type="none" w="med" len="med"/>
+                      <a:tailEnd type="none" w="med" len="med"/>
+                    </a:lnB>
+                    <a:solidFill>
+                      <a:srgbClr val="FFFFFF"/>
+                    </a:solidFill>
+                  </a:tcPr>
+                </a:tc>
+                <a:tc>
+                  <a:txBody>
+                    <a:bodyPr/>
+                    <a:lstStyle/>
+                    <a:p>
+                      <a:pPr algn="l"/>
+                      <a:r>
+                        <a:rPr lang="en-US" sz="1700" b="0" dirty="0">
+                          <a:effectLst/>
+                        </a:rPr>
+                        <a:t>NA</a:t>
+                      </a:r>
+                    </a:p>
+                  </a:txBody>
+                  <a:tcPr marL="86082" marR="89668" marT="53801" marB="53801" anchor="ctr">
+                    <a:lnL>
+                      <a:noFill/>
+                    </a:lnL>
+                    <a:lnR>
+                      <a:noFill/>
+                    </a:lnR>
+                    <a:lnT w="9525" cap="flat" cmpd="sng" algn="ctr">
+                      <a:solidFill>
+                        <a:srgbClr val="EDEDED"/>
+                      </a:solidFill>
+                      <a:prstDash val="solid"/>
+                      <a:round/>
+                      <a:headEnd type="none" w="med" len="med"/>
+                      <a:tailEnd type="none" w="med" len="med"/>
+                    </a:lnT>
+                    <a:lnB w="9525" cap="flat" cmpd="sng" algn="ctr">
+                      <a:solidFill>
+                        <a:srgbClr val="EDEDED"/>
+                      </a:solidFill>
+                      <a:prstDash val="solid"/>
+                      <a:round/>
+                      <a:headEnd type="none" w="med" len="med"/>
+                      <a:tailEnd type="none" w="med" len="med"/>
+                    </a:lnB>
+                    <a:solidFill>
+                      <a:srgbClr val="FFFFFF"/>
+                    </a:solidFill>
+                  </a:tcPr>
+                </a:tc>
+              </a:tr>
+            </a:tbl>
+          </a:graphicData>
+        </a:graphic>
+      </p:graphicFrame>
+      <p:sp>
+        <p:nvSpPr>
+          <p:cNvPr id="6" name="TextBox 5"/>
+          <p:cNvSpPr txBox="1"/>
+          <p:nvPr/>
+        </p:nvSpPr>
+        <p:spPr>
+          <a:xfrm>
+            <a:off x="1024128" y="6396335"/>
+            <a:ext cx="9776866" cy="461665"/>
+          </a:xfrm>
+          <a:prstGeom prst="rect">
+            <a:avLst/>
+          </a:prstGeom>
+          <a:noFill/>
+        </p:spPr>
+        <p:txBody>
+          <a:bodyPr wrap="square" rtlCol="0">
+            <a:spAutoFit/>
+          </a:bodyPr>
+          <a:lstStyle/>
+          <a:p>
+            <a:r>
+              <a:rPr lang="en-US" sz="1200" dirty="0"/>
+              <a:t>https://replicationindex.wordpress.com/2018/01/05/why-the-journal-of-personality-and-social-psychology-should-retract-article-doi-10-1037-a0021524-feeling-the-future-experimental-evidence-for-anomalous-retroactive-influences-on-cognition-a/</a:t>
+            </a:r>
+          </a:p>
+        </p:txBody>
+      </p:sp>
+      <p:sp>
+        <p:nvSpPr>
+          <p:cNvPr id="7" name="TextBox 6"/>
+          <p:cNvSpPr txBox="1"/>
+          <p:nvPr/>
+        </p:nvSpPr>
+        <p:spPr>
+          <a:xfrm>
+            <a:off x="8848933" y="3801562"/>
+            <a:ext cx="1799916" cy="369332"/>
+          </a:xfrm>
+          <a:prstGeom prst="rect">
+            <a:avLst/>
+          </a:prstGeom>
+          <a:noFill/>
+        </p:spPr>
+        <p:txBody>
+          <a:bodyPr wrap="none" rtlCol="0">
+            <a:spAutoFit/>
+          </a:bodyPr>
+          <a:lstStyle/>
+          <a:p>
+            <a:r>
+              <a:rPr lang="en-US" dirty="0" err="1" smtClean="0"/>
+              <a:t>Schimmack</a:t>
+            </a:r>
+            <a:r>
+              <a:rPr lang="en-US" dirty="0" smtClean="0"/>
+              <a:t>, 2018</a:t>
+            </a:r>
+            <a:endParaRPr lang="en-US" dirty="0"/>
+          </a:p>
+        </p:txBody>
+      </p:sp>
+      <p:sp>
+        <p:nvSpPr>
+          <p:cNvPr id="9" name="Footer Placeholder 8"/>
+          <p:cNvSpPr>
+            <a:spLocks noGrp="1"/>
+          </p:cNvSpPr>
+          <p:nvPr>
+            <p:ph type="ftr" sz="quarter" idx="11"/>
+          </p:nvPr>
+        </p:nvSpPr>
+        <p:spPr/>
+        <p:txBody>
+          <a:bodyPr/>
+          <a:lstStyle/>
+          <a:p>
+            <a:r>
+              <a:rPr lang="en-US" smtClean="0"/>
+              <a:t>(CC) ETHAN BROwN|brow3821@umn.edu|github.com/statisfactions/beyond_P</a:t>
+            </a:r>
+            <a:endParaRPr lang="en-US" dirty="0"/>
+          </a:p>
+        </p:txBody>
+      </p:sp>
+    </p:spTree>
+    <p:extLst>
+      <p:ext uri="{BB962C8B-B14F-4D97-AF65-F5344CB8AC3E}">
+        <p14:creationId xmlns:p14="http://schemas.microsoft.com/office/powerpoint/2010/main" val="4114493660"/>
+      </p:ext>
+    </p:extLst>
+  </p:cSld>
+  <p:clrMapOvr>
+    <a:masterClrMapping/>
+  </p:clrMapOvr>
+</p:sld>
+</file>
+
+<file path=ppt/slides/slide16.xml><?xml version="1.0" encoding="utf-8"?>
+<p:sld xmlns:a="http://schemas.openxmlformats.org/drawingml/2006/main" xmlns:r="http://schemas.openxmlformats.org/officeDocument/2006/relationships" xmlns:p="http://schemas.openxmlformats.org/presentationml/2006/main">
+  <p:cSld>
+    <p:spTree>
+      <p:nvGrpSpPr>
+        <p:cNvPr id="1" name=""/>
+        <p:cNvGrpSpPr/>
+        <p:nvPr/>
+      </p:nvGrpSpPr>
+      <p:grpSpPr>
+        <a:xfrm>
+          <a:off x="0" y="0"/>
+          <a:ext cx="0" cy="0"/>
+          <a:chOff x="0" y="0"/>
+          <a:chExt cx="0" cy="0"/>
+        </a:xfrm>
+      </p:grpSpPr>
+      <p:sp>
+        <p:nvSpPr>
+          <p:cNvPr id="2" name="Title 1"/>
+          <p:cNvSpPr>
+            <a:spLocks noGrp="1"/>
+          </p:cNvSpPr>
+          <p:nvPr>
+            <p:ph type="title"/>
+          </p:nvPr>
+        </p:nvSpPr>
+        <p:spPr/>
+        <p:txBody>
+          <a:bodyPr/>
+          <a:lstStyle/>
+          <a:p>
+            <a:r>
+              <a:rPr lang="en-US" dirty="0" smtClean="0"/>
+              <a:t>How can we Do Differently?</a:t>
             </a:r>
             <a:endParaRPr lang="en-US" dirty="0"/>
           </a:p>
@@ -21971,13 +24990,13 @@
           <p:nvPr>
             <p:extLst>
               <p:ext uri="{D42A27DB-BD31-4B8C-83A1-F6EECF244321}">
-                <p14:modId xmlns:p14="http://schemas.microsoft.com/office/powerpoint/2010/main" val="3281059591"/>
+                <p14:modId xmlns:p14="http://schemas.microsoft.com/office/powerpoint/2010/main" val="1634227879"/>
               </p:ext>
             </p:extLst>
           </p:nvPr>
         </p:nvGraphicFramePr>
         <p:xfrm>
-          <a:off x="850647" y="2406341"/>
+          <a:off x="850647" y="1911041"/>
           <a:ext cx="9616826" cy="3777890"/>
         </p:xfrm>
         <a:graphic>
@@ -22164,7 +25183,7 @@
         </p:nvSpPr>
         <p:spPr>
           <a:xfrm>
-            <a:off x="5659060" y="2084832"/>
+            <a:off x="5659060" y="1589532"/>
             <a:ext cx="5870953" cy="4200525"/>
           </a:xfrm>
           <a:prstGeom prst="rect">
@@ -22199,6 +25218,66 @@
           <a:p>
             <a:pPr algn="ctr"/>
             <a:endParaRPr lang="en-US"/>
+          </a:p>
+        </p:txBody>
+      </p:sp>
+      <p:sp>
+        <p:nvSpPr>
+          <p:cNvPr id="3" name="Footer Placeholder 2"/>
+          <p:cNvSpPr>
+            <a:spLocks noGrp="1"/>
+          </p:cNvSpPr>
+          <p:nvPr>
+            <p:ph type="ftr" sz="quarter" idx="11"/>
+          </p:nvPr>
+        </p:nvSpPr>
+        <p:spPr/>
+        <p:txBody>
+          <a:bodyPr/>
+          <a:lstStyle/>
+          <a:p>
+            <a:r>
+              <a:rPr lang="en-US" smtClean="0"/>
+              <a:t>(CC) ETHAN BROwN|brow3821@umn.edu|github.com/statisfactions/beyond_P</a:t>
+            </a:r>
+            <a:endParaRPr lang="en-US"/>
+          </a:p>
+        </p:txBody>
+      </p:sp>
+      <p:sp>
+        <p:nvSpPr>
+          <p:cNvPr id="4" name="TextBox 3"/>
+          <p:cNvSpPr txBox="1"/>
+          <p:nvPr/>
+        </p:nvSpPr>
+        <p:spPr>
+          <a:xfrm>
+            <a:off x="940994" y="5905500"/>
+            <a:ext cx="10927156" cy="369332"/>
+          </a:xfrm>
+          <a:prstGeom prst="rect">
+            <a:avLst/>
+          </a:prstGeom>
+          <a:noFill/>
+        </p:spPr>
+        <p:txBody>
+          <a:bodyPr wrap="square" rtlCol="0">
+            <a:spAutoFit/>
+          </a:bodyPr>
+          <a:lstStyle/>
+          <a:p>
+            <a:r>
+              <a:rPr lang="en-US" dirty="0" err="1" smtClean="0"/>
+              <a:t>Nuzzo</a:t>
+            </a:r>
+            <a:r>
+              <a:rPr lang="en-US" dirty="0" smtClean="0"/>
+              <a:t>, 2015. https</a:t>
+            </a:r>
+            <a:r>
+              <a:rPr lang="en-US" dirty="0"/>
+              <a:t>://www.nature.com/news/how-scientists-fool-themselves-and-how-they-can-stop-1.18517</a:t>
+            </a:r>
           </a:p>
         </p:txBody>
       </p:sp>
@@ -22293,7 +25372,3483 @@
 </p:sld>
 </file>
 
-<file path=ppt/slides/slide14.xml><?xml version="1.0" encoding="utf-8"?>
+<file path=ppt/slides/slide17.xml><?xml version="1.0" encoding="utf-8"?>
+<p:sld xmlns:a="http://schemas.openxmlformats.org/drawingml/2006/main" xmlns:r="http://schemas.openxmlformats.org/officeDocument/2006/relationships" xmlns:p="http://schemas.openxmlformats.org/presentationml/2006/main">
+  <p:cSld>
+    <p:spTree>
+      <p:nvGrpSpPr>
+        <p:cNvPr id="1" name=""/>
+        <p:cNvGrpSpPr/>
+        <p:nvPr/>
+      </p:nvGrpSpPr>
+      <p:grpSpPr>
+        <a:xfrm>
+          <a:off x="0" y="0"/>
+          <a:ext cx="0" cy="0"/>
+          <a:chOff x="0" y="0"/>
+          <a:chExt cx="0" cy="0"/>
+        </a:xfrm>
+      </p:grpSpPr>
+      <p:sp>
+        <p:nvSpPr>
+          <p:cNvPr id="2" name="Title 1"/>
+          <p:cNvSpPr>
+            <a:spLocks noGrp="1"/>
+          </p:cNvSpPr>
+          <p:nvPr>
+            <p:ph type="title"/>
+          </p:nvPr>
+        </p:nvSpPr>
+        <p:spPr/>
+        <p:txBody>
+          <a:bodyPr/>
+          <a:lstStyle/>
+          <a:p>
+            <a:r>
+              <a:rPr lang="en-US" dirty="0" smtClean="0"/>
+              <a:t>Preregistration</a:t>
+            </a:r>
+            <a:endParaRPr lang="en-US" dirty="0"/>
+          </a:p>
+        </p:txBody>
+      </p:sp>
+      <p:sp>
+        <p:nvSpPr>
+          <p:cNvPr id="3" name="Content Placeholder 2"/>
+          <p:cNvSpPr>
+            <a:spLocks noGrp="1"/>
+          </p:cNvSpPr>
+          <p:nvPr>
+            <p:ph idx="1"/>
+          </p:nvPr>
+        </p:nvSpPr>
+        <p:spPr>
+          <a:xfrm>
+            <a:off x="746843" y="2084832"/>
+            <a:ext cx="9720073" cy="4023360"/>
+          </a:xfrm>
+        </p:spPr>
+        <p:txBody>
+          <a:bodyPr>
+            <a:normAutofit fontScale="92500" lnSpcReduction="10000"/>
+          </a:bodyPr>
+          <a:lstStyle/>
+          <a:p>
+            <a:r>
+              <a:rPr lang="en-US" dirty="0" smtClean="0"/>
+              <a:t>Clearly specify protocol in read-only format </a:t>
+            </a:r>
+            <a:r>
+              <a:rPr lang="en-US" b="1" dirty="0" smtClean="0"/>
+              <a:t>ahead </a:t>
+            </a:r>
+            <a:r>
+              <a:rPr lang="en-US" dirty="0" smtClean="0"/>
+              <a:t>of time</a:t>
+            </a:r>
+          </a:p>
+          <a:p>
+            <a:pPr lvl="1"/>
+            <a:r>
+              <a:rPr lang="en-US" dirty="0" smtClean="0"/>
+              <a:t>Doesn’t need to be shared immediately, but good to eventually make public</a:t>
+            </a:r>
+          </a:p>
+          <a:p>
+            <a:r>
+              <a:rPr lang="en-US" dirty="0" smtClean="0"/>
+              <a:t>Simple: AsPredicted.org</a:t>
+            </a:r>
+          </a:p>
+          <a:p>
+            <a:r>
+              <a:rPr lang="en-US" dirty="0" smtClean="0"/>
+              <a:t>More complex: osf.io</a:t>
+            </a:r>
+          </a:p>
+          <a:p>
+            <a:r>
+              <a:rPr lang="en-US" dirty="0"/>
+              <a:t>Simple example: </a:t>
+            </a:r>
+            <a:r>
+              <a:rPr lang="en-US" sz="3200" dirty="0"/>
+              <a:t>https://aspredicted.org/3mu9d.pdf</a:t>
+            </a:r>
+          </a:p>
+        </p:txBody>
+      </p:sp>
+      <p:sp>
+        <p:nvSpPr>
+          <p:cNvPr id="4" name="Footer Placeholder 3"/>
+          <p:cNvSpPr>
+            <a:spLocks noGrp="1"/>
+          </p:cNvSpPr>
+          <p:nvPr>
+            <p:ph type="ftr" sz="quarter" idx="11"/>
+          </p:nvPr>
+        </p:nvSpPr>
+        <p:spPr/>
+        <p:txBody>
+          <a:bodyPr/>
+          <a:lstStyle/>
+          <a:p>
+            <a:r>
+              <a:rPr lang="en-US" dirty="0" smtClean="0"/>
+              <a:t>(CC) ETHAN BROwN|brow3821@umn.edu|github.com/</a:t>
+            </a:r>
+            <a:r>
+              <a:rPr lang="en-US" dirty="0" err="1" smtClean="0"/>
+              <a:t>statisfactions</a:t>
+            </a:r>
+            <a:r>
+              <a:rPr lang="en-US" dirty="0" smtClean="0"/>
+              <a:t>/</a:t>
+            </a:r>
+            <a:r>
+              <a:rPr lang="en-US" dirty="0" err="1" smtClean="0"/>
+              <a:t>beyond_P</a:t>
+            </a:r>
+            <a:endParaRPr lang="en-US" dirty="0"/>
+          </a:p>
+        </p:txBody>
+      </p:sp>
+    </p:spTree>
+    <p:extLst>
+      <p:ext uri="{BB962C8B-B14F-4D97-AF65-F5344CB8AC3E}">
+        <p14:creationId xmlns:p14="http://schemas.microsoft.com/office/powerpoint/2010/main" val="2718251631"/>
+      </p:ext>
+    </p:extLst>
+  </p:cSld>
+  <p:clrMapOvr>
+    <a:masterClrMapping/>
+  </p:clrMapOvr>
+  <p:timing>
+    <p:tnLst>
+      <p:par>
+        <p:cTn id="1" dur="indefinite" restart="never" nodeType="tmRoot"/>
+      </p:par>
+    </p:tnLst>
+  </p:timing>
+</p:sld>
+</file>
+
+<file path=ppt/slides/slide18.xml><?xml version="1.0" encoding="utf-8"?>
+<p:sld xmlns:a="http://schemas.openxmlformats.org/drawingml/2006/main" xmlns:r="http://schemas.openxmlformats.org/officeDocument/2006/relationships" xmlns:p="http://schemas.openxmlformats.org/presentationml/2006/main">
+  <p:cSld>
+    <p:spTree>
+      <p:nvGrpSpPr>
+        <p:cNvPr id="1" name=""/>
+        <p:cNvGrpSpPr/>
+        <p:nvPr/>
+      </p:nvGrpSpPr>
+      <p:grpSpPr>
+        <a:xfrm>
+          <a:off x="0" y="0"/>
+          <a:ext cx="0" cy="0"/>
+          <a:chOff x="0" y="0"/>
+          <a:chExt cx="0" cy="0"/>
+        </a:xfrm>
+      </p:grpSpPr>
+      <p:sp>
+        <p:nvSpPr>
+          <p:cNvPr id="2" name="Title 1"/>
+          <p:cNvSpPr>
+            <a:spLocks noGrp="1"/>
+          </p:cNvSpPr>
+          <p:nvPr>
+            <p:ph type="title"/>
+          </p:nvPr>
+        </p:nvSpPr>
+        <p:spPr/>
+        <p:txBody>
+          <a:bodyPr/>
+          <a:lstStyle/>
+          <a:p>
+            <a:r>
+              <a:rPr lang="en-US" dirty="0" smtClean="0"/>
+              <a:t>Confirmatory vs Exploratory</a:t>
+            </a:r>
+            <a:endParaRPr lang="en-US" dirty="0"/>
+          </a:p>
+        </p:txBody>
+      </p:sp>
+      <p:sp>
+        <p:nvSpPr>
+          <p:cNvPr id="3" name="Content Placeholder 2"/>
+          <p:cNvSpPr>
+            <a:spLocks noGrp="1"/>
+          </p:cNvSpPr>
+          <p:nvPr>
+            <p:ph idx="1"/>
+          </p:nvPr>
+        </p:nvSpPr>
+        <p:spPr>
+          <a:xfrm>
+            <a:off x="8953214" y="2084832"/>
+            <a:ext cx="3238786" cy="3497228"/>
+          </a:xfrm>
+        </p:spPr>
+        <p:txBody>
+          <a:bodyPr>
+            <a:normAutofit fontScale="77500" lnSpcReduction="20000"/>
+          </a:bodyPr>
+          <a:lstStyle/>
+          <a:p>
+            <a:pPr marL="0" indent="0">
+              <a:buNone/>
+            </a:pPr>
+            <a:r>
+              <a:rPr lang="en-US" dirty="0" smtClean="0"/>
+              <a:t>Confirmatory</a:t>
+            </a:r>
+          </a:p>
+          <a:p>
+            <a:pPr lvl="1"/>
+            <a:r>
+              <a:rPr lang="en-US" dirty="0" smtClean="0"/>
+              <a:t>Clear theory with strong predictions</a:t>
+            </a:r>
+          </a:p>
+          <a:p>
+            <a:pPr lvl="1"/>
+            <a:r>
+              <a:rPr lang="en-US" dirty="0" smtClean="0"/>
+              <a:t>A narrow test of that prediction</a:t>
+            </a:r>
+          </a:p>
+          <a:p>
+            <a:pPr lvl="1"/>
+            <a:r>
+              <a:rPr lang="en-US" dirty="0" smtClean="0"/>
+              <a:t>Analysis is prescribed entirely ahead of time</a:t>
+            </a:r>
+          </a:p>
+          <a:p>
+            <a:pPr lvl="1"/>
+            <a:r>
+              <a:rPr lang="en-US" dirty="0" smtClean="0"/>
+              <a:t>p-values make sense</a:t>
+            </a:r>
+          </a:p>
+        </p:txBody>
+      </p:sp>
+      <p:sp>
+        <p:nvSpPr>
+          <p:cNvPr id="4" name="Footer Placeholder 3"/>
+          <p:cNvSpPr>
+            <a:spLocks noGrp="1"/>
+          </p:cNvSpPr>
+          <p:nvPr>
+            <p:ph type="ftr" sz="quarter" idx="11"/>
+          </p:nvPr>
+        </p:nvSpPr>
+        <p:spPr/>
+        <p:txBody>
+          <a:bodyPr/>
+          <a:lstStyle/>
+          <a:p>
+            <a:r>
+              <a:rPr lang="en-US" smtClean="0"/>
+              <a:t>(CC) ETHAN BROwN|brow3821@umn.edu|github.com/statisfactions/beyond_P</a:t>
+            </a:r>
+            <a:endParaRPr lang="en-US" dirty="0"/>
+          </a:p>
+        </p:txBody>
+      </p:sp>
+      <p:sp>
+        <p:nvSpPr>
+          <p:cNvPr id="8" name="Content Placeholder 2"/>
+          <p:cNvSpPr txBox="1">
+            <a:spLocks/>
+          </p:cNvSpPr>
+          <p:nvPr/>
+        </p:nvSpPr>
+        <p:spPr>
+          <a:xfrm>
+            <a:off x="161819" y="2200592"/>
+            <a:ext cx="4028126" cy="3180299"/>
+          </a:xfrm>
+          <a:prstGeom prst="rect">
+            <a:avLst/>
+          </a:prstGeom>
+        </p:spPr>
+        <p:txBody>
+          <a:bodyPr vert="horz" lIns="45720" tIns="45720" rIns="45720" bIns="45720" rtlCol="0">
+            <a:normAutofit fontScale="77500" lnSpcReduction="20000"/>
+          </a:bodyPr>
+          <a:lstStyle>
+            <a:lvl1pPr marL="396875" indent="-396875" algn="l" defTabSz="914400" rtl="0" eaLnBrk="1" latinLnBrk="0" hangingPunct="1">
+              <a:lnSpc>
+                <a:spcPct val="90000"/>
+              </a:lnSpc>
+              <a:spcBef>
+                <a:spcPts val="1200"/>
+              </a:spcBef>
+              <a:spcAft>
+                <a:spcPts val="200"/>
+              </a:spcAft>
+              <a:buClr>
+                <a:schemeClr val="accent1"/>
+              </a:buClr>
+              <a:buSzPct val="100000"/>
+              <a:buFont typeface="Wingdings" panose="05000000000000000000" pitchFamily="2" charset="2"/>
+              <a:buChar char="§"/>
+              <a:defRPr sz="4000" kern="1200">
+                <a:solidFill>
+                  <a:schemeClr val="tx1"/>
+                </a:solidFill>
+                <a:latin typeface="+mn-lt"/>
+                <a:ea typeface="+mn-ea"/>
+                <a:cs typeface="+mn-cs"/>
+              </a:defRPr>
+            </a:lvl1pPr>
+            <a:lvl2pPr marL="463550" indent="-265113" algn="l" defTabSz="914400" rtl="0" eaLnBrk="1" latinLnBrk="0" hangingPunct="1">
+              <a:lnSpc>
+                <a:spcPct val="90000"/>
+              </a:lnSpc>
+              <a:spcBef>
+                <a:spcPts val="200"/>
+              </a:spcBef>
+              <a:spcAft>
+                <a:spcPts val="400"/>
+              </a:spcAft>
+              <a:buClr>
+                <a:schemeClr val="accent1"/>
+              </a:buClr>
+              <a:buFont typeface="Wingdings 3" pitchFamily="18" charset="2"/>
+              <a:buChar char=""/>
+              <a:defRPr sz="3600" kern="1200">
+                <a:solidFill>
+                  <a:schemeClr val="tx1"/>
+                </a:solidFill>
+                <a:latin typeface="+mn-lt"/>
+                <a:ea typeface="+mn-ea"/>
+                <a:cs typeface="+mn-cs"/>
+              </a:defRPr>
+            </a:lvl2pPr>
+            <a:lvl3pPr marL="448056" indent="-137160" algn="l" defTabSz="914400" rtl="0" eaLnBrk="1" latinLnBrk="0" hangingPunct="1">
+              <a:lnSpc>
+                <a:spcPct val="90000"/>
+              </a:lnSpc>
+              <a:spcBef>
+                <a:spcPts val="200"/>
+              </a:spcBef>
+              <a:spcAft>
+                <a:spcPts val="400"/>
+              </a:spcAft>
+              <a:buClr>
+                <a:schemeClr val="accent1"/>
+              </a:buClr>
+              <a:buFont typeface="Wingdings 3" pitchFamily="18" charset="2"/>
+              <a:buChar char=""/>
+              <a:defRPr sz="2800" kern="1200">
+                <a:solidFill>
+                  <a:schemeClr val="tx1"/>
+                </a:solidFill>
+                <a:latin typeface="+mn-lt"/>
+                <a:ea typeface="+mn-ea"/>
+                <a:cs typeface="+mn-cs"/>
+              </a:defRPr>
+            </a:lvl3pPr>
+            <a:lvl4pPr marL="594360" indent="-137160" algn="l" defTabSz="914400" rtl="0" eaLnBrk="1" latinLnBrk="0" hangingPunct="1">
+              <a:lnSpc>
+                <a:spcPct val="90000"/>
+              </a:lnSpc>
+              <a:spcBef>
+                <a:spcPts val="200"/>
+              </a:spcBef>
+              <a:spcAft>
+                <a:spcPts val="400"/>
+              </a:spcAft>
+              <a:buClr>
+                <a:schemeClr val="accent1"/>
+              </a:buClr>
+              <a:buFont typeface="Wingdings 3" pitchFamily="18" charset="2"/>
+              <a:buChar char=""/>
+              <a:defRPr sz="2800" kern="1200">
+                <a:solidFill>
+                  <a:schemeClr val="tx1"/>
+                </a:solidFill>
+                <a:latin typeface="+mn-lt"/>
+                <a:ea typeface="+mn-ea"/>
+                <a:cs typeface="+mn-cs"/>
+              </a:defRPr>
+            </a:lvl4pPr>
+            <a:lvl5pPr marL="777240" indent="-137160" algn="l" defTabSz="914400" rtl="0" eaLnBrk="1" latinLnBrk="0" hangingPunct="1">
+              <a:lnSpc>
+                <a:spcPct val="90000"/>
+              </a:lnSpc>
+              <a:spcBef>
+                <a:spcPts val="200"/>
+              </a:spcBef>
+              <a:spcAft>
+                <a:spcPts val="400"/>
+              </a:spcAft>
+              <a:buClr>
+                <a:schemeClr val="accent1"/>
+              </a:buClr>
+              <a:buFont typeface="Wingdings 3" pitchFamily="18" charset="2"/>
+              <a:buChar char=""/>
+              <a:defRPr sz="2800" kern="1200">
+                <a:solidFill>
+                  <a:schemeClr val="tx1"/>
+                </a:solidFill>
+                <a:latin typeface="+mn-lt"/>
+                <a:ea typeface="+mn-ea"/>
+                <a:cs typeface="+mn-cs"/>
+              </a:defRPr>
+            </a:lvl5pPr>
+            <a:lvl6pPr marL="914400" indent="-137160" algn="l" defTabSz="914400" rtl="0" eaLnBrk="1" latinLnBrk="0" hangingPunct="1">
+              <a:lnSpc>
+                <a:spcPct val="90000"/>
+              </a:lnSpc>
+              <a:spcBef>
+                <a:spcPts val="200"/>
+              </a:spcBef>
+              <a:spcAft>
+                <a:spcPts val="400"/>
+              </a:spcAft>
+              <a:buClr>
+                <a:schemeClr val="accent1"/>
+              </a:buClr>
+              <a:buFont typeface="Wingdings 3" pitchFamily="18" charset="2"/>
+              <a:buChar char=""/>
+              <a:defRPr sz="1400" kern="1200">
+                <a:solidFill>
+                  <a:schemeClr val="tx1"/>
+                </a:solidFill>
+                <a:latin typeface="+mn-lt"/>
+                <a:ea typeface="+mn-ea"/>
+                <a:cs typeface="+mn-cs"/>
+              </a:defRPr>
+            </a:lvl6pPr>
+            <a:lvl7pPr marL="1060704" indent="-137160" algn="l" defTabSz="914400" rtl="0" eaLnBrk="1" latinLnBrk="0" hangingPunct="1">
+              <a:lnSpc>
+                <a:spcPct val="90000"/>
+              </a:lnSpc>
+              <a:spcBef>
+                <a:spcPts val="200"/>
+              </a:spcBef>
+              <a:spcAft>
+                <a:spcPts val="400"/>
+              </a:spcAft>
+              <a:buClr>
+                <a:schemeClr val="accent1"/>
+              </a:buClr>
+              <a:buFont typeface="Wingdings 3" pitchFamily="18" charset="2"/>
+              <a:buChar char=""/>
+              <a:defRPr sz="1400" kern="1200">
+                <a:solidFill>
+                  <a:schemeClr val="tx1"/>
+                </a:solidFill>
+                <a:latin typeface="+mn-lt"/>
+                <a:ea typeface="+mn-ea"/>
+                <a:cs typeface="+mn-cs"/>
+              </a:defRPr>
+            </a:lvl7pPr>
+            <a:lvl8pPr marL="1216152" indent="-137160" algn="l" defTabSz="914400" rtl="0" eaLnBrk="1" latinLnBrk="0" hangingPunct="1">
+              <a:lnSpc>
+                <a:spcPct val="90000"/>
+              </a:lnSpc>
+              <a:spcBef>
+                <a:spcPts val="200"/>
+              </a:spcBef>
+              <a:spcAft>
+                <a:spcPts val="400"/>
+              </a:spcAft>
+              <a:buClr>
+                <a:schemeClr val="accent1"/>
+              </a:buClr>
+              <a:buFont typeface="Wingdings 3" pitchFamily="18" charset="2"/>
+              <a:buChar char=""/>
+              <a:defRPr sz="1400" kern="1200">
+                <a:solidFill>
+                  <a:schemeClr val="tx1"/>
+                </a:solidFill>
+                <a:latin typeface="+mn-lt"/>
+                <a:ea typeface="+mn-ea"/>
+                <a:cs typeface="+mn-cs"/>
+              </a:defRPr>
+            </a:lvl8pPr>
+            <a:lvl9pPr marL="1362456" indent="-137160" algn="l" defTabSz="914400" rtl="0" eaLnBrk="1" latinLnBrk="0" hangingPunct="1">
+              <a:lnSpc>
+                <a:spcPct val="90000"/>
+              </a:lnSpc>
+              <a:spcBef>
+                <a:spcPts val="200"/>
+              </a:spcBef>
+              <a:spcAft>
+                <a:spcPts val="400"/>
+              </a:spcAft>
+              <a:buClr>
+                <a:schemeClr val="accent1"/>
+              </a:buClr>
+              <a:buFont typeface="Wingdings 3" pitchFamily="18" charset="2"/>
+              <a:buChar char=""/>
+              <a:defRPr sz="1400" kern="1200">
+                <a:solidFill>
+                  <a:schemeClr val="tx1"/>
+                </a:solidFill>
+                <a:latin typeface="+mn-lt"/>
+                <a:ea typeface="+mn-ea"/>
+                <a:cs typeface="+mn-cs"/>
+              </a:defRPr>
+            </a:lvl9pPr>
+          </a:lstStyle>
+          <a:p>
+            <a:pPr marL="0" indent="0">
+              <a:buNone/>
+            </a:pPr>
+            <a:r>
+              <a:rPr lang="en-US" dirty="0"/>
+              <a:t>Exploratory</a:t>
+            </a:r>
+          </a:p>
+          <a:p>
+            <a:pPr lvl="1"/>
+            <a:r>
+              <a:rPr lang="en-US" dirty="0" smtClean="0"/>
+              <a:t>Creating, filling in, and expanding theories</a:t>
+            </a:r>
+            <a:endParaRPr lang="en-US" dirty="0"/>
+          </a:p>
+          <a:p>
+            <a:pPr lvl="1"/>
+            <a:r>
+              <a:rPr lang="en-US" dirty="0" smtClean="0"/>
+              <a:t>Analysis adjusted to respond to the needs of the data</a:t>
+            </a:r>
+          </a:p>
+          <a:p>
+            <a:pPr lvl="1"/>
+            <a:r>
+              <a:rPr lang="en-US" dirty="0" smtClean="0"/>
+              <a:t>p-values have unclear interpretation</a:t>
+            </a:r>
+          </a:p>
+        </p:txBody>
+      </p:sp>
+      <p:sp>
+        <p:nvSpPr>
+          <p:cNvPr id="9" name="Left-Right Arrow 8"/>
+          <p:cNvSpPr/>
+          <p:nvPr/>
+        </p:nvSpPr>
+        <p:spPr>
+          <a:xfrm>
+            <a:off x="4189946" y="2954215"/>
+            <a:ext cx="4763268" cy="1143000"/>
+          </a:xfrm>
+          <a:prstGeom prst="leftRightArrow">
+            <a:avLst/>
+          </a:prstGeom>
+        </p:spPr>
+        <p:style>
+          <a:lnRef idx="2">
+            <a:schemeClr val="accent1">
+              <a:shade val="50000"/>
+            </a:schemeClr>
+          </a:lnRef>
+          <a:fillRef idx="1">
+            <a:schemeClr val="accent1"/>
+          </a:fillRef>
+          <a:effectRef idx="0">
+            <a:schemeClr val="accent1"/>
+          </a:effectRef>
+          <a:fontRef idx="minor">
+            <a:schemeClr val="lt1"/>
+          </a:fontRef>
+        </p:style>
+        <p:txBody>
+          <a:bodyPr rtlCol="0" anchor="ctr"/>
+          <a:lstStyle/>
+          <a:p>
+            <a:pPr algn="ctr"/>
+            <a:endParaRPr lang="en-US"/>
+          </a:p>
+        </p:txBody>
+      </p:sp>
+      <p:sp>
+        <p:nvSpPr>
+          <p:cNvPr id="12" name="Up Arrow 11"/>
+          <p:cNvSpPr/>
+          <p:nvPr/>
+        </p:nvSpPr>
+        <p:spPr>
+          <a:xfrm>
+            <a:off x="6774630" y="3954886"/>
+            <a:ext cx="514350" cy="1676810"/>
+          </a:xfrm>
+          <a:prstGeom prst="upArrow">
+            <a:avLst/>
+          </a:prstGeom>
+          <a:solidFill>
+            <a:srgbClr val="FFC000"/>
+          </a:solidFill>
+        </p:spPr>
+        <p:style>
+          <a:lnRef idx="2">
+            <a:schemeClr val="accent1">
+              <a:shade val="50000"/>
+            </a:schemeClr>
+          </a:lnRef>
+          <a:fillRef idx="1">
+            <a:schemeClr val="accent1"/>
+          </a:fillRef>
+          <a:effectRef idx="0">
+            <a:schemeClr val="accent1"/>
+          </a:effectRef>
+          <a:fontRef idx="minor">
+            <a:schemeClr val="lt1"/>
+          </a:fontRef>
+        </p:style>
+        <p:txBody>
+          <a:bodyPr rtlCol="0" anchor="ctr"/>
+          <a:lstStyle/>
+          <a:p>
+            <a:pPr algn="ctr"/>
+            <a:endParaRPr lang="en-US"/>
+          </a:p>
+        </p:txBody>
+      </p:sp>
+      <p:sp>
+        <p:nvSpPr>
+          <p:cNvPr id="13" name="Content Placeholder 2"/>
+          <p:cNvSpPr txBox="1">
+            <a:spLocks/>
+          </p:cNvSpPr>
+          <p:nvPr/>
+        </p:nvSpPr>
+        <p:spPr>
+          <a:xfrm>
+            <a:off x="5395860" y="5624649"/>
+            <a:ext cx="4700640" cy="796460"/>
+          </a:xfrm>
+          <a:prstGeom prst="rect">
+            <a:avLst/>
+          </a:prstGeom>
+        </p:spPr>
+        <p:txBody>
+          <a:bodyPr vert="horz" lIns="45720" tIns="45720" rIns="45720" bIns="45720" rtlCol="0">
+            <a:normAutofit/>
+          </a:bodyPr>
+          <a:lstStyle>
+            <a:lvl1pPr marL="396875" indent="-396875" algn="l" defTabSz="914400" rtl="0" eaLnBrk="1" latinLnBrk="0" hangingPunct="1">
+              <a:lnSpc>
+                <a:spcPct val="90000"/>
+              </a:lnSpc>
+              <a:spcBef>
+                <a:spcPts val="1200"/>
+              </a:spcBef>
+              <a:spcAft>
+                <a:spcPts val="200"/>
+              </a:spcAft>
+              <a:buClr>
+                <a:schemeClr val="accent1"/>
+              </a:buClr>
+              <a:buSzPct val="100000"/>
+              <a:buFont typeface="Wingdings" panose="05000000000000000000" pitchFamily="2" charset="2"/>
+              <a:buChar char="§"/>
+              <a:defRPr sz="4000" kern="1200">
+                <a:solidFill>
+                  <a:schemeClr val="tx1"/>
+                </a:solidFill>
+                <a:latin typeface="+mn-lt"/>
+                <a:ea typeface="+mn-ea"/>
+                <a:cs typeface="+mn-cs"/>
+              </a:defRPr>
+            </a:lvl1pPr>
+            <a:lvl2pPr marL="463550" indent="-265113" algn="l" defTabSz="914400" rtl="0" eaLnBrk="1" latinLnBrk="0" hangingPunct="1">
+              <a:lnSpc>
+                <a:spcPct val="90000"/>
+              </a:lnSpc>
+              <a:spcBef>
+                <a:spcPts val="200"/>
+              </a:spcBef>
+              <a:spcAft>
+                <a:spcPts val="400"/>
+              </a:spcAft>
+              <a:buClr>
+                <a:schemeClr val="accent1"/>
+              </a:buClr>
+              <a:buFont typeface="Wingdings 3" pitchFamily="18" charset="2"/>
+              <a:buChar char=""/>
+              <a:defRPr sz="3600" kern="1200">
+                <a:solidFill>
+                  <a:schemeClr val="tx1"/>
+                </a:solidFill>
+                <a:latin typeface="+mn-lt"/>
+                <a:ea typeface="+mn-ea"/>
+                <a:cs typeface="+mn-cs"/>
+              </a:defRPr>
+            </a:lvl2pPr>
+            <a:lvl3pPr marL="448056" indent="-137160" algn="l" defTabSz="914400" rtl="0" eaLnBrk="1" latinLnBrk="0" hangingPunct="1">
+              <a:lnSpc>
+                <a:spcPct val="90000"/>
+              </a:lnSpc>
+              <a:spcBef>
+                <a:spcPts val="200"/>
+              </a:spcBef>
+              <a:spcAft>
+                <a:spcPts val="400"/>
+              </a:spcAft>
+              <a:buClr>
+                <a:schemeClr val="accent1"/>
+              </a:buClr>
+              <a:buFont typeface="Wingdings 3" pitchFamily="18" charset="2"/>
+              <a:buChar char=""/>
+              <a:defRPr sz="2800" kern="1200">
+                <a:solidFill>
+                  <a:schemeClr val="tx1"/>
+                </a:solidFill>
+                <a:latin typeface="+mn-lt"/>
+                <a:ea typeface="+mn-ea"/>
+                <a:cs typeface="+mn-cs"/>
+              </a:defRPr>
+            </a:lvl3pPr>
+            <a:lvl4pPr marL="594360" indent="-137160" algn="l" defTabSz="914400" rtl="0" eaLnBrk="1" latinLnBrk="0" hangingPunct="1">
+              <a:lnSpc>
+                <a:spcPct val="90000"/>
+              </a:lnSpc>
+              <a:spcBef>
+                <a:spcPts val="200"/>
+              </a:spcBef>
+              <a:spcAft>
+                <a:spcPts val="400"/>
+              </a:spcAft>
+              <a:buClr>
+                <a:schemeClr val="accent1"/>
+              </a:buClr>
+              <a:buFont typeface="Wingdings 3" pitchFamily="18" charset="2"/>
+              <a:buChar char=""/>
+              <a:defRPr sz="2800" kern="1200">
+                <a:solidFill>
+                  <a:schemeClr val="tx1"/>
+                </a:solidFill>
+                <a:latin typeface="+mn-lt"/>
+                <a:ea typeface="+mn-ea"/>
+                <a:cs typeface="+mn-cs"/>
+              </a:defRPr>
+            </a:lvl4pPr>
+            <a:lvl5pPr marL="777240" indent="-137160" algn="l" defTabSz="914400" rtl="0" eaLnBrk="1" latinLnBrk="0" hangingPunct="1">
+              <a:lnSpc>
+                <a:spcPct val="90000"/>
+              </a:lnSpc>
+              <a:spcBef>
+                <a:spcPts val="200"/>
+              </a:spcBef>
+              <a:spcAft>
+                <a:spcPts val="400"/>
+              </a:spcAft>
+              <a:buClr>
+                <a:schemeClr val="accent1"/>
+              </a:buClr>
+              <a:buFont typeface="Wingdings 3" pitchFamily="18" charset="2"/>
+              <a:buChar char=""/>
+              <a:defRPr sz="2800" kern="1200">
+                <a:solidFill>
+                  <a:schemeClr val="tx1"/>
+                </a:solidFill>
+                <a:latin typeface="+mn-lt"/>
+                <a:ea typeface="+mn-ea"/>
+                <a:cs typeface="+mn-cs"/>
+              </a:defRPr>
+            </a:lvl5pPr>
+            <a:lvl6pPr marL="914400" indent="-137160" algn="l" defTabSz="914400" rtl="0" eaLnBrk="1" latinLnBrk="0" hangingPunct="1">
+              <a:lnSpc>
+                <a:spcPct val="90000"/>
+              </a:lnSpc>
+              <a:spcBef>
+                <a:spcPts val="200"/>
+              </a:spcBef>
+              <a:spcAft>
+                <a:spcPts val="400"/>
+              </a:spcAft>
+              <a:buClr>
+                <a:schemeClr val="accent1"/>
+              </a:buClr>
+              <a:buFont typeface="Wingdings 3" pitchFamily="18" charset="2"/>
+              <a:buChar char=""/>
+              <a:defRPr sz="1400" kern="1200">
+                <a:solidFill>
+                  <a:schemeClr val="tx1"/>
+                </a:solidFill>
+                <a:latin typeface="+mn-lt"/>
+                <a:ea typeface="+mn-ea"/>
+                <a:cs typeface="+mn-cs"/>
+              </a:defRPr>
+            </a:lvl6pPr>
+            <a:lvl7pPr marL="1060704" indent="-137160" algn="l" defTabSz="914400" rtl="0" eaLnBrk="1" latinLnBrk="0" hangingPunct="1">
+              <a:lnSpc>
+                <a:spcPct val="90000"/>
+              </a:lnSpc>
+              <a:spcBef>
+                <a:spcPts val="200"/>
+              </a:spcBef>
+              <a:spcAft>
+                <a:spcPts val="400"/>
+              </a:spcAft>
+              <a:buClr>
+                <a:schemeClr val="accent1"/>
+              </a:buClr>
+              <a:buFont typeface="Wingdings 3" pitchFamily="18" charset="2"/>
+              <a:buChar char=""/>
+              <a:defRPr sz="1400" kern="1200">
+                <a:solidFill>
+                  <a:schemeClr val="tx1"/>
+                </a:solidFill>
+                <a:latin typeface="+mn-lt"/>
+                <a:ea typeface="+mn-ea"/>
+                <a:cs typeface="+mn-cs"/>
+              </a:defRPr>
+            </a:lvl7pPr>
+            <a:lvl8pPr marL="1216152" indent="-137160" algn="l" defTabSz="914400" rtl="0" eaLnBrk="1" latinLnBrk="0" hangingPunct="1">
+              <a:lnSpc>
+                <a:spcPct val="90000"/>
+              </a:lnSpc>
+              <a:spcBef>
+                <a:spcPts val="200"/>
+              </a:spcBef>
+              <a:spcAft>
+                <a:spcPts val="400"/>
+              </a:spcAft>
+              <a:buClr>
+                <a:schemeClr val="accent1"/>
+              </a:buClr>
+              <a:buFont typeface="Wingdings 3" pitchFamily="18" charset="2"/>
+              <a:buChar char=""/>
+              <a:defRPr sz="1400" kern="1200">
+                <a:solidFill>
+                  <a:schemeClr val="tx1"/>
+                </a:solidFill>
+                <a:latin typeface="+mn-lt"/>
+                <a:ea typeface="+mn-ea"/>
+                <a:cs typeface="+mn-cs"/>
+              </a:defRPr>
+            </a:lvl8pPr>
+            <a:lvl9pPr marL="1362456" indent="-137160" algn="l" defTabSz="914400" rtl="0" eaLnBrk="1" latinLnBrk="0" hangingPunct="1">
+              <a:lnSpc>
+                <a:spcPct val="90000"/>
+              </a:lnSpc>
+              <a:spcBef>
+                <a:spcPts val="200"/>
+              </a:spcBef>
+              <a:spcAft>
+                <a:spcPts val="400"/>
+              </a:spcAft>
+              <a:buClr>
+                <a:schemeClr val="accent1"/>
+              </a:buClr>
+              <a:buFont typeface="Wingdings 3" pitchFamily="18" charset="2"/>
+              <a:buChar char=""/>
+              <a:defRPr sz="1400" kern="1200">
+                <a:solidFill>
+                  <a:schemeClr val="tx1"/>
+                </a:solidFill>
+                <a:latin typeface="+mn-lt"/>
+                <a:ea typeface="+mn-ea"/>
+                <a:cs typeface="+mn-cs"/>
+              </a:defRPr>
+            </a:lvl9pPr>
+          </a:lstStyle>
+          <a:p>
+            <a:pPr marL="0" indent="0">
+              <a:buNone/>
+            </a:pPr>
+            <a:r>
+              <a:rPr lang="en-US" b="1" dirty="0" smtClean="0"/>
+              <a:t>Most research</a:t>
+            </a:r>
+          </a:p>
+        </p:txBody>
+      </p:sp>
+    </p:spTree>
+    <p:extLst>
+      <p:ext uri="{BB962C8B-B14F-4D97-AF65-F5344CB8AC3E}">
+        <p14:creationId xmlns:p14="http://schemas.microsoft.com/office/powerpoint/2010/main" val="3430097672"/>
+      </p:ext>
+    </p:extLst>
+  </p:cSld>
+  <p:clrMapOvr>
+    <a:masterClrMapping/>
+  </p:clrMapOvr>
+  <p:timing>
+    <p:tnLst>
+      <p:par>
+        <p:cTn id="1" dur="indefinite" restart="never" nodeType="tmRoot"/>
+      </p:par>
+    </p:tnLst>
+  </p:timing>
+</p:sld>
+</file>
+
+<file path=ppt/slides/slide19.xml><?xml version="1.0" encoding="utf-8"?>
+<p:sld xmlns:a="http://schemas.openxmlformats.org/drawingml/2006/main" xmlns:r="http://schemas.openxmlformats.org/officeDocument/2006/relationships" xmlns:p="http://schemas.openxmlformats.org/presentationml/2006/main" showMasterSp="0">
+  <p:cSld>
+    <p:spTree>
+      <p:nvGrpSpPr>
+        <p:cNvPr id="1" name=""/>
+        <p:cNvGrpSpPr/>
+        <p:nvPr/>
+      </p:nvGrpSpPr>
+      <p:grpSpPr>
+        <a:xfrm>
+          <a:off x="0" y="0"/>
+          <a:ext cx="0" cy="0"/>
+          <a:chOff x="0" y="0"/>
+          <a:chExt cx="0" cy="0"/>
+        </a:xfrm>
+      </p:grpSpPr>
+      <p:sp>
+        <p:nvSpPr>
+          <p:cNvPr id="2" name="Title 1"/>
+          <p:cNvSpPr>
+            <a:spLocks noGrp="1"/>
+          </p:cNvSpPr>
+          <p:nvPr>
+            <p:ph type="title"/>
+          </p:nvPr>
+        </p:nvSpPr>
+        <p:spPr>
+          <a:xfrm>
+            <a:off x="933189" y="0"/>
+            <a:ext cx="9720072" cy="1499616"/>
+          </a:xfrm>
+        </p:spPr>
+        <p:txBody>
+          <a:bodyPr/>
+          <a:lstStyle/>
+          <a:p>
+            <a:r>
+              <a:rPr lang="en-US" dirty="0" smtClean="0"/>
+              <a:t>SEPARATING the two</a:t>
+            </a:r>
+            <a:endParaRPr lang="en-US" dirty="0"/>
+          </a:p>
+        </p:txBody>
+      </p:sp>
+      <p:sp>
+        <p:nvSpPr>
+          <p:cNvPr id="3" name="Content Placeholder 2"/>
+          <p:cNvSpPr>
+            <a:spLocks noGrp="1"/>
+          </p:cNvSpPr>
+          <p:nvPr>
+            <p:ph idx="1"/>
+          </p:nvPr>
+        </p:nvSpPr>
+        <p:spPr>
+          <a:xfrm>
+            <a:off x="9183155" y="3135942"/>
+            <a:ext cx="2940212" cy="779545"/>
+          </a:xfrm>
+        </p:spPr>
+        <p:txBody>
+          <a:bodyPr>
+            <a:normAutofit/>
+          </a:bodyPr>
+          <a:lstStyle/>
+          <a:p>
+            <a:pPr marL="0" indent="0">
+              <a:buNone/>
+            </a:pPr>
+            <a:r>
+              <a:rPr lang="en-US" dirty="0" smtClean="0"/>
+              <a:t>Confirmatory</a:t>
+            </a:r>
+          </a:p>
+        </p:txBody>
+      </p:sp>
+      <p:sp>
+        <p:nvSpPr>
+          <p:cNvPr id="4" name="Footer Placeholder 3"/>
+          <p:cNvSpPr>
+            <a:spLocks noGrp="1"/>
+          </p:cNvSpPr>
+          <p:nvPr>
+            <p:ph type="ftr" sz="quarter" idx="11"/>
+          </p:nvPr>
+        </p:nvSpPr>
+        <p:spPr/>
+        <p:txBody>
+          <a:bodyPr/>
+          <a:lstStyle/>
+          <a:p>
+            <a:r>
+              <a:rPr lang="en-US" smtClean="0"/>
+              <a:t>(CC) ETHAN BROwN|brow3821@umn.edu|github.com/statisfactions/beyond_P</a:t>
+            </a:r>
+            <a:endParaRPr lang="en-US" dirty="0"/>
+          </a:p>
+        </p:txBody>
+      </p:sp>
+      <p:sp>
+        <p:nvSpPr>
+          <p:cNvPr id="8" name="Content Placeholder 2"/>
+          <p:cNvSpPr txBox="1">
+            <a:spLocks/>
+          </p:cNvSpPr>
+          <p:nvPr/>
+        </p:nvSpPr>
+        <p:spPr>
+          <a:xfrm>
+            <a:off x="584966" y="3216310"/>
+            <a:ext cx="2790931" cy="618808"/>
+          </a:xfrm>
+          <a:prstGeom prst="rect">
+            <a:avLst/>
+          </a:prstGeom>
+        </p:spPr>
+        <p:txBody>
+          <a:bodyPr vert="horz" lIns="45720" tIns="45720" rIns="45720" bIns="45720" rtlCol="0">
+            <a:normAutofit lnSpcReduction="10000"/>
+          </a:bodyPr>
+          <a:lstStyle>
+            <a:lvl1pPr marL="396875" indent="-396875" algn="l" defTabSz="914400" rtl="0" eaLnBrk="1" latinLnBrk="0" hangingPunct="1">
+              <a:lnSpc>
+                <a:spcPct val="90000"/>
+              </a:lnSpc>
+              <a:spcBef>
+                <a:spcPts val="1200"/>
+              </a:spcBef>
+              <a:spcAft>
+                <a:spcPts val="200"/>
+              </a:spcAft>
+              <a:buClr>
+                <a:schemeClr val="accent1"/>
+              </a:buClr>
+              <a:buSzPct val="100000"/>
+              <a:buFont typeface="Wingdings" panose="05000000000000000000" pitchFamily="2" charset="2"/>
+              <a:buChar char="§"/>
+              <a:defRPr sz="4000" kern="1200">
+                <a:solidFill>
+                  <a:schemeClr val="tx1"/>
+                </a:solidFill>
+                <a:latin typeface="+mn-lt"/>
+                <a:ea typeface="+mn-ea"/>
+                <a:cs typeface="+mn-cs"/>
+              </a:defRPr>
+            </a:lvl1pPr>
+            <a:lvl2pPr marL="463550" indent="-265113" algn="l" defTabSz="914400" rtl="0" eaLnBrk="1" latinLnBrk="0" hangingPunct="1">
+              <a:lnSpc>
+                <a:spcPct val="90000"/>
+              </a:lnSpc>
+              <a:spcBef>
+                <a:spcPts val="200"/>
+              </a:spcBef>
+              <a:spcAft>
+                <a:spcPts val="400"/>
+              </a:spcAft>
+              <a:buClr>
+                <a:schemeClr val="accent1"/>
+              </a:buClr>
+              <a:buFont typeface="Wingdings 3" pitchFamily="18" charset="2"/>
+              <a:buChar char=""/>
+              <a:defRPr sz="3600" kern="1200">
+                <a:solidFill>
+                  <a:schemeClr val="tx1"/>
+                </a:solidFill>
+                <a:latin typeface="+mn-lt"/>
+                <a:ea typeface="+mn-ea"/>
+                <a:cs typeface="+mn-cs"/>
+              </a:defRPr>
+            </a:lvl2pPr>
+            <a:lvl3pPr marL="448056" indent="-137160" algn="l" defTabSz="914400" rtl="0" eaLnBrk="1" latinLnBrk="0" hangingPunct="1">
+              <a:lnSpc>
+                <a:spcPct val="90000"/>
+              </a:lnSpc>
+              <a:spcBef>
+                <a:spcPts val="200"/>
+              </a:spcBef>
+              <a:spcAft>
+                <a:spcPts val="400"/>
+              </a:spcAft>
+              <a:buClr>
+                <a:schemeClr val="accent1"/>
+              </a:buClr>
+              <a:buFont typeface="Wingdings 3" pitchFamily="18" charset="2"/>
+              <a:buChar char=""/>
+              <a:defRPr sz="2800" kern="1200">
+                <a:solidFill>
+                  <a:schemeClr val="tx1"/>
+                </a:solidFill>
+                <a:latin typeface="+mn-lt"/>
+                <a:ea typeface="+mn-ea"/>
+                <a:cs typeface="+mn-cs"/>
+              </a:defRPr>
+            </a:lvl3pPr>
+            <a:lvl4pPr marL="594360" indent="-137160" algn="l" defTabSz="914400" rtl="0" eaLnBrk="1" latinLnBrk="0" hangingPunct="1">
+              <a:lnSpc>
+                <a:spcPct val="90000"/>
+              </a:lnSpc>
+              <a:spcBef>
+                <a:spcPts val="200"/>
+              </a:spcBef>
+              <a:spcAft>
+                <a:spcPts val="400"/>
+              </a:spcAft>
+              <a:buClr>
+                <a:schemeClr val="accent1"/>
+              </a:buClr>
+              <a:buFont typeface="Wingdings 3" pitchFamily="18" charset="2"/>
+              <a:buChar char=""/>
+              <a:defRPr sz="2800" kern="1200">
+                <a:solidFill>
+                  <a:schemeClr val="tx1"/>
+                </a:solidFill>
+                <a:latin typeface="+mn-lt"/>
+                <a:ea typeface="+mn-ea"/>
+                <a:cs typeface="+mn-cs"/>
+              </a:defRPr>
+            </a:lvl4pPr>
+            <a:lvl5pPr marL="777240" indent="-137160" algn="l" defTabSz="914400" rtl="0" eaLnBrk="1" latinLnBrk="0" hangingPunct="1">
+              <a:lnSpc>
+                <a:spcPct val="90000"/>
+              </a:lnSpc>
+              <a:spcBef>
+                <a:spcPts val="200"/>
+              </a:spcBef>
+              <a:spcAft>
+                <a:spcPts val="400"/>
+              </a:spcAft>
+              <a:buClr>
+                <a:schemeClr val="accent1"/>
+              </a:buClr>
+              <a:buFont typeface="Wingdings 3" pitchFamily="18" charset="2"/>
+              <a:buChar char=""/>
+              <a:defRPr sz="2800" kern="1200">
+                <a:solidFill>
+                  <a:schemeClr val="tx1"/>
+                </a:solidFill>
+                <a:latin typeface="+mn-lt"/>
+                <a:ea typeface="+mn-ea"/>
+                <a:cs typeface="+mn-cs"/>
+              </a:defRPr>
+            </a:lvl5pPr>
+            <a:lvl6pPr marL="914400" indent="-137160" algn="l" defTabSz="914400" rtl="0" eaLnBrk="1" latinLnBrk="0" hangingPunct="1">
+              <a:lnSpc>
+                <a:spcPct val="90000"/>
+              </a:lnSpc>
+              <a:spcBef>
+                <a:spcPts val="200"/>
+              </a:spcBef>
+              <a:spcAft>
+                <a:spcPts val="400"/>
+              </a:spcAft>
+              <a:buClr>
+                <a:schemeClr val="accent1"/>
+              </a:buClr>
+              <a:buFont typeface="Wingdings 3" pitchFamily="18" charset="2"/>
+              <a:buChar char=""/>
+              <a:defRPr sz="1400" kern="1200">
+                <a:solidFill>
+                  <a:schemeClr val="tx1"/>
+                </a:solidFill>
+                <a:latin typeface="+mn-lt"/>
+                <a:ea typeface="+mn-ea"/>
+                <a:cs typeface="+mn-cs"/>
+              </a:defRPr>
+            </a:lvl6pPr>
+            <a:lvl7pPr marL="1060704" indent="-137160" algn="l" defTabSz="914400" rtl="0" eaLnBrk="1" latinLnBrk="0" hangingPunct="1">
+              <a:lnSpc>
+                <a:spcPct val="90000"/>
+              </a:lnSpc>
+              <a:spcBef>
+                <a:spcPts val="200"/>
+              </a:spcBef>
+              <a:spcAft>
+                <a:spcPts val="400"/>
+              </a:spcAft>
+              <a:buClr>
+                <a:schemeClr val="accent1"/>
+              </a:buClr>
+              <a:buFont typeface="Wingdings 3" pitchFamily="18" charset="2"/>
+              <a:buChar char=""/>
+              <a:defRPr sz="1400" kern="1200">
+                <a:solidFill>
+                  <a:schemeClr val="tx1"/>
+                </a:solidFill>
+                <a:latin typeface="+mn-lt"/>
+                <a:ea typeface="+mn-ea"/>
+                <a:cs typeface="+mn-cs"/>
+              </a:defRPr>
+            </a:lvl7pPr>
+            <a:lvl8pPr marL="1216152" indent="-137160" algn="l" defTabSz="914400" rtl="0" eaLnBrk="1" latinLnBrk="0" hangingPunct="1">
+              <a:lnSpc>
+                <a:spcPct val="90000"/>
+              </a:lnSpc>
+              <a:spcBef>
+                <a:spcPts val="200"/>
+              </a:spcBef>
+              <a:spcAft>
+                <a:spcPts val="400"/>
+              </a:spcAft>
+              <a:buClr>
+                <a:schemeClr val="accent1"/>
+              </a:buClr>
+              <a:buFont typeface="Wingdings 3" pitchFamily="18" charset="2"/>
+              <a:buChar char=""/>
+              <a:defRPr sz="1400" kern="1200">
+                <a:solidFill>
+                  <a:schemeClr val="tx1"/>
+                </a:solidFill>
+                <a:latin typeface="+mn-lt"/>
+                <a:ea typeface="+mn-ea"/>
+                <a:cs typeface="+mn-cs"/>
+              </a:defRPr>
+            </a:lvl8pPr>
+            <a:lvl9pPr marL="1362456" indent="-137160" algn="l" defTabSz="914400" rtl="0" eaLnBrk="1" latinLnBrk="0" hangingPunct="1">
+              <a:lnSpc>
+                <a:spcPct val="90000"/>
+              </a:lnSpc>
+              <a:spcBef>
+                <a:spcPts val="200"/>
+              </a:spcBef>
+              <a:spcAft>
+                <a:spcPts val="400"/>
+              </a:spcAft>
+              <a:buClr>
+                <a:schemeClr val="accent1"/>
+              </a:buClr>
+              <a:buFont typeface="Wingdings 3" pitchFamily="18" charset="2"/>
+              <a:buChar char=""/>
+              <a:defRPr sz="1400" kern="1200">
+                <a:solidFill>
+                  <a:schemeClr val="tx1"/>
+                </a:solidFill>
+                <a:latin typeface="+mn-lt"/>
+                <a:ea typeface="+mn-ea"/>
+                <a:cs typeface="+mn-cs"/>
+              </a:defRPr>
+            </a:lvl9pPr>
+          </a:lstStyle>
+          <a:p>
+            <a:pPr marL="0" indent="0">
+              <a:buNone/>
+            </a:pPr>
+            <a:r>
+              <a:rPr lang="en-US" dirty="0" smtClean="0"/>
+              <a:t>Exploratory</a:t>
+            </a:r>
+            <a:endParaRPr lang="en-US" dirty="0"/>
+          </a:p>
+        </p:txBody>
+      </p:sp>
+      <p:sp>
+        <p:nvSpPr>
+          <p:cNvPr id="9" name="Left-Right Arrow 8"/>
+          <p:cNvSpPr/>
+          <p:nvPr/>
+        </p:nvSpPr>
+        <p:spPr>
+          <a:xfrm>
+            <a:off x="4189946" y="2954215"/>
+            <a:ext cx="4763268" cy="1143000"/>
+          </a:xfrm>
+          <a:prstGeom prst="leftRightArrow">
+            <a:avLst/>
+          </a:prstGeom>
+        </p:spPr>
+        <p:style>
+          <a:lnRef idx="2">
+            <a:schemeClr val="accent1">
+              <a:shade val="50000"/>
+            </a:schemeClr>
+          </a:lnRef>
+          <a:fillRef idx="1">
+            <a:schemeClr val="accent1"/>
+          </a:fillRef>
+          <a:effectRef idx="0">
+            <a:schemeClr val="accent1"/>
+          </a:effectRef>
+          <a:fontRef idx="minor">
+            <a:schemeClr val="lt1"/>
+          </a:fontRef>
+        </p:style>
+        <p:txBody>
+          <a:bodyPr rtlCol="0" anchor="ctr"/>
+          <a:lstStyle/>
+          <a:p>
+            <a:pPr algn="ctr"/>
+            <a:endParaRPr lang="en-US"/>
+          </a:p>
+        </p:txBody>
+      </p:sp>
+      <p:cxnSp>
+        <p:nvCxnSpPr>
+          <p:cNvPr id="6" name="Straight Connector 5"/>
+          <p:cNvCxnSpPr/>
+          <p:nvPr/>
+        </p:nvCxnSpPr>
+        <p:spPr>
+          <a:xfrm>
+            <a:off x="6705600" y="1600200"/>
+            <a:ext cx="38100" cy="4267200"/>
+          </a:xfrm>
+          <a:prstGeom prst="line">
+            <a:avLst/>
+          </a:prstGeom>
+          <a:ln w="76200">
+            <a:solidFill>
+              <a:schemeClr val="tx1"/>
+            </a:solidFill>
+          </a:ln>
+        </p:spPr>
+        <p:style>
+          <a:lnRef idx="1">
+            <a:schemeClr val="accent1"/>
+          </a:lnRef>
+          <a:fillRef idx="0">
+            <a:schemeClr val="accent1"/>
+          </a:fillRef>
+          <a:effectRef idx="0">
+            <a:schemeClr val="accent1"/>
+          </a:effectRef>
+          <a:fontRef idx="minor">
+            <a:schemeClr val="tx1"/>
+          </a:fontRef>
+        </p:style>
+      </p:cxnSp>
+      <p:sp>
+        <p:nvSpPr>
+          <p:cNvPr id="14" name="Content Placeholder 2"/>
+          <p:cNvSpPr txBox="1">
+            <a:spLocks/>
+          </p:cNvSpPr>
+          <p:nvPr/>
+        </p:nvSpPr>
+        <p:spPr>
+          <a:xfrm>
+            <a:off x="7713048" y="1380779"/>
+            <a:ext cx="4078901" cy="779545"/>
+          </a:xfrm>
+          <a:prstGeom prst="rect">
+            <a:avLst/>
+          </a:prstGeom>
+        </p:spPr>
+        <p:txBody>
+          <a:bodyPr vert="horz" lIns="45720" tIns="45720" rIns="45720" bIns="45720" rtlCol="0">
+            <a:normAutofit/>
+          </a:bodyPr>
+          <a:lstStyle>
+            <a:lvl1pPr marL="396875" indent="-396875" algn="l" defTabSz="914400" rtl="0" eaLnBrk="1" latinLnBrk="0" hangingPunct="1">
+              <a:lnSpc>
+                <a:spcPct val="90000"/>
+              </a:lnSpc>
+              <a:spcBef>
+                <a:spcPts val="1200"/>
+              </a:spcBef>
+              <a:spcAft>
+                <a:spcPts val="200"/>
+              </a:spcAft>
+              <a:buClr>
+                <a:schemeClr val="accent1"/>
+              </a:buClr>
+              <a:buSzPct val="100000"/>
+              <a:buFont typeface="Wingdings" panose="05000000000000000000" pitchFamily="2" charset="2"/>
+              <a:buChar char="§"/>
+              <a:defRPr sz="4000" kern="1200">
+                <a:solidFill>
+                  <a:schemeClr val="tx1"/>
+                </a:solidFill>
+                <a:latin typeface="+mn-lt"/>
+                <a:ea typeface="+mn-ea"/>
+                <a:cs typeface="+mn-cs"/>
+              </a:defRPr>
+            </a:lvl1pPr>
+            <a:lvl2pPr marL="463550" indent="-265113" algn="l" defTabSz="914400" rtl="0" eaLnBrk="1" latinLnBrk="0" hangingPunct="1">
+              <a:lnSpc>
+                <a:spcPct val="90000"/>
+              </a:lnSpc>
+              <a:spcBef>
+                <a:spcPts val="200"/>
+              </a:spcBef>
+              <a:spcAft>
+                <a:spcPts val="400"/>
+              </a:spcAft>
+              <a:buClr>
+                <a:schemeClr val="accent1"/>
+              </a:buClr>
+              <a:buFont typeface="Wingdings 3" pitchFamily="18" charset="2"/>
+              <a:buChar char=""/>
+              <a:defRPr sz="3600" kern="1200">
+                <a:solidFill>
+                  <a:schemeClr val="tx1"/>
+                </a:solidFill>
+                <a:latin typeface="+mn-lt"/>
+                <a:ea typeface="+mn-ea"/>
+                <a:cs typeface="+mn-cs"/>
+              </a:defRPr>
+            </a:lvl2pPr>
+            <a:lvl3pPr marL="448056" indent="-137160" algn="l" defTabSz="914400" rtl="0" eaLnBrk="1" latinLnBrk="0" hangingPunct="1">
+              <a:lnSpc>
+                <a:spcPct val="90000"/>
+              </a:lnSpc>
+              <a:spcBef>
+                <a:spcPts val="200"/>
+              </a:spcBef>
+              <a:spcAft>
+                <a:spcPts val="400"/>
+              </a:spcAft>
+              <a:buClr>
+                <a:schemeClr val="accent1"/>
+              </a:buClr>
+              <a:buFont typeface="Wingdings 3" pitchFamily="18" charset="2"/>
+              <a:buChar char=""/>
+              <a:defRPr sz="2800" kern="1200">
+                <a:solidFill>
+                  <a:schemeClr val="tx1"/>
+                </a:solidFill>
+                <a:latin typeface="+mn-lt"/>
+                <a:ea typeface="+mn-ea"/>
+                <a:cs typeface="+mn-cs"/>
+              </a:defRPr>
+            </a:lvl3pPr>
+            <a:lvl4pPr marL="594360" indent="-137160" algn="l" defTabSz="914400" rtl="0" eaLnBrk="1" latinLnBrk="0" hangingPunct="1">
+              <a:lnSpc>
+                <a:spcPct val="90000"/>
+              </a:lnSpc>
+              <a:spcBef>
+                <a:spcPts val="200"/>
+              </a:spcBef>
+              <a:spcAft>
+                <a:spcPts val="400"/>
+              </a:spcAft>
+              <a:buClr>
+                <a:schemeClr val="accent1"/>
+              </a:buClr>
+              <a:buFont typeface="Wingdings 3" pitchFamily="18" charset="2"/>
+              <a:buChar char=""/>
+              <a:defRPr sz="2800" kern="1200">
+                <a:solidFill>
+                  <a:schemeClr val="tx1"/>
+                </a:solidFill>
+                <a:latin typeface="+mn-lt"/>
+                <a:ea typeface="+mn-ea"/>
+                <a:cs typeface="+mn-cs"/>
+              </a:defRPr>
+            </a:lvl4pPr>
+            <a:lvl5pPr marL="777240" indent="-137160" algn="l" defTabSz="914400" rtl="0" eaLnBrk="1" latinLnBrk="0" hangingPunct="1">
+              <a:lnSpc>
+                <a:spcPct val="90000"/>
+              </a:lnSpc>
+              <a:spcBef>
+                <a:spcPts val="200"/>
+              </a:spcBef>
+              <a:spcAft>
+                <a:spcPts val="400"/>
+              </a:spcAft>
+              <a:buClr>
+                <a:schemeClr val="accent1"/>
+              </a:buClr>
+              <a:buFont typeface="Wingdings 3" pitchFamily="18" charset="2"/>
+              <a:buChar char=""/>
+              <a:defRPr sz="2800" kern="1200">
+                <a:solidFill>
+                  <a:schemeClr val="tx1"/>
+                </a:solidFill>
+                <a:latin typeface="+mn-lt"/>
+                <a:ea typeface="+mn-ea"/>
+                <a:cs typeface="+mn-cs"/>
+              </a:defRPr>
+            </a:lvl5pPr>
+            <a:lvl6pPr marL="914400" indent="-137160" algn="l" defTabSz="914400" rtl="0" eaLnBrk="1" latinLnBrk="0" hangingPunct="1">
+              <a:lnSpc>
+                <a:spcPct val="90000"/>
+              </a:lnSpc>
+              <a:spcBef>
+                <a:spcPts val="200"/>
+              </a:spcBef>
+              <a:spcAft>
+                <a:spcPts val="400"/>
+              </a:spcAft>
+              <a:buClr>
+                <a:schemeClr val="accent1"/>
+              </a:buClr>
+              <a:buFont typeface="Wingdings 3" pitchFamily="18" charset="2"/>
+              <a:buChar char=""/>
+              <a:defRPr sz="1400" kern="1200">
+                <a:solidFill>
+                  <a:schemeClr val="tx1"/>
+                </a:solidFill>
+                <a:latin typeface="+mn-lt"/>
+                <a:ea typeface="+mn-ea"/>
+                <a:cs typeface="+mn-cs"/>
+              </a:defRPr>
+            </a:lvl6pPr>
+            <a:lvl7pPr marL="1060704" indent="-137160" algn="l" defTabSz="914400" rtl="0" eaLnBrk="1" latinLnBrk="0" hangingPunct="1">
+              <a:lnSpc>
+                <a:spcPct val="90000"/>
+              </a:lnSpc>
+              <a:spcBef>
+                <a:spcPts val="200"/>
+              </a:spcBef>
+              <a:spcAft>
+                <a:spcPts val="400"/>
+              </a:spcAft>
+              <a:buClr>
+                <a:schemeClr val="accent1"/>
+              </a:buClr>
+              <a:buFont typeface="Wingdings 3" pitchFamily="18" charset="2"/>
+              <a:buChar char=""/>
+              <a:defRPr sz="1400" kern="1200">
+                <a:solidFill>
+                  <a:schemeClr val="tx1"/>
+                </a:solidFill>
+                <a:latin typeface="+mn-lt"/>
+                <a:ea typeface="+mn-ea"/>
+                <a:cs typeface="+mn-cs"/>
+              </a:defRPr>
+            </a:lvl7pPr>
+            <a:lvl8pPr marL="1216152" indent="-137160" algn="l" defTabSz="914400" rtl="0" eaLnBrk="1" latinLnBrk="0" hangingPunct="1">
+              <a:lnSpc>
+                <a:spcPct val="90000"/>
+              </a:lnSpc>
+              <a:spcBef>
+                <a:spcPts val="200"/>
+              </a:spcBef>
+              <a:spcAft>
+                <a:spcPts val="400"/>
+              </a:spcAft>
+              <a:buClr>
+                <a:schemeClr val="accent1"/>
+              </a:buClr>
+              <a:buFont typeface="Wingdings 3" pitchFamily="18" charset="2"/>
+              <a:buChar char=""/>
+              <a:defRPr sz="1400" kern="1200">
+                <a:solidFill>
+                  <a:schemeClr val="tx1"/>
+                </a:solidFill>
+                <a:latin typeface="+mn-lt"/>
+                <a:ea typeface="+mn-ea"/>
+                <a:cs typeface="+mn-cs"/>
+              </a:defRPr>
+            </a:lvl8pPr>
+            <a:lvl9pPr marL="1362456" indent="-137160" algn="l" defTabSz="914400" rtl="0" eaLnBrk="1" latinLnBrk="0" hangingPunct="1">
+              <a:lnSpc>
+                <a:spcPct val="90000"/>
+              </a:lnSpc>
+              <a:spcBef>
+                <a:spcPts val="200"/>
+              </a:spcBef>
+              <a:spcAft>
+                <a:spcPts val="400"/>
+              </a:spcAft>
+              <a:buClr>
+                <a:schemeClr val="accent1"/>
+              </a:buClr>
+              <a:buFont typeface="Wingdings 3" pitchFamily="18" charset="2"/>
+              <a:buChar char=""/>
+              <a:defRPr sz="1400" kern="1200">
+                <a:solidFill>
+                  <a:schemeClr val="tx1"/>
+                </a:solidFill>
+                <a:latin typeface="+mn-lt"/>
+                <a:ea typeface="+mn-ea"/>
+                <a:cs typeface="+mn-cs"/>
+              </a:defRPr>
+            </a:lvl9pPr>
+          </a:lstStyle>
+          <a:p>
+            <a:pPr marL="0" indent="0">
+              <a:buFont typeface="Wingdings" panose="05000000000000000000" pitchFamily="2" charset="2"/>
+              <a:buNone/>
+            </a:pPr>
+            <a:r>
+              <a:rPr lang="en-US" dirty="0" smtClean="0"/>
+              <a:t>In Preregistration</a:t>
+            </a:r>
+            <a:endParaRPr lang="en-US" dirty="0" smtClean="0"/>
+          </a:p>
+        </p:txBody>
+      </p:sp>
+      <p:sp>
+        <p:nvSpPr>
+          <p:cNvPr id="15" name="Content Placeholder 2"/>
+          <p:cNvSpPr txBox="1">
+            <a:spLocks/>
+          </p:cNvSpPr>
+          <p:nvPr/>
+        </p:nvSpPr>
+        <p:spPr>
+          <a:xfrm>
+            <a:off x="812686" y="1390118"/>
+            <a:ext cx="5005969" cy="1298098"/>
+          </a:xfrm>
+          <a:prstGeom prst="rect">
+            <a:avLst/>
+          </a:prstGeom>
+        </p:spPr>
+        <p:txBody>
+          <a:bodyPr vert="horz" lIns="45720" tIns="45720" rIns="45720" bIns="45720" rtlCol="0">
+            <a:normAutofit/>
+          </a:bodyPr>
+          <a:lstStyle>
+            <a:lvl1pPr marL="396875" indent="-396875" algn="l" defTabSz="914400" rtl="0" eaLnBrk="1" latinLnBrk="0" hangingPunct="1">
+              <a:lnSpc>
+                <a:spcPct val="90000"/>
+              </a:lnSpc>
+              <a:spcBef>
+                <a:spcPts val="1200"/>
+              </a:spcBef>
+              <a:spcAft>
+                <a:spcPts val="200"/>
+              </a:spcAft>
+              <a:buClr>
+                <a:schemeClr val="accent1"/>
+              </a:buClr>
+              <a:buSzPct val="100000"/>
+              <a:buFont typeface="Wingdings" panose="05000000000000000000" pitchFamily="2" charset="2"/>
+              <a:buChar char="§"/>
+              <a:defRPr sz="4000" kern="1200">
+                <a:solidFill>
+                  <a:schemeClr val="tx1"/>
+                </a:solidFill>
+                <a:latin typeface="+mn-lt"/>
+                <a:ea typeface="+mn-ea"/>
+                <a:cs typeface="+mn-cs"/>
+              </a:defRPr>
+            </a:lvl1pPr>
+            <a:lvl2pPr marL="463550" indent="-265113" algn="l" defTabSz="914400" rtl="0" eaLnBrk="1" latinLnBrk="0" hangingPunct="1">
+              <a:lnSpc>
+                <a:spcPct val="90000"/>
+              </a:lnSpc>
+              <a:spcBef>
+                <a:spcPts val="200"/>
+              </a:spcBef>
+              <a:spcAft>
+                <a:spcPts val="400"/>
+              </a:spcAft>
+              <a:buClr>
+                <a:schemeClr val="accent1"/>
+              </a:buClr>
+              <a:buFont typeface="Wingdings 3" pitchFamily="18" charset="2"/>
+              <a:buChar char=""/>
+              <a:defRPr sz="3600" kern="1200">
+                <a:solidFill>
+                  <a:schemeClr val="tx1"/>
+                </a:solidFill>
+                <a:latin typeface="+mn-lt"/>
+                <a:ea typeface="+mn-ea"/>
+                <a:cs typeface="+mn-cs"/>
+              </a:defRPr>
+            </a:lvl2pPr>
+            <a:lvl3pPr marL="448056" indent="-137160" algn="l" defTabSz="914400" rtl="0" eaLnBrk="1" latinLnBrk="0" hangingPunct="1">
+              <a:lnSpc>
+                <a:spcPct val="90000"/>
+              </a:lnSpc>
+              <a:spcBef>
+                <a:spcPts val="200"/>
+              </a:spcBef>
+              <a:spcAft>
+                <a:spcPts val="400"/>
+              </a:spcAft>
+              <a:buClr>
+                <a:schemeClr val="accent1"/>
+              </a:buClr>
+              <a:buFont typeface="Wingdings 3" pitchFamily="18" charset="2"/>
+              <a:buChar char=""/>
+              <a:defRPr sz="2800" kern="1200">
+                <a:solidFill>
+                  <a:schemeClr val="tx1"/>
+                </a:solidFill>
+                <a:latin typeface="+mn-lt"/>
+                <a:ea typeface="+mn-ea"/>
+                <a:cs typeface="+mn-cs"/>
+              </a:defRPr>
+            </a:lvl3pPr>
+            <a:lvl4pPr marL="594360" indent="-137160" algn="l" defTabSz="914400" rtl="0" eaLnBrk="1" latinLnBrk="0" hangingPunct="1">
+              <a:lnSpc>
+                <a:spcPct val="90000"/>
+              </a:lnSpc>
+              <a:spcBef>
+                <a:spcPts val="200"/>
+              </a:spcBef>
+              <a:spcAft>
+                <a:spcPts val="400"/>
+              </a:spcAft>
+              <a:buClr>
+                <a:schemeClr val="accent1"/>
+              </a:buClr>
+              <a:buFont typeface="Wingdings 3" pitchFamily="18" charset="2"/>
+              <a:buChar char=""/>
+              <a:defRPr sz="2800" kern="1200">
+                <a:solidFill>
+                  <a:schemeClr val="tx1"/>
+                </a:solidFill>
+                <a:latin typeface="+mn-lt"/>
+                <a:ea typeface="+mn-ea"/>
+                <a:cs typeface="+mn-cs"/>
+              </a:defRPr>
+            </a:lvl4pPr>
+            <a:lvl5pPr marL="777240" indent="-137160" algn="l" defTabSz="914400" rtl="0" eaLnBrk="1" latinLnBrk="0" hangingPunct="1">
+              <a:lnSpc>
+                <a:spcPct val="90000"/>
+              </a:lnSpc>
+              <a:spcBef>
+                <a:spcPts val="200"/>
+              </a:spcBef>
+              <a:spcAft>
+                <a:spcPts val="400"/>
+              </a:spcAft>
+              <a:buClr>
+                <a:schemeClr val="accent1"/>
+              </a:buClr>
+              <a:buFont typeface="Wingdings 3" pitchFamily="18" charset="2"/>
+              <a:buChar char=""/>
+              <a:defRPr sz="2800" kern="1200">
+                <a:solidFill>
+                  <a:schemeClr val="tx1"/>
+                </a:solidFill>
+                <a:latin typeface="+mn-lt"/>
+                <a:ea typeface="+mn-ea"/>
+                <a:cs typeface="+mn-cs"/>
+              </a:defRPr>
+            </a:lvl5pPr>
+            <a:lvl6pPr marL="914400" indent="-137160" algn="l" defTabSz="914400" rtl="0" eaLnBrk="1" latinLnBrk="0" hangingPunct="1">
+              <a:lnSpc>
+                <a:spcPct val="90000"/>
+              </a:lnSpc>
+              <a:spcBef>
+                <a:spcPts val="200"/>
+              </a:spcBef>
+              <a:spcAft>
+                <a:spcPts val="400"/>
+              </a:spcAft>
+              <a:buClr>
+                <a:schemeClr val="accent1"/>
+              </a:buClr>
+              <a:buFont typeface="Wingdings 3" pitchFamily="18" charset="2"/>
+              <a:buChar char=""/>
+              <a:defRPr sz="1400" kern="1200">
+                <a:solidFill>
+                  <a:schemeClr val="tx1"/>
+                </a:solidFill>
+                <a:latin typeface="+mn-lt"/>
+                <a:ea typeface="+mn-ea"/>
+                <a:cs typeface="+mn-cs"/>
+              </a:defRPr>
+            </a:lvl6pPr>
+            <a:lvl7pPr marL="1060704" indent="-137160" algn="l" defTabSz="914400" rtl="0" eaLnBrk="1" latinLnBrk="0" hangingPunct="1">
+              <a:lnSpc>
+                <a:spcPct val="90000"/>
+              </a:lnSpc>
+              <a:spcBef>
+                <a:spcPts val="200"/>
+              </a:spcBef>
+              <a:spcAft>
+                <a:spcPts val="400"/>
+              </a:spcAft>
+              <a:buClr>
+                <a:schemeClr val="accent1"/>
+              </a:buClr>
+              <a:buFont typeface="Wingdings 3" pitchFamily="18" charset="2"/>
+              <a:buChar char=""/>
+              <a:defRPr sz="1400" kern="1200">
+                <a:solidFill>
+                  <a:schemeClr val="tx1"/>
+                </a:solidFill>
+                <a:latin typeface="+mn-lt"/>
+                <a:ea typeface="+mn-ea"/>
+                <a:cs typeface="+mn-cs"/>
+              </a:defRPr>
+            </a:lvl7pPr>
+            <a:lvl8pPr marL="1216152" indent="-137160" algn="l" defTabSz="914400" rtl="0" eaLnBrk="1" latinLnBrk="0" hangingPunct="1">
+              <a:lnSpc>
+                <a:spcPct val="90000"/>
+              </a:lnSpc>
+              <a:spcBef>
+                <a:spcPts val="200"/>
+              </a:spcBef>
+              <a:spcAft>
+                <a:spcPts val="400"/>
+              </a:spcAft>
+              <a:buClr>
+                <a:schemeClr val="accent1"/>
+              </a:buClr>
+              <a:buFont typeface="Wingdings 3" pitchFamily="18" charset="2"/>
+              <a:buChar char=""/>
+              <a:defRPr sz="1400" kern="1200">
+                <a:solidFill>
+                  <a:schemeClr val="tx1"/>
+                </a:solidFill>
+                <a:latin typeface="+mn-lt"/>
+                <a:ea typeface="+mn-ea"/>
+                <a:cs typeface="+mn-cs"/>
+              </a:defRPr>
+            </a:lvl8pPr>
+            <a:lvl9pPr marL="1362456" indent="-137160" algn="l" defTabSz="914400" rtl="0" eaLnBrk="1" latinLnBrk="0" hangingPunct="1">
+              <a:lnSpc>
+                <a:spcPct val="90000"/>
+              </a:lnSpc>
+              <a:spcBef>
+                <a:spcPts val="200"/>
+              </a:spcBef>
+              <a:spcAft>
+                <a:spcPts val="400"/>
+              </a:spcAft>
+              <a:buClr>
+                <a:schemeClr val="accent1"/>
+              </a:buClr>
+              <a:buFont typeface="Wingdings 3" pitchFamily="18" charset="2"/>
+              <a:buChar char=""/>
+              <a:defRPr sz="1400" kern="1200">
+                <a:solidFill>
+                  <a:schemeClr val="tx1"/>
+                </a:solidFill>
+                <a:latin typeface="+mn-lt"/>
+                <a:ea typeface="+mn-ea"/>
+                <a:cs typeface="+mn-cs"/>
+              </a:defRPr>
+            </a:lvl9pPr>
+          </a:lstStyle>
+          <a:p>
+            <a:pPr marL="0" indent="0">
+              <a:buFont typeface="Wingdings" panose="05000000000000000000" pitchFamily="2" charset="2"/>
+              <a:buNone/>
+            </a:pPr>
+            <a:r>
+              <a:rPr lang="en-US" dirty="0" smtClean="0"/>
+              <a:t>“Additional exploratory analysis suggested…”</a:t>
+            </a:r>
+            <a:endParaRPr lang="en-US" dirty="0" smtClean="0"/>
+          </a:p>
+        </p:txBody>
+      </p:sp>
+    </p:spTree>
+    <p:extLst>
+      <p:ext uri="{BB962C8B-B14F-4D97-AF65-F5344CB8AC3E}">
+        <p14:creationId xmlns:p14="http://schemas.microsoft.com/office/powerpoint/2010/main" val="2222172268"/>
+      </p:ext>
+    </p:extLst>
+  </p:cSld>
+  <p:clrMapOvr>
+    <a:masterClrMapping/>
+  </p:clrMapOvr>
+  <p:timing>
+    <p:tnLst>
+      <p:par>
+        <p:cTn id="1" dur="indefinite" restart="never" nodeType="tmRoot"/>
+      </p:par>
+    </p:tnLst>
+  </p:timing>
+</p:sld>
+</file>
+
+<file path=ppt/slides/slide2.xml><?xml version="1.0" encoding="utf-8"?>
+<p:sld xmlns:a="http://schemas.openxmlformats.org/drawingml/2006/main" xmlns:r="http://schemas.openxmlformats.org/officeDocument/2006/relationships" xmlns:p="http://schemas.openxmlformats.org/presentationml/2006/main">
+  <p:cSld>
+    <p:spTree>
+      <p:nvGrpSpPr>
+        <p:cNvPr id="1" name=""/>
+        <p:cNvGrpSpPr/>
+        <p:nvPr/>
+      </p:nvGrpSpPr>
+      <p:grpSpPr>
+        <a:xfrm>
+          <a:off x="0" y="0"/>
+          <a:ext cx="0" cy="0"/>
+          <a:chOff x="0" y="0"/>
+          <a:chExt cx="0" cy="0"/>
+        </a:xfrm>
+      </p:grpSpPr>
+      <p:sp>
+        <p:nvSpPr>
+          <p:cNvPr id="2" name="Title 1"/>
+          <p:cNvSpPr>
+            <a:spLocks noGrp="1"/>
+          </p:cNvSpPr>
+          <p:nvPr>
+            <p:ph type="title"/>
+          </p:nvPr>
+        </p:nvSpPr>
+        <p:spPr/>
+        <p:txBody>
+          <a:bodyPr/>
+          <a:lstStyle/>
+          <a:p>
+            <a:r>
+              <a:rPr lang="en-US" dirty="0" smtClean="0"/>
+              <a:t>Guiding questions</a:t>
+            </a:r>
+            <a:endParaRPr lang="en-US" dirty="0"/>
+          </a:p>
+        </p:txBody>
+      </p:sp>
+      <p:sp>
+        <p:nvSpPr>
+          <p:cNvPr id="3" name="Content Placeholder 2"/>
+          <p:cNvSpPr>
+            <a:spLocks noGrp="1"/>
+          </p:cNvSpPr>
+          <p:nvPr>
+            <p:ph idx="1"/>
+          </p:nvPr>
+        </p:nvSpPr>
+        <p:spPr/>
+        <p:txBody>
+          <a:bodyPr/>
+          <a:lstStyle/>
+          <a:p>
+            <a:r>
+              <a:rPr lang="en-US" dirty="0" smtClean="0"/>
+              <a:t>How do we avoid getting fooled by </a:t>
+            </a:r>
+            <a:r>
+              <a:rPr lang="en-US" b="1" dirty="0" smtClean="0"/>
+              <a:t>random phenomena?</a:t>
+            </a:r>
+          </a:p>
+          <a:p>
+            <a:r>
+              <a:rPr lang="en-US" dirty="0" smtClean="0"/>
+              <a:t>How do we avoid getting fooled by </a:t>
+            </a:r>
+            <a:r>
+              <a:rPr lang="en-US" b="1" dirty="0" smtClean="0"/>
+              <a:t>ourselves?</a:t>
+            </a:r>
+            <a:endParaRPr lang="en-US" dirty="0"/>
+          </a:p>
+        </p:txBody>
+      </p:sp>
+      <p:sp>
+        <p:nvSpPr>
+          <p:cNvPr id="4" name="Footer Placeholder 3"/>
+          <p:cNvSpPr>
+            <a:spLocks noGrp="1"/>
+          </p:cNvSpPr>
+          <p:nvPr>
+            <p:ph type="ftr" sz="quarter" idx="11"/>
+          </p:nvPr>
+        </p:nvSpPr>
+        <p:spPr/>
+        <p:txBody>
+          <a:bodyPr/>
+          <a:lstStyle/>
+          <a:p>
+            <a:r>
+              <a:rPr lang="en-US" smtClean="0"/>
+              <a:t>(CC) ETHAN BROwN|brow3821@umn.edu|github.com/statisfactions/beyond_P</a:t>
+            </a:r>
+            <a:endParaRPr lang="en-US"/>
+          </a:p>
+        </p:txBody>
+      </p:sp>
+    </p:spTree>
+    <p:extLst>
+      <p:ext uri="{BB962C8B-B14F-4D97-AF65-F5344CB8AC3E}">
+        <p14:creationId xmlns:p14="http://schemas.microsoft.com/office/powerpoint/2010/main" val="2850275456"/>
+      </p:ext>
+    </p:extLst>
+  </p:cSld>
+  <p:clrMapOvr>
+    <a:masterClrMapping/>
+  </p:clrMapOvr>
+  <p:timing>
+    <p:tnLst>
+      <p:par>
+        <p:cTn id="1" dur="indefinite" restart="never" nodeType="tmRoot"/>
+      </p:par>
+    </p:tnLst>
+  </p:timing>
+</p:sld>
+</file>
+
+<file path=ppt/slides/slide20.xml><?xml version="1.0" encoding="utf-8"?>
+<p:sld xmlns:a="http://schemas.openxmlformats.org/drawingml/2006/main" xmlns:r="http://schemas.openxmlformats.org/officeDocument/2006/relationships" xmlns:p="http://schemas.openxmlformats.org/presentationml/2006/main">
+  <p:cSld>
+    <p:spTree>
+      <p:nvGrpSpPr>
+        <p:cNvPr id="1" name=""/>
+        <p:cNvGrpSpPr/>
+        <p:nvPr/>
+      </p:nvGrpSpPr>
+      <p:grpSpPr>
+        <a:xfrm>
+          <a:off x="0" y="0"/>
+          <a:ext cx="0" cy="0"/>
+          <a:chOff x="0" y="0"/>
+          <a:chExt cx="0" cy="0"/>
+        </a:xfrm>
+      </p:grpSpPr>
+      <p:sp>
+        <p:nvSpPr>
+          <p:cNvPr id="2" name="Title 1"/>
+          <p:cNvSpPr>
+            <a:spLocks noGrp="1"/>
+          </p:cNvSpPr>
+          <p:nvPr>
+            <p:ph type="title"/>
+          </p:nvPr>
+        </p:nvSpPr>
+        <p:spPr/>
+        <p:txBody>
+          <a:bodyPr>
+            <a:normAutofit fontScale="90000"/>
+          </a:bodyPr>
+          <a:lstStyle/>
+          <a:p>
+            <a:r>
+              <a:rPr lang="en-US" dirty="0" smtClean="0"/>
+              <a:t>Visual inference in Exploratory Studies</a:t>
+            </a:r>
+            <a:endParaRPr lang="en-US" dirty="0"/>
+          </a:p>
+        </p:txBody>
+      </p:sp>
+      <p:sp>
+        <p:nvSpPr>
+          <p:cNvPr id="3" name="Content Placeholder 2"/>
+          <p:cNvSpPr>
+            <a:spLocks noGrp="1"/>
+          </p:cNvSpPr>
+          <p:nvPr>
+            <p:ph idx="1"/>
+          </p:nvPr>
+        </p:nvSpPr>
+        <p:spPr>
+          <a:xfrm>
+            <a:off x="1604093" y="2274072"/>
+            <a:ext cx="9292507" cy="2983728"/>
+          </a:xfrm>
+        </p:spPr>
+        <p:txBody>
+          <a:bodyPr>
+            <a:normAutofit lnSpcReduction="10000"/>
+          </a:bodyPr>
+          <a:lstStyle/>
+          <a:p>
+            <a:r>
+              <a:rPr lang="en-US" dirty="0" smtClean="0"/>
+              <a:t>Create a “line-up” – mix your real data in with random data that assumes no relationship</a:t>
+            </a:r>
+          </a:p>
+          <a:p>
+            <a:r>
+              <a:rPr lang="en-US" dirty="0" smtClean="0"/>
+              <a:t>Can you detect the real data among of the random data?</a:t>
+            </a:r>
+            <a:endParaRPr lang="en-US" dirty="0"/>
+          </a:p>
+          <a:p>
+            <a:endParaRPr lang="en-US" dirty="0"/>
+          </a:p>
+        </p:txBody>
+      </p:sp>
+      <p:sp>
+        <p:nvSpPr>
+          <p:cNvPr id="4" name="Footer Placeholder 3"/>
+          <p:cNvSpPr>
+            <a:spLocks noGrp="1"/>
+          </p:cNvSpPr>
+          <p:nvPr>
+            <p:ph type="ftr" sz="quarter" idx="11"/>
+          </p:nvPr>
+        </p:nvSpPr>
+        <p:spPr>
+          <a:xfrm>
+            <a:off x="350445" y="6474414"/>
+            <a:ext cx="8564955" cy="154985"/>
+          </a:xfrm>
+        </p:spPr>
+        <p:txBody>
+          <a:bodyPr/>
+          <a:lstStyle/>
+          <a:p>
+            <a:r>
+              <a:rPr lang="en-US" smtClean="0"/>
+              <a:t>(CC) ETHAN BROwN|brow3821@umn.edu|github.com/statisfactions/beyond_P</a:t>
+            </a:r>
+            <a:endParaRPr lang="en-US" dirty="0"/>
+          </a:p>
+        </p:txBody>
+      </p:sp>
+      <p:sp>
+        <p:nvSpPr>
+          <p:cNvPr id="5" name="TextBox 4"/>
+          <p:cNvSpPr txBox="1"/>
+          <p:nvPr/>
+        </p:nvSpPr>
+        <p:spPr>
+          <a:xfrm>
+            <a:off x="350445" y="5447040"/>
+            <a:ext cx="11623882" cy="646331"/>
+          </a:xfrm>
+          <a:prstGeom prst="rect">
+            <a:avLst/>
+          </a:prstGeom>
+          <a:noFill/>
+        </p:spPr>
+        <p:txBody>
+          <a:bodyPr wrap="square" rtlCol="0">
+            <a:spAutoFit/>
+          </a:bodyPr>
+          <a:lstStyle/>
+          <a:p>
+            <a:r>
+              <a:rPr lang="en-US" dirty="0" err="1"/>
+              <a:t>Buja</a:t>
+            </a:r>
+            <a:r>
+              <a:rPr lang="en-US" dirty="0"/>
+              <a:t>, A., Cook, D., Hofmann, H., Lawrence, M., Lee, E.-K., Swayne, D. F, Wickham, H. (2009) Statistical Inference for Exploratory Data Analysis and Model Diagnostics, Royal Society Philosophical Transactions A, 367:4361–4383.</a:t>
+            </a:r>
+            <a:endParaRPr lang="en-US" dirty="0"/>
+          </a:p>
+        </p:txBody>
+      </p:sp>
+    </p:spTree>
+    <p:extLst>
+      <p:ext uri="{BB962C8B-B14F-4D97-AF65-F5344CB8AC3E}">
+        <p14:creationId xmlns:p14="http://schemas.microsoft.com/office/powerpoint/2010/main" val="2638690696"/>
+      </p:ext>
+    </p:extLst>
+  </p:cSld>
+  <p:clrMapOvr>
+    <a:masterClrMapping/>
+  </p:clrMapOvr>
+</p:sld>
+</file>
+
+<file path=ppt/slides/slide21.xml><?xml version="1.0" encoding="utf-8"?>
+<p:sld xmlns:a="http://schemas.openxmlformats.org/drawingml/2006/main" xmlns:r="http://schemas.openxmlformats.org/officeDocument/2006/relationships" xmlns:p="http://schemas.openxmlformats.org/presentationml/2006/main">
+  <p:cSld>
+    <p:spTree>
+      <p:nvGrpSpPr>
+        <p:cNvPr id="1" name=""/>
+        <p:cNvGrpSpPr/>
+        <p:nvPr/>
+      </p:nvGrpSpPr>
+      <p:grpSpPr>
+        <a:xfrm>
+          <a:off x="0" y="0"/>
+          <a:ext cx="0" cy="0"/>
+          <a:chOff x="0" y="0"/>
+          <a:chExt cx="0" cy="0"/>
+        </a:xfrm>
+      </p:grpSpPr>
+      <p:sp>
+        <p:nvSpPr>
+          <p:cNvPr id="2" name="Title 1"/>
+          <p:cNvSpPr>
+            <a:spLocks noGrp="1"/>
+          </p:cNvSpPr>
+          <p:nvPr>
+            <p:ph type="title"/>
+          </p:nvPr>
+        </p:nvSpPr>
+        <p:spPr/>
+        <p:txBody>
+          <a:bodyPr/>
+          <a:lstStyle/>
+          <a:p>
+            <a:r>
+              <a:rPr lang="en-US" dirty="0" smtClean="0"/>
+              <a:t>Blinded analysis</a:t>
+            </a:r>
+            <a:endParaRPr lang="en-US" dirty="0"/>
+          </a:p>
+        </p:txBody>
+      </p:sp>
+      <p:sp>
+        <p:nvSpPr>
+          <p:cNvPr id="3" name="Content Placeholder 2"/>
+          <p:cNvSpPr>
+            <a:spLocks noGrp="1"/>
+          </p:cNvSpPr>
+          <p:nvPr>
+            <p:ph idx="1"/>
+          </p:nvPr>
+        </p:nvSpPr>
+        <p:spPr/>
+        <p:txBody>
+          <a:bodyPr/>
+          <a:lstStyle/>
+          <a:p>
+            <a:r>
+              <a:rPr lang="en-US" dirty="0" smtClean="0"/>
+              <a:t>A step further—have someone hide certain information in your data</a:t>
+            </a:r>
+          </a:p>
+          <a:p>
+            <a:r>
+              <a:rPr lang="en-US" dirty="0" smtClean="0"/>
+              <a:t>Code the entire analysis—excluding outliers, etc.</a:t>
+            </a:r>
+          </a:p>
+          <a:p>
+            <a:r>
+              <a:rPr lang="en-US" dirty="0" smtClean="0"/>
+              <a:t>Reveal the true results! </a:t>
+            </a:r>
+          </a:p>
+        </p:txBody>
+      </p:sp>
+      <p:sp>
+        <p:nvSpPr>
+          <p:cNvPr id="4" name="Footer Placeholder 3"/>
+          <p:cNvSpPr>
+            <a:spLocks noGrp="1"/>
+          </p:cNvSpPr>
+          <p:nvPr>
+            <p:ph type="ftr" sz="quarter" idx="11"/>
+          </p:nvPr>
+        </p:nvSpPr>
+        <p:spPr/>
+        <p:txBody>
+          <a:bodyPr/>
+          <a:lstStyle/>
+          <a:p>
+            <a:r>
+              <a:rPr lang="en-US" smtClean="0"/>
+              <a:t>(CC) ETHAN BROwN|brow3821@umn.edu|github.com/statisfactions/beyond_P</a:t>
+            </a:r>
+            <a:endParaRPr lang="en-US" dirty="0"/>
+          </a:p>
+        </p:txBody>
+      </p:sp>
+      <p:sp>
+        <p:nvSpPr>
+          <p:cNvPr id="5" name="Rectangle 4"/>
+          <p:cNvSpPr/>
+          <p:nvPr/>
+        </p:nvSpPr>
+        <p:spPr>
+          <a:xfrm>
+            <a:off x="350444" y="5657671"/>
+            <a:ext cx="11517705" cy="646331"/>
+          </a:xfrm>
+          <a:prstGeom prst="rect">
+            <a:avLst/>
+          </a:prstGeom>
+        </p:spPr>
+        <p:txBody>
+          <a:bodyPr wrap="square">
+            <a:spAutoFit/>
+          </a:bodyPr>
+          <a:lstStyle/>
+          <a:p>
+            <a:r>
+              <a:rPr lang="en-US" dirty="0" err="1">
+                <a:solidFill>
+                  <a:srgbClr val="222222"/>
+                </a:solidFill>
+                <a:latin typeface="Arial" panose="020B0604020202020204" pitchFamily="34" charset="0"/>
+              </a:rPr>
+              <a:t>MacCoun</a:t>
+            </a:r>
+            <a:r>
+              <a:rPr lang="en-US" dirty="0">
+                <a:solidFill>
+                  <a:srgbClr val="222222"/>
+                </a:solidFill>
+                <a:latin typeface="Arial" panose="020B0604020202020204" pitchFamily="34" charset="0"/>
+              </a:rPr>
+              <a:t>, R. J., &amp; </a:t>
+            </a:r>
+            <a:r>
+              <a:rPr lang="en-US" dirty="0" err="1">
+                <a:solidFill>
+                  <a:srgbClr val="222222"/>
+                </a:solidFill>
+                <a:latin typeface="Arial" panose="020B0604020202020204" pitchFamily="34" charset="0"/>
+              </a:rPr>
+              <a:t>Perlmutter</a:t>
+            </a:r>
+            <a:r>
+              <a:rPr lang="en-US" dirty="0">
+                <a:solidFill>
+                  <a:srgbClr val="222222"/>
+                </a:solidFill>
+                <a:latin typeface="Arial" panose="020B0604020202020204" pitchFamily="34" charset="0"/>
+              </a:rPr>
+              <a:t>, S. (2017). Blind analysis as a correction for confirmatory bias in physics and in psychology. </a:t>
+            </a:r>
+            <a:r>
+              <a:rPr lang="en-US" i="1" dirty="0">
+                <a:solidFill>
+                  <a:srgbClr val="222222"/>
+                </a:solidFill>
+                <a:latin typeface="Arial" panose="020B0604020202020204" pitchFamily="34" charset="0"/>
+              </a:rPr>
+              <a:t>Psychological science under scrutiny: Recent challenges and proposed solutions</a:t>
+            </a:r>
+            <a:r>
+              <a:rPr lang="en-US" dirty="0">
+                <a:solidFill>
+                  <a:srgbClr val="222222"/>
+                </a:solidFill>
+                <a:latin typeface="Arial" panose="020B0604020202020204" pitchFamily="34" charset="0"/>
+              </a:rPr>
+              <a:t>, 589-612.</a:t>
+            </a:r>
+            <a:endParaRPr lang="en-US" dirty="0"/>
+          </a:p>
+        </p:txBody>
+      </p:sp>
+    </p:spTree>
+    <p:extLst>
+      <p:ext uri="{BB962C8B-B14F-4D97-AF65-F5344CB8AC3E}">
+        <p14:creationId xmlns:p14="http://schemas.microsoft.com/office/powerpoint/2010/main" val="468274716"/>
+      </p:ext>
+    </p:extLst>
+  </p:cSld>
+  <p:clrMapOvr>
+    <a:masterClrMapping/>
+  </p:clrMapOvr>
+</p:sld>
+</file>
+
+<file path=ppt/slides/slide22.xml><?xml version="1.0" encoding="utf-8"?>
+<p:sld xmlns:a="http://schemas.openxmlformats.org/drawingml/2006/main" xmlns:r="http://schemas.openxmlformats.org/officeDocument/2006/relationships" xmlns:p="http://schemas.openxmlformats.org/presentationml/2006/main">
+  <p:cSld>
+    <p:spTree>
+      <p:nvGrpSpPr>
+        <p:cNvPr id="1" name=""/>
+        <p:cNvGrpSpPr/>
+        <p:nvPr/>
+      </p:nvGrpSpPr>
+      <p:grpSpPr>
+        <a:xfrm>
+          <a:off x="0" y="0"/>
+          <a:ext cx="0" cy="0"/>
+          <a:chOff x="0" y="0"/>
+          <a:chExt cx="0" cy="0"/>
+        </a:xfrm>
+      </p:grpSpPr>
+      <p:sp>
+        <p:nvSpPr>
+          <p:cNvPr id="2" name="Title 1"/>
+          <p:cNvSpPr>
+            <a:spLocks noGrp="1"/>
+          </p:cNvSpPr>
+          <p:nvPr>
+            <p:ph type="title"/>
+          </p:nvPr>
+        </p:nvSpPr>
+        <p:spPr/>
+        <p:txBody>
+          <a:bodyPr/>
+          <a:lstStyle/>
+          <a:p>
+            <a:r>
+              <a:rPr lang="en-US" dirty="0" smtClean="0"/>
+              <a:t>Another ESP Task</a:t>
+            </a:r>
+            <a:endParaRPr lang="en-US" dirty="0"/>
+          </a:p>
+        </p:txBody>
+      </p:sp>
+      <p:sp>
+        <p:nvSpPr>
+          <p:cNvPr id="4" name="Footer Placeholder 3"/>
+          <p:cNvSpPr>
+            <a:spLocks noGrp="1"/>
+          </p:cNvSpPr>
+          <p:nvPr>
+            <p:ph type="ftr" sz="quarter" idx="11"/>
+          </p:nvPr>
+        </p:nvSpPr>
+        <p:spPr/>
+        <p:txBody>
+          <a:bodyPr/>
+          <a:lstStyle/>
+          <a:p>
+            <a:r>
+              <a:rPr lang="en-US" smtClean="0"/>
+              <a:t>(CC) ETHAN BROwN|brow3821@umn.edu|github.com/statisfactions/beyond_P</a:t>
+            </a:r>
+            <a:endParaRPr lang="en-US" dirty="0"/>
+          </a:p>
+        </p:txBody>
+      </p:sp>
+      <p:pic>
+        <p:nvPicPr>
+          <p:cNvPr id="6" name="Picture 5"/>
+          <p:cNvPicPr>
+            <a:picLocks noChangeAspect="1"/>
+          </p:cNvPicPr>
+          <p:nvPr/>
+        </p:nvPicPr>
+        <p:blipFill>
+          <a:blip r:embed="rId2" cstate="print">
+            <a:extLst>
+              <a:ext uri="{28A0092B-C50C-407E-A947-70E740481C1C}">
+                <a14:useLocalDpi xmlns:a14="http://schemas.microsoft.com/office/drawing/2010/main" val="0"/>
+              </a:ext>
+            </a:extLst>
+          </a:blip>
+          <a:stretch>
+            <a:fillRect/>
+          </a:stretch>
+        </p:blipFill>
+        <p:spPr>
+          <a:xfrm>
+            <a:off x="2266950" y="1734650"/>
+            <a:ext cx="2438400" cy="4460073"/>
+          </a:xfrm>
+          <a:prstGeom prst="rect">
+            <a:avLst/>
+          </a:prstGeom>
+        </p:spPr>
+      </p:pic>
+      <p:pic>
+        <p:nvPicPr>
+          <p:cNvPr id="7" name="Picture 6"/>
+          <p:cNvPicPr>
+            <a:picLocks noChangeAspect="1"/>
+          </p:cNvPicPr>
+          <p:nvPr/>
+        </p:nvPicPr>
+        <p:blipFill>
+          <a:blip r:embed="rId2" cstate="print">
+            <a:extLst>
+              <a:ext uri="{28A0092B-C50C-407E-A947-70E740481C1C}">
+                <a14:useLocalDpi xmlns:a14="http://schemas.microsoft.com/office/drawing/2010/main" val="0"/>
+              </a:ext>
+            </a:extLst>
+          </a:blip>
+          <a:stretch>
+            <a:fillRect/>
+          </a:stretch>
+        </p:blipFill>
+        <p:spPr>
+          <a:xfrm flipH="1">
+            <a:off x="6505575" y="1734649"/>
+            <a:ext cx="2438400" cy="4460073"/>
+          </a:xfrm>
+          <a:prstGeom prst="rect">
+            <a:avLst/>
+          </a:prstGeom>
+        </p:spPr>
+      </p:pic>
+      <p:sp>
+        <p:nvSpPr>
+          <p:cNvPr id="8" name="TextBox 7"/>
+          <p:cNvSpPr txBox="1"/>
+          <p:nvPr/>
+        </p:nvSpPr>
+        <p:spPr>
+          <a:xfrm rot="5400000">
+            <a:off x="7682361" y="3600647"/>
+            <a:ext cx="5378204" cy="369332"/>
+          </a:xfrm>
+          <a:prstGeom prst="rect">
+            <a:avLst/>
+          </a:prstGeom>
+          <a:noFill/>
+        </p:spPr>
+        <p:txBody>
+          <a:bodyPr wrap="none" rtlCol="0">
+            <a:spAutoFit/>
+          </a:bodyPr>
+          <a:lstStyle/>
+          <a:p>
+            <a:r>
+              <a:rPr lang="en-US" dirty="0"/>
+              <a:t>https://openclipart.org/detail/169699/man-at-a-fence</a:t>
+            </a:r>
+          </a:p>
+        </p:txBody>
+      </p:sp>
+    </p:spTree>
+    <p:extLst>
+      <p:ext uri="{BB962C8B-B14F-4D97-AF65-F5344CB8AC3E}">
+        <p14:creationId xmlns:p14="http://schemas.microsoft.com/office/powerpoint/2010/main" val="277950984"/>
+      </p:ext>
+    </p:extLst>
+  </p:cSld>
+  <p:clrMapOvr>
+    <a:masterClrMapping/>
+  </p:clrMapOvr>
+</p:sld>
+</file>
+
+<file path=ppt/slides/slide23.xml><?xml version="1.0" encoding="utf-8"?>
+<p:sld xmlns:a="http://schemas.openxmlformats.org/drawingml/2006/main" xmlns:r="http://schemas.openxmlformats.org/officeDocument/2006/relationships" xmlns:p="http://schemas.openxmlformats.org/presentationml/2006/main">
+  <p:cSld>
+    <p:spTree>
+      <p:nvGrpSpPr>
+        <p:cNvPr id="1" name=""/>
+        <p:cNvGrpSpPr/>
+        <p:nvPr/>
+      </p:nvGrpSpPr>
+      <p:grpSpPr>
+        <a:xfrm>
+          <a:off x="0" y="0"/>
+          <a:ext cx="0" cy="0"/>
+          <a:chOff x="0" y="0"/>
+          <a:chExt cx="0" cy="0"/>
+        </a:xfrm>
+      </p:grpSpPr>
+      <p:sp>
+        <p:nvSpPr>
+          <p:cNvPr id="2" name="Title 1"/>
+          <p:cNvSpPr>
+            <a:spLocks noGrp="1"/>
+          </p:cNvSpPr>
+          <p:nvPr>
+            <p:ph type="title"/>
+          </p:nvPr>
+        </p:nvSpPr>
+        <p:spPr/>
+        <p:txBody>
+          <a:bodyPr>
+            <a:normAutofit fontScale="90000"/>
+          </a:bodyPr>
+          <a:lstStyle/>
+          <a:p>
+            <a:r>
+              <a:rPr lang="en-US" dirty="0" smtClean="0"/>
+              <a:t>If the target, Flash Positive Image</a:t>
+            </a:r>
+            <a:endParaRPr lang="en-US" dirty="0"/>
+          </a:p>
+        </p:txBody>
+      </p:sp>
+      <p:pic>
+        <p:nvPicPr>
+          <p:cNvPr id="5" name="Content Placeholder 4"/>
+          <p:cNvPicPr>
+            <a:picLocks noGrp="1" noChangeAspect="1"/>
+          </p:cNvPicPr>
+          <p:nvPr>
+            <p:ph idx="1"/>
+          </p:nvPr>
+        </p:nvPicPr>
+        <p:blipFill>
+          <a:blip r:embed="rId2" cstate="print">
+            <a:extLst>
+              <a:ext uri="{28A0092B-C50C-407E-A947-70E740481C1C}">
+                <a14:useLocalDpi xmlns:a14="http://schemas.microsoft.com/office/drawing/2010/main" val="0"/>
+              </a:ext>
+            </a:extLst>
+          </a:blip>
+          <a:stretch>
+            <a:fillRect/>
+          </a:stretch>
+        </p:blipFill>
+        <p:spPr>
+          <a:xfrm>
+            <a:off x="895734" y="1991484"/>
+            <a:ext cx="4730950" cy="4024313"/>
+          </a:xfrm>
+        </p:spPr>
+      </p:pic>
+      <p:sp>
+        <p:nvSpPr>
+          <p:cNvPr id="4" name="Footer Placeholder 3"/>
+          <p:cNvSpPr>
+            <a:spLocks noGrp="1"/>
+          </p:cNvSpPr>
+          <p:nvPr>
+            <p:ph type="ftr" sz="quarter" idx="11"/>
+          </p:nvPr>
+        </p:nvSpPr>
+        <p:spPr/>
+        <p:txBody>
+          <a:bodyPr/>
+          <a:lstStyle/>
+          <a:p>
+            <a:r>
+              <a:rPr lang="en-US" smtClean="0"/>
+              <a:t>(CC) ETHAN BROwN|brow3821@umn.edu|github.com/statisfactions/beyond_P</a:t>
+            </a:r>
+            <a:endParaRPr lang="en-US" dirty="0"/>
+          </a:p>
+        </p:txBody>
+      </p:sp>
+      <p:sp>
+        <p:nvSpPr>
+          <p:cNvPr id="6" name="Rectangle 5"/>
+          <p:cNvSpPr/>
+          <p:nvPr/>
+        </p:nvSpPr>
+        <p:spPr>
+          <a:xfrm>
+            <a:off x="5626684" y="5922448"/>
+            <a:ext cx="5523884" cy="369332"/>
+          </a:xfrm>
+          <a:prstGeom prst="rect">
+            <a:avLst/>
+          </a:prstGeom>
+        </p:spPr>
+        <p:txBody>
+          <a:bodyPr wrap="none">
+            <a:spAutoFit/>
+          </a:bodyPr>
+          <a:lstStyle/>
+          <a:p>
+            <a:r>
+              <a:rPr lang="en-US" dirty="0"/>
+              <a:t>https://openclipart.org/detail/170412/three-sandwiches</a:t>
+            </a:r>
+          </a:p>
+        </p:txBody>
+      </p:sp>
+    </p:spTree>
+    <p:extLst>
+      <p:ext uri="{BB962C8B-B14F-4D97-AF65-F5344CB8AC3E}">
+        <p14:creationId xmlns:p14="http://schemas.microsoft.com/office/powerpoint/2010/main" val="199864362"/>
+      </p:ext>
+    </p:extLst>
+  </p:cSld>
+  <p:clrMapOvr>
+    <a:masterClrMapping/>
+  </p:clrMapOvr>
+</p:sld>
+</file>
+
+<file path=ppt/slides/slide24.xml><?xml version="1.0" encoding="utf-8"?>
+<p:sld xmlns:a="http://schemas.openxmlformats.org/drawingml/2006/main" xmlns:r="http://schemas.openxmlformats.org/officeDocument/2006/relationships" xmlns:p="http://schemas.openxmlformats.org/presentationml/2006/main">
+  <p:cSld>
+    <p:spTree>
+      <p:nvGrpSpPr>
+        <p:cNvPr id="1" name=""/>
+        <p:cNvGrpSpPr/>
+        <p:nvPr/>
+      </p:nvGrpSpPr>
+      <p:grpSpPr>
+        <a:xfrm>
+          <a:off x="0" y="0"/>
+          <a:ext cx="0" cy="0"/>
+          <a:chOff x="0" y="0"/>
+          <a:chExt cx="0" cy="0"/>
+        </a:xfrm>
+      </p:grpSpPr>
+      <p:sp>
+        <p:nvSpPr>
+          <p:cNvPr id="2" name="Title 1"/>
+          <p:cNvSpPr>
+            <a:spLocks noGrp="1"/>
+          </p:cNvSpPr>
+          <p:nvPr>
+            <p:ph type="title"/>
+          </p:nvPr>
+        </p:nvSpPr>
+        <p:spPr/>
+        <p:txBody>
+          <a:bodyPr/>
+          <a:lstStyle/>
+          <a:p>
+            <a:r>
+              <a:rPr lang="en-US" dirty="0" smtClean="0"/>
+              <a:t>If Not, Flash Negative Image</a:t>
+            </a:r>
+            <a:endParaRPr lang="en-US" dirty="0"/>
+          </a:p>
+        </p:txBody>
+      </p:sp>
+      <p:sp>
+        <p:nvSpPr>
+          <p:cNvPr id="4" name="Footer Placeholder 3"/>
+          <p:cNvSpPr>
+            <a:spLocks noGrp="1"/>
+          </p:cNvSpPr>
+          <p:nvPr>
+            <p:ph type="ftr" sz="quarter" idx="11"/>
+          </p:nvPr>
+        </p:nvSpPr>
+        <p:spPr/>
+        <p:txBody>
+          <a:bodyPr/>
+          <a:lstStyle/>
+          <a:p>
+            <a:r>
+              <a:rPr lang="en-US" smtClean="0"/>
+              <a:t>(CC) ETHAN BROwN|brow3821@umn.edu|github.com/statisfactions/beyond_P</a:t>
+            </a:r>
+            <a:endParaRPr lang="en-US" dirty="0"/>
+          </a:p>
+        </p:txBody>
+      </p:sp>
+      <p:pic>
+        <p:nvPicPr>
+          <p:cNvPr id="7" name="Content Placeholder 6"/>
+          <p:cNvPicPr>
+            <a:picLocks noGrp="1" noChangeAspect="1"/>
+          </p:cNvPicPr>
+          <p:nvPr>
+            <p:ph idx="1"/>
+          </p:nvPr>
+        </p:nvPicPr>
+        <p:blipFill>
+          <a:blip r:embed="rId2" cstate="print">
+            <a:extLst>
+              <a:ext uri="{28A0092B-C50C-407E-A947-70E740481C1C}">
+                <a14:useLocalDpi xmlns:a14="http://schemas.microsoft.com/office/drawing/2010/main" val="0"/>
+              </a:ext>
+            </a:extLst>
+          </a:blip>
+          <a:stretch>
+            <a:fillRect/>
+          </a:stretch>
+        </p:blipFill>
+        <p:spPr>
+          <a:xfrm>
+            <a:off x="6239047" y="1739900"/>
+            <a:ext cx="4299158" cy="4024313"/>
+          </a:xfrm>
+        </p:spPr>
+      </p:pic>
+      <p:sp>
+        <p:nvSpPr>
+          <p:cNvPr id="8" name="Rectangle 7"/>
+          <p:cNvSpPr/>
+          <p:nvPr/>
+        </p:nvSpPr>
+        <p:spPr>
+          <a:xfrm>
+            <a:off x="3734585" y="5934648"/>
+            <a:ext cx="5498428" cy="369332"/>
+          </a:xfrm>
+          <a:prstGeom prst="rect">
+            <a:avLst/>
+          </a:prstGeom>
+        </p:spPr>
+        <p:txBody>
+          <a:bodyPr wrap="none">
+            <a:spAutoFit/>
+          </a:bodyPr>
+          <a:lstStyle/>
+          <a:p>
+            <a:r>
+              <a:rPr lang="en-US" dirty="0"/>
+              <a:t>https://openclipart.org/detail/168915/real-sea-monster</a:t>
+            </a:r>
+          </a:p>
+        </p:txBody>
+      </p:sp>
+    </p:spTree>
+    <p:extLst>
+      <p:ext uri="{BB962C8B-B14F-4D97-AF65-F5344CB8AC3E}">
+        <p14:creationId xmlns:p14="http://schemas.microsoft.com/office/powerpoint/2010/main" val="1026110728"/>
+      </p:ext>
+    </p:extLst>
+  </p:cSld>
+  <p:clrMapOvr>
+    <a:masterClrMapping/>
+  </p:clrMapOvr>
+</p:sld>
+</file>
+
+<file path=ppt/slides/slide25.xml><?xml version="1.0" encoding="utf-8"?>
+<p:sld xmlns:a="http://schemas.openxmlformats.org/drawingml/2006/main" xmlns:r="http://schemas.openxmlformats.org/officeDocument/2006/relationships" xmlns:p="http://schemas.openxmlformats.org/presentationml/2006/main">
+  <p:cSld>
+    <p:spTree>
+      <p:nvGrpSpPr>
+        <p:cNvPr id="1" name=""/>
+        <p:cNvGrpSpPr/>
+        <p:nvPr/>
+      </p:nvGrpSpPr>
+      <p:grpSpPr>
+        <a:xfrm>
+          <a:off x="0" y="0"/>
+          <a:ext cx="0" cy="0"/>
+          <a:chOff x="0" y="0"/>
+          <a:chExt cx="0" cy="0"/>
+        </a:xfrm>
+      </p:grpSpPr>
+      <p:sp>
+        <p:nvSpPr>
+          <p:cNvPr id="2" name="Title 1"/>
+          <p:cNvSpPr>
+            <a:spLocks noGrp="1"/>
+          </p:cNvSpPr>
+          <p:nvPr>
+            <p:ph type="title"/>
+          </p:nvPr>
+        </p:nvSpPr>
+        <p:spPr/>
+        <p:txBody>
+          <a:bodyPr/>
+          <a:lstStyle/>
+          <a:p>
+            <a:r>
+              <a:rPr lang="en-US" dirty="0" smtClean="0"/>
+              <a:t>Bayesian Analysis</a:t>
+            </a:r>
+            <a:endParaRPr lang="en-US" dirty="0"/>
+          </a:p>
+        </p:txBody>
+      </p:sp>
+      <p:sp>
+        <p:nvSpPr>
+          <p:cNvPr id="3" name="Content Placeholder 2"/>
+          <p:cNvSpPr>
+            <a:spLocks noGrp="1"/>
+          </p:cNvSpPr>
+          <p:nvPr>
+            <p:ph idx="1"/>
+          </p:nvPr>
+        </p:nvSpPr>
+        <p:spPr>
+          <a:xfrm>
+            <a:off x="575393" y="2084832"/>
+            <a:ext cx="7813233" cy="4023360"/>
+          </a:xfrm>
+        </p:spPr>
+        <p:txBody>
+          <a:bodyPr>
+            <a:normAutofit lnSpcReduction="10000"/>
+          </a:bodyPr>
+          <a:lstStyle/>
+          <a:p>
+            <a:r>
+              <a:rPr lang="en-US" dirty="0" smtClean="0"/>
+              <a:t>Directly evaluate the probability of the null hypothesis, and alternative hypothesis</a:t>
+            </a:r>
+          </a:p>
+          <a:p>
+            <a:r>
+              <a:rPr lang="en-US" dirty="0" smtClean="0"/>
+              <a:t>Output is easier to interpret than p-values and confidence intervals</a:t>
+            </a:r>
+          </a:p>
+          <a:p>
+            <a:r>
+              <a:rPr lang="en-US" dirty="0" smtClean="0"/>
+              <a:t>Has other disadvantages (complex, depends on assumed priors)</a:t>
+            </a:r>
+          </a:p>
+        </p:txBody>
+      </p:sp>
+      <p:sp>
+        <p:nvSpPr>
+          <p:cNvPr id="4" name="Footer Placeholder 3"/>
+          <p:cNvSpPr>
+            <a:spLocks noGrp="1"/>
+          </p:cNvSpPr>
+          <p:nvPr>
+            <p:ph type="ftr" sz="quarter" idx="11"/>
+          </p:nvPr>
+        </p:nvSpPr>
+        <p:spPr/>
+        <p:txBody>
+          <a:bodyPr/>
+          <a:lstStyle/>
+          <a:p>
+            <a:r>
+              <a:rPr lang="en-US" smtClean="0"/>
+              <a:t>(CC) ETHAN BROwN|brow3821@umn.edu|github.com/statisfactions/beyond_P</a:t>
+            </a:r>
+            <a:endParaRPr lang="en-US" dirty="0"/>
+          </a:p>
+        </p:txBody>
+      </p:sp>
+      <p:pic>
+        <p:nvPicPr>
+          <p:cNvPr id="2050" name="Picture 2" descr="Thomas Bayes.gif"/>
+          <p:cNvPicPr>
+            <a:picLocks noChangeAspect="1" noChangeArrowheads="1"/>
+          </p:cNvPicPr>
+          <p:nvPr/>
+        </p:nvPicPr>
+        <p:blipFill>
+          <a:blip r:embed="rId2">
+            <a:extLst>
+              <a:ext uri="{28A0092B-C50C-407E-A947-70E740481C1C}">
+                <a14:useLocalDpi xmlns:a14="http://schemas.microsoft.com/office/drawing/2010/main" val="0"/>
+              </a:ext>
+            </a:extLst>
+          </a:blip>
+          <a:srcRect/>
+          <a:stretch>
+            <a:fillRect/>
+          </a:stretch>
+        </p:blipFill>
+        <p:spPr bwMode="auto">
+          <a:xfrm>
+            <a:off x="8689975" y="2136648"/>
+            <a:ext cx="2895600" cy="3105150"/>
+          </a:xfrm>
+          <a:prstGeom prst="rect">
+            <a:avLst/>
+          </a:prstGeom>
+          <a:noFill/>
+          <a:extLst>
+            <a:ext uri="{909E8E84-426E-40DD-AFC4-6F175D3DCCD1}">
+              <a14:hiddenFill xmlns:a14="http://schemas.microsoft.com/office/drawing/2010/main">
+                <a:solidFill>
+                  <a:srgbClr val="FFFFFF"/>
+                </a:solidFill>
+              </a14:hiddenFill>
+            </a:ext>
+          </a:extLst>
+        </p:spPr>
+      </p:pic>
+    </p:spTree>
+    <p:extLst>
+      <p:ext uri="{BB962C8B-B14F-4D97-AF65-F5344CB8AC3E}">
+        <p14:creationId xmlns:p14="http://schemas.microsoft.com/office/powerpoint/2010/main" val="1501879385"/>
+      </p:ext>
+    </p:extLst>
+  </p:cSld>
+  <p:clrMapOvr>
+    <a:masterClrMapping/>
+  </p:clrMapOvr>
+</p:sld>
+</file>
+
+<file path=ppt/slides/slide26.xml><?xml version="1.0" encoding="utf-8"?>
+<p:sld xmlns:a="http://schemas.openxmlformats.org/drawingml/2006/main" xmlns:r="http://schemas.openxmlformats.org/officeDocument/2006/relationships" xmlns:p="http://schemas.openxmlformats.org/presentationml/2006/main">
+  <p:cSld>
+    <p:spTree>
+      <p:nvGrpSpPr>
+        <p:cNvPr id="1" name=""/>
+        <p:cNvGrpSpPr/>
+        <p:nvPr/>
+      </p:nvGrpSpPr>
+      <p:grpSpPr>
+        <a:xfrm>
+          <a:off x="0" y="0"/>
+          <a:ext cx="0" cy="0"/>
+          <a:chOff x="0" y="0"/>
+          <a:chExt cx="0" cy="0"/>
+        </a:xfrm>
+      </p:grpSpPr>
+      <p:sp>
+        <p:nvSpPr>
+          <p:cNvPr id="2" name="Title 1"/>
+          <p:cNvSpPr>
+            <a:spLocks noGrp="1"/>
+          </p:cNvSpPr>
+          <p:nvPr>
+            <p:ph type="title"/>
+          </p:nvPr>
+        </p:nvSpPr>
+        <p:spPr/>
+        <p:txBody>
+          <a:bodyPr/>
+          <a:lstStyle/>
+          <a:p>
+            <a:r>
+              <a:rPr lang="en-US" dirty="0" smtClean="0"/>
+              <a:t>Pick your Uncertainty</a:t>
+            </a:r>
+            <a:endParaRPr lang="en-US" dirty="0"/>
+          </a:p>
+        </p:txBody>
+      </p:sp>
+      <p:sp>
+        <p:nvSpPr>
+          <p:cNvPr id="4" name="Footer Placeholder 3"/>
+          <p:cNvSpPr>
+            <a:spLocks noGrp="1"/>
+          </p:cNvSpPr>
+          <p:nvPr>
+            <p:ph type="ftr" sz="quarter" idx="11"/>
+          </p:nvPr>
+        </p:nvSpPr>
+        <p:spPr/>
+        <p:txBody>
+          <a:bodyPr/>
+          <a:lstStyle/>
+          <a:p>
+            <a:r>
+              <a:rPr lang="en-US" smtClean="0"/>
+              <a:t>(CC) ETHAN BROwN|brow3821@umn.edu|github.com/statisfactions/beyond_P</a:t>
+            </a:r>
+            <a:endParaRPr lang="en-US" dirty="0"/>
+          </a:p>
+        </p:txBody>
+      </p:sp>
+      <p:pic>
+        <p:nvPicPr>
+          <p:cNvPr id="20" name="Picture 19"/>
+          <p:cNvPicPr>
+            <a:picLocks noChangeAspect="1"/>
+          </p:cNvPicPr>
+          <p:nvPr/>
+        </p:nvPicPr>
+        <p:blipFill>
+          <a:blip r:embed="rId2" cstate="print">
+            <a:extLst>
+              <a:ext uri="{28A0092B-C50C-407E-A947-70E740481C1C}">
+                <a14:useLocalDpi xmlns:a14="http://schemas.microsoft.com/office/drawing/2010/main" val="0"/>
+              </a:ext>
+            </a:extLst>
+          </a:blip>
+          <a:stretch>
+            <a:fillRect/>
+          </a:stretch>
+        </p:blipFill>
+        <p:spPr>
+          <a:xfrm>
+            <a:off x="1619250" y="2754607"/>
+            <a:ext cx="1447800" cy="3050032"/>
+          </a:xfrm>
+          <a:prstGeom prst="rect">
+            <a:avLst/>
+          </a:prstGeom>
+        </p:spPr>
+      </p:pic>
+      <p:pic>
+        <p:nvPicPr>
+          <p:cNvPr id="21" name="Picture 20"/>
+          <p:cNvPicPr>
+            <a:picLocks noChangeAspect="1"/>
+          </p:cNvPicPr>
+          <p:nvPr/>
+        </p:nvPicPr>
+        <p:blipFill>
+          <a:blip r:embed="rId2" cstate="print">
+            <a:extLst>
+              <a:ext uri="{28A0092B-C50C-407E-A947-70E740481C1C}">
+                <a14:useLocalDpi xmlns:a14="http://schemas.microsoft.com/office/drawing/2010/main" val="0"/>
+              </a:ext>
+            </a:extLst>
+          </a:blip>
+          <a:stretch>
+            <a:fillRect/>
+          </a:stretch>
+        </p:blipFill>
+        <p:spPr>
+          <a:xfrm>
+            <a:off x="4591050" y="1821157"/>
+            <a:ext cx="1447800" cy="3050032"/>
+          </a:xfrm>
+          <a:prstGeom prst="rect">
+            <a:avLst/>
+          </a:prstGeom>
+        </p:spPr>
+      </p:pic>
+      <p:pic>
+        <p:nvPicPr>
+          <p:cNvPr id="22" name="Picture 21"/>
+          <p:cNvPicPr>
+            <a:picLocks noChangeAspect="1"/>
+          </p:cNvPicPr>
+          <p:nvPr/>
+        </p:nvPicPr>
+        <p:blipFill>
+          <a:blip r:embed="rId2" cstate="print">
+            <a:extLst>
+              <a:ext uri="{28A0092B-C50C-407E-A947-70E740481C1C}">
+                <a14:useLocalDpi xmlns:a14="http://schemas.microsoft.com/office/drawing/2010/main" val="0"/>
+              </a:ext>
+            </a:extLst>
+          </a:blip>
+          <a:stretch>
+            <a:fillRect/>
+          </a:stretch>
+        </p:blipFill>
+        <p:spPr>
+          <a:xfrm>
+            <a:off x="7086600" y="2754607"/>
+            <a:ext cx="1447800" cy="3050032"/>
+          </a:xfrm>
+          <a:prstGeom prst="rect">
+            <a:avLst/>
+          </a:prstGeom>
+        </p:spPr>
+      </p:pic>
+      <p:pic>
+        <p:nvPicPr>
+          <p:cNvPr id="23" name="Picture 22"/>
+          <p:cNvPicPr>
+            <a:picLocks noChangeAspect="1"/>
+          </p:cNvPicPr>
+          <p:nvPr/>
+        </p:nvPicPr>
+        <p:blipFill>
+          <a:blip r:embed="rId2" cstate="print">
+            <a:extLst>
+              <a:ext uri="{28A0092B-C50C-407E-A947-70E740481C1C}">
+                <a14:useLocalDpi xmlns:a14="http://schemas.microsoft.com/office/drawing/2010/main" val="0"/>
+              </a:ext>
+            </a:extLst>
+          </a:blip>
+          <a:stretch>
+            <a:fillRect/>
+          </a:stretch>
+        </p:blipFill>
+        <p:spPr>
+          <a:xfrm>
+            <a:off x="9296400" y="1405613"/>
+            <a:ext cx="1447800" cy="3050032"/>
+          </a:xfrm>
+          <a:prstGeom prst="rect">
+            <a:avLst/>
+          </a:prstGeom>
+        </p:spPr>
+      </p:pic>
+      <p:sp>
+        <p:nvSpPr>
+          <p:cNvPr id="25" name="TextBox 24"/>
+          <p:cNvSpPr txBox="1"/>
+          <p:nvPr/>
+        </p:nvSpPr>
+        <p:spPr>
+          <a:xfrm>
+            <a:off x="2221231" y="3809314"/>
+            <a:ext cx="445769" cy="646331"/>
+          </a:xfrm>
+          <a:prstGeom prst="rect">
+            <a:avLst/>
+          </a:prstGeom>
+          <a:noFill/>
+        </p:spPr>
+        <p:txBody>
+          <a:bodyPr wrap="square" rtlCol="0">
+            <a:spAutoFit/>
+          </a:bodyPr>
+          <a:lstStyle/>
+          <a:p>
+            <a:r>
+              <a:rPr lang="en-US" sz="3600" dirty="0" smtClean="0"/>
+              <a:t>P</a:t>
+            </a:r>
+            <a:endParaRPr lang="en-US" sz="3600" dirty="0"/>
+          </a:p>
+        </p:txBody>
+      </p:sp>
+      <p:sp>
+        <p:nvSpPr>
+          <p:cNvPr id="26" name="TextBox 25"/>
+          <p:cNvSpPr txBox="1"/>
+          <p:nvPr/>
+        </p:nvSpPr>
+        <p:spPr>
+          <a:xfrm>
+            <a:off x="4743071" y="3371296"/>
+            <a:ext cx="1429509" cy="646331"/>
+          </a:xfrm>
+          <a:prstGeom prst="rect">
+            <a:avLst/>
+          </a:prstGeom>
+          <a:noFill/>
+        </p:spPr>
+        <p:txBody>
+          <a:bodyPr wrap="square" rtlCol="0">
+            <a:spAutoFit/>
+          </a:bodyPr>
+          <a:lstStyle/>
+          <a:p>
+            <a:r>
+              <a:rPr lang="en-US" sz="3600" dirty="0" smtClean="0"/>
+              <a:t>Bayes</a:t>
+            </a:r>
+            <a:endParaRPr lang="en-US" sz="3600" dirty="0"/>
+          </a:p>
+        </p:txBody>
+      </p:sp>
+      <p:sp>
+        <p:nvSpPr>
+          <p:cNvPr id="27" name="TextBox 26"/>
+          <p:cNvSpPr txBox="1"/>
+          <p:nvPr/>
+        </p:nvSpPr>
+        <p:spPr>
+          <a:xfrm>
+            <a:off x="6800850" y="4224858"/>
+            <a:ext cx="2305049" cy="646331"/>
+          </a:xfrm>
+          <a:prstGeom prst="rect">
+            <a:avLst/>
+          </a:prstGeom>
+          <a:noFill/>
+        </p:spPr>
+        <p:txBody>
+          <a:bodyPr wrap="square" rtlCol="0">
+            <a:spAutoFit/>
+          </a:bodyPr>
+          <a:lstStyle/>
+          <a:p>
+            <a:r>
+              <a:rPr lang="en-US" sz="3600" dirty="0" smtClean="0"/>
+              <a:t>Simulation</a:t>
+            </a:r>
+            <a:endParaRPr lang="en-US" sz="3600" dirty="0"/>
+          </a:p>
+        </p:txBody>
+      </p:sp>
+      <p:sp>
+        <p:nvSpPr>
+          <p:cNvPr id="28" name="TextBox 27"/>
+          <p:cNvSpPr txBox="1"/>
+          <p:nvPr/>
+        </p:nvSpPr>
+        <p:spPr>
+          <a:xfrm>
+            <a:off x="9910572" y="2404898"/>
+            <a:ext cx="2305049" cy="646331"/>
+          </a:xfrm>
+          <a:prstGeom prst="rect">
+            <a:avLst/>
+          </a:prstGeom>
+          <a:noFill/>
+        </p:spPr>
+        <p:txBody>
+          <a:bodyPr wrap="square" rtlCol="0">
+            <a:spAutoFit/>
+          </a:bodyPr>
+          <a:lstStyle/>
+          <a:p>
+            <a:r>
+              <a:rPr lang="en-US" sz="3600" dirty="0" smtClean="0"/>
+              <a:t>?</a:t>
+            </a:r>
+            <a:endParaRPr lang="en-US" sz="3600" dirty="0"/>
+          </a:p>
+        </p:txBody>
+      </p:sp>
+      <p:sp>
+        <p:nvSpPr>
+          <p:cNvPr id="29" name="TextBox 28"/>
+          <p:cNvSpPr txBox="1"/>
+          <p:nvPr/>
+        </p:nvSpPr>
+        <p:spPr>
+          <a:xfrm>
+            <a:off x="4369535" y="5972987"/>
+            <a:ext cx="6469656" cy="369332"/>
+          </a:xfrm>
+          <a:prstGeom prst="rect">
+            <a:avLst/>
+          </a:prstGeom>
+          <a:noFill/>
+        </p:spPr>
+        <p:txBody>
+          <a:bodyPr wrap="none" rtlCol="0">
+            <a:spAutoFit/>
+          </a:bodyPr>
+          <a:lstStyle/>
+          <a:p>
+            <a:r>
+              <a:rPr lang="en-US" dirty="0"/>
+              <a:t>https://openclipart.org/detail/208657/alchemy-potion-tree-poison</a:t>
+            </a:r>
+          </a:p>
+        </p:txBody>
+      </p:sp>
+    </p:spTree>
+    <p:extLst>
+      <p:ext uri="{BB962C8B-B14F-4D97-AF65-F5344CB8AC3E}">
+        <p14:creationId xmlns:p14="http://schemas.microsoft.com/office/powerpoint/2010/main" val="575269888"/>
+      </p:ext>
+    </p:extLst>
+  </p:cSld>
+  <p:clrMapOvr>
+    <a:masterClrMapping/>
+  </p:clrMapOvr>
+</p:sld>
+</file>
+
+<file path=ppt/slides/slide27.xml><?xml version="1.0" encoding="utf-8"?>
+<p:sld xmlns:a="http://schemas.openxmlformats.org/drawingml/2006/main" xmlns:r="http://schemas.openxmlformats.org/officeDocument/2006/relationships" xmlns:p="http://schemas.openxmlformats.org/presentationml/2006/main">
+  <p:cSld>
+    <p:spTree>
+      <p:nvGrpSpPr>
+        <p:cNvPr id="1" name=""/>
+        <p:cNvGrpSpPr/>
+        <p:nvPr/>
+      </p:nvGrpSpPr>
+      <p:grpSpPr>
+        <a:xfrm>
+          <a:off x="0" y="0"/>
+          <a:ext cx="0" cy="0"/>
+          <a:chOff x="0" y="0"/>
+          <a:chExt cx="0" cy="0"/>
+        </a:xfrm>
+      </p:grpSpPr>
+      <p:sp>
+        <p:nvSpPr>
+          <p:cNvPr id="2" name="Title 1"/>
+          <p:cNvSpPr>
+            <a:spLocks noGrp="1"/>
+          </p:cNvSpPr>
+          <p:nvPr>
+            <p:ph type="title"/>
+          </p:nvPr>
+        </p:nvSpPr>
+        <p:spPr/>
+        <p:txBody>
+          <a:bodyPr/>
+          <a:lstStyle/>
+          <a:p>
+            <a:r>
+              <a:rPr lang="en-US" dirty="0" smtClean="0"/>
+              <a:t>We’re Here to Help</a:t>
+            </a:r>
+            <a:endParaRPr lang="en-US" dirty="0"/>
+          </a:p>
+        </p:txBody>
+      </p:sp>
+      <p:sp>
+        <p:nvSpPr>
+          <p:cNvPr id="3" name="Content Placeholder 2"/>
+          <p:cNvSpPr>
+            <a:spLocks noGrp="1"/>
+          </p:cNvSpPr>
+          <p:nvPr>
+            <p:ph idx="1"/>
+          </p:nvPr>
+        </p:nvSpPr>
+        <p:spPr>
+          <a:xfrm>
+            <a:off x="1024127" y="2084832"/>
+            <a:ext cx="9720073" cy="4023360"/>
+          </a:xfrm>
+        </p:spPr>
+        <p:txBody>
+          <a:bodyPr>
+            <a:normAutofit fontScale="77500" lnSpcReduction="20000"/>
+          </a:bodyPr>
+          <a:lstStyle/>
+          <a:p>
+            <a:pPr marL="0" indent="0">
+              <a:buNone/>
+            </a:pPr>
+            <a:r>
+              <a:rPr lang="en-US" dirty="0" smtClean="0"/>
+              <a:t>Research Methodology </a:t>
+            </a:r>
+            <a:r>
+              <a:rPr lang="en-US" dirty="0"/>
+              <a:t>Consulting Center </a:t>
+            </a:r>
+            <a:r>
+              <a:rPr lang="en-US" dirty="0" smtClean="0">
+                <a:hlinkClick r:id="rId2"/>
+              </a:rPr>
+              <a:t>cehd.umn.edu/research/consulting/</a:t>
+            </a:r>
+            <a:endParaRPr lang="en-US" dirty="0" smtClean="0"/>
+          </a:p>
+          <a:p>
+            <a:pPr marL="0" indent="0">
+              <a:buNone/>
+            </a:pPr>
+            <a:endParaRPr lang="en-US" dirty="0" smtClean="0"/>
+          </a:p>
+          <a:p>
+            <a:pPr marL="0" indent="0">
+              <a:buNone/>
+            </a:pPr>
+            <a:r>
+              <a:rPr lang="en-US" dirty="0" smtClean="0"/>
+              <a:t>And our friends—</a:t>
+            </a:r>
+          </a:p>
+          <a:p>
+            <a:pPr marL="0" indent="0">
+              <a:buNone/>
+            </a:pPr>
+            <a:r>
+              <a:rPr lang="en-US" dirty="0" smtClean="0"/>
+              <a:t>LATIS</a:t>
+            </a:r>
+            <a:r>
+              <a:rPr lang="en-US" dirty="0"/>
+              <a:t>: </a:t>
+            </a:r>
+            <a:r>
+              <a:rPr lang="en-US" dirty="0" smtClean="0">
+                <a:hlinkClick r:id="rId3"/>
+              </a:rPr>
+              <a:t>cla.umn.edu/</a:t>
+            </a:r>
+            <a:r>
+              <a:rPr lang="en-US" dirty="0" err="1" smtClean="0">
+                <a:hlinkClick r:id="rId3"/>
+              </a:rPr>
+              <a:t>latis</a:t>
+            </a:r>
+            <a:r>
+              <a:rPr lang="en-US" dirty="0" smtClean="0"/>
+              <a:t> </a:t>
+            </a:r>
+          </a:p>
+          <a:p>
+            <a:pPr marL="0" indent="0">
+              <a:buNone/>
+            </a:pPr>
+            <a:r>
+              <a:rPr lang="en-US" dirty="0" smtClean="0"/>
+              <a:t>IRSA: </a:t>
+            </a:r>
+            <a:r>
+              <a:rPr lang="en-US" dirty="0">
+                <a:hlinkClick r:id="rId4"/>
+              </a:rPr>
+              <a:t>irsa.stat.umn.edu</a:t>
+            </a:r>
+            <a:endParaRPr lang="en-US" dirty="0" smtClean="0"/>
+          </a:p>
+          <a:p>
+            <a:pPr marL="0" indent="0">
+              <a:buNone/>
+            </a:pPr>
+            <a:r>
+              <a:rPr lang="en-US" dirty="0" smtClean="0"/>
+              <a:t>Libraries: </a:t>
+            </a:r>
+            <a:r>
+              <a:rPr lang="en-US" dirty="0" smtClean="0">
+                <a:hlinkClick r:id="rId5"/>
+              </a:rPr>
+              <a:t>libraries.umn.edu</a:t>
+            </a:r>
+            <a:endParaRPr lang="en-US" dirty="0"/>
+          </a:p>
+          <a:p>
+            <a:pPr marL="0" indent="0">
+              <a:buNone/>
+            </a:pPr>
+            <a:r>
+              <a:rPr lang="en-US" dirty="0" smtClean="0"/>
+              <a:t>DASH: </a:t>
+            </a:r>
+            <a:r>
+              <a:rPr lang="en-US" dirty="0" smtClean="0">
+                <a:hlinkClick r:id="rId6"/>
+              </a:rPr>
+              <a:t>dash.umn.edu</a:t>
+            </a:r>
+            <a:endParaRPr lang="en-US" dirty="0" smtClean="0"/>
+          </a:p>
+        </p:txBody>
+      </p:sp>
+      <p:sp>
+        <p:nvSpPr>
+          <p:cNvPr id="4" name="Footer Placeholder 3"/>
+          <p:cNvSpPr>
+            <a:spLocks noGrp="1"/>
+          </p:cNvSpPr>
+          <p:nvPr>
+            <p:ph type="ftr" sz="quarter" idx="11"/>
+          </p:nvPr>
+        </p:nvSpPr>
+        <p:spPr/>
+        <p:txBody>
+          <a:bodyPr/>
+          <a:lstStyle/>
+          <a:p>
+            <a:r>
+              <a:rPr lang="en-US" smtClean="0"/>
+              <a:t>(CC) ETHAN BROwN|brow3821@umn.edu|github.com/statisfactions/beyond_P</a:t>
+            </a:r>
+            <a:endParaRPr lang="en-US" dirty="0"/>
+          </a:p>
+        </p:txBody>
+      </p:sp>
+    </p:spTree>
+    <p:extLst>
+      <p:ext uri="{BB962C8B-B14F-4D97-AF65-F5344CB8AC3E}">
+        <p14:creationId xmlns:p14="http://schemas.microsoft.com/office/powerpoint/2010/main" val="3815755286"/>
+      </p:ext>
+    </p:extLst>
+  </p:cSld>
+  <p:clrMapOvr>
+    <a:masterClrMapping/>
+  </p:clrMapOvr>
+</p:sld>
+</file>
+
+<file path=ppt/slides/slide28.xml><?xml version="1.0" encoding="utf-8"?>
 <p:sld xmlns:a="http://schemas.openxmlformats.org/drawingml/2006/main" xmlns:r="http://schemas.openxmlformats.org/officeDocument/2006/relationships" xmlns:p="http://schemas.openxmlformats.org/presentationml/2006/main">
   <p:cSld>
     <p:spTree>
@@ -22421,70 +28976,14 @@
           </a:extLst>
         </p:spPr>
       </p:pic>
-    </p:spTree>
-    <p:extLst>
-      <p:ext uri="{BB962C8B-B14F-4D97-AF65-F5344CB8AC3E}">
-        <p14:creationId xmlns:p14="http://schemas.microsoft.com/office/powerpoint/2010/main" val="3746637295"/>
-      </p:ext>
-    </p:extLst>
-  </p:cSld>
-  <p:clrMapOvr>
-    <a:masterClrMapping/>
-  </p:clrMapOvr>
-  <p:timing>
-    <p:tnLst>
-      <p:par>
-        <p:cTn id="1" dur="indefinite" restart="never" nodeType="tmRoot"/>
-      </p:par>
-    </p:tnLst>
-  </p:timing>
-</p:sld>
-</file>
-
-<file path=ppt/slides/slide2.xml><?xml version="1.0" encoding="utf-8"?>
-<p:sld xmlns:a="http://schemas.openxmlformats.org/drawingml/2006/main" xmlns:r="http://schemas.openxmlformats.org/officeDocument/2006/relationships" xmlns:p="http://schemas.openxmlformats.org/presentationml/2006/main">
-  <p:cSld>
-    <p:spTree>
-      <p:nvGrpSpPr>
-        <p:cNvPr id="1" name=""/>
-        <p:cNvGrpSpPr/>
-        <p:nvPr/>
-      </p:nvGrpSpPr>
-      <p:grpSpPr>
-        <a:xfrm>
-          <a:off x="0" y="0"/>
-          <a:ext cx="0" cy="0"/>
-          <a:chOff x="0" y="0"/>
-          <a:chExt cx="0" cy="0"/>
-        </a:xfrm>
-      </p:grpSpPr>
       <p:sp>
         <p:nvSpPr>
-          <p:cNvPr id="2" name="Title 1"/>
+          <p:cNvPr id="4" name="Footer Placeholder 3"/>
           <p:cNvSpPr>
             <a:spLocks noGrp="1"/>
           </p:cNvSpPr>
           <p:nvPr>
-            <p:ph type="title"/>
-          </p:nvPr>
-        </p:nvSpPr>
-        <p:spPr/>
-        <p:txBody>
-          <a:bodyPr/>
-          <a:lstStyle/>
-          <a:p>
-            <a:endParaRPr lang="en-US" dirty="0"/>
-          </a:p>
-        </p:txBody>
-      </p:sp>
-      <p:sp>
-        <p:nvSpPr>
-          <p:cNvPr id="3" name="Content Placeholder 2"/>
-          <p:cNvSpPr>
-            <a:spLocks noGrp="1"/>
-          </p:cNvSpPr>
-          <p:nvPr>
-            <p:ph idx="1"/>
+            <p:ph type="ftr" sz="quarter" idx="11"/>
           </p:nvPr>
         </p:nvSpPr>
         <p:spPr/>
@@ -22493,23 +28992,17 @@
           <a:lstStyle/>
           <a:p>
             <a:r>
-              <a:rPr lang="en-US" dirty="0" smtClean="0"/>
-              <a:t>Something about reproducibility crisis here?</a:t>
+              <a:rPr lang="en-US" smtClean="0"/>
+              <a:t>(CC) ETHAN BROwN|brow3821@umn.edu|github.com/statisfactions/beyond_P</a:t>
             </a:r>
-          </a:p>
-          <a:p>
-            <a:r>
-              <a:rPr lang="en-US" dirty="0" smtClean="0"/>
-              <a:t>Reproducibility project, poor methods, etc.</a:t>
-            </a:r>
-            <a:endParaRPr lang="en-US" dirty="0"/>
+            <a:endParaRPr lang="en-US"/>
           </a:p>
         </p:txBody>
       </p:sp>
     </p:spTree>
     <p:extLst>
       <p:ext uri="{BB962C8B-B14F-4D97-AF65-F5344CB8AC3E}">
-        <p14:creationId xmlns:p14="http://schemas.microsoft.com/office/powerpoint/2010/main" val="2278732136"/>
+        <p14:creationId xmlns:p14="http://schemas.microsoft.com/office/powerpoint/2010/main" val="3746637295"/>
       </p:ext>
     </p:extLst>
   </p:cSld>
@@ -22560,7 +29053,7 @@
           <a:p>
             <a:r>
               <a:rPr lang="en-US" dirty="0" smtClean="0"/>
-              <a:t>Guiding questions</a:t>
+              <a:t>Some solutions</a:t>
             </a:r>
             <a:endParaRPr lang="en-US" dirty="0"/>
           </a:p>
@@ -22583,21 +29076,53 @@
           <a:p>
             <a:r>
               <a:rPr lang="en-US" dirty="0" smtClean="0"/>
-              <a:t>How do we avoid getting fooled by </a:t>
-            </a:r>
-            <a:r>
-              <a:rPr lang="en-US" b="1" dirty="0" smtClean="0"/>
-              <a:t>random phenomena?</a:t>
+              <a:t>Understanding how p-values actually work</a:t>
             </a:r>
           </a:p>
           <a:p>
             <a:r>
               <a:rPr lang="en-US" dirty="0" smtClean="0"/>
-              <a:t>How do we avoid getting fooled by </a:t>
+              <a:t>Preregistration</a:t>
             </a:r>
+          </a:p>
+          <a:p>
             <a:r>
-              <a:rPr lang="en-US" b="1" dirty="0" smtClean="0"/>
-              <a:t>ourselves?</a:t>
+              <a:rPr lang="en-US" dirty="0" smtClean="0"/>
+              <a:t>Randomness “line-up”</a:t>
+            </a:r>
+          </a:p>
+          <a:p>
+            <a:r>
+              <a:rPr lang="en-US" dirty="0" smtClean="0"/>
+              <a:t>Blinded analysis</a:t>
+            </a:r>
+          </a:p>
+          <a:p>
+            <a:r>
+              <a:rPr lang="en-US" dirty="0" smtClean="0"/>
+              <a:t>Bayesian analysis</a:t>
+            </a:r>
+          </a:p>
+        </p:txBody>
+      </p:sp>
+      <p:sp>
+        <p:nvSpPr>
+          <p:cNvPr id="4" name="Footer Placeholder 3"/>
+          <p:cNvSpPr>
+            <a:spLocks noGrp="1"/>
+          </p:cNvSpPr>
+          <p:nvPr>
+            <p:ph type="ftr" sz="quarter" idx="11"/>
+          </p:nvPr>
+        </p:nvSpPr>
+        <p:spPr/>
+        <p:txBody>
+          <a:bodyPr/>
+          <a:lstStyle/>
+          <a:p>
+            <a:r>
+              <a:rPr lang="en-US" smtClean="0"/>
+              <a:t>(CC) ETHAN BROwN|brow3821@umn.edu|github.com/statisfactions/beyond_P</a:t>
             </a:r>
             <a:endParaRPr lang="en-US" dirty="0"/>
           </a:p>
@@ -22606,7 +29131,7 @@
     </p:spTree>
     <p:extLst>
       <p:ext uri="{BB962C8B-B14F-4D97-AF65-F5344CB8AC3E}">
-        <p14:creationId xmlns:p14="http://schemas.microsoft.com/office/powerpoint/2010/main" val="2850275456"/>
+        <p14:creationId xmlns:p14="http://schemas.microsoft.com/office/powerpoint/2010/main" val="3381081712"/>
       </p:ext>
     </p:extLst>
   </p:cSld>
@@ -22738,6 +29263,58 @@
               <a:t>=</a:t>
             </a:r>
             <a:endParaRPr lang="en-US" sz="16600" dirty="0"/>
+          </a:p>
+        </p:txBody>
+      </p:sp>
+      <p:sp>
+        <p:nvSpPr>
+          <p:cNvPr id="3" name="Footer Placeholder 2"/>
+          <p:cNvSpPr>
+            <a:spLocks noGrp="1"/>
+          </p:cNvSpPr>
+          <p:nvPr>
+            <p:ph type="ftr" sz="quarter" idx="11"/>
+          </p:nvPr>
+        </p:nvSpPr>
+        <p:spPr/>
+        <p:txBody>
+          <a:bodyPr/>
+          <a:lstStyle/>
+          <a:p>
+            <a:r>
+              <a:rPr lang="en-US" smtClean="0"/>
+              <a:t>(CC) ETHAN BROwN|brow3821@umn.edu|github.com/statisfactions/beyond_P</a:t>
+            </a:r>
+            <a:endParaRPr lang="en-US"/>
+          </a:p>
+        </p:txBody>
+      </p:sp>
+      <p:sp>
+        <p:nvSpPr>
+          <p:cNvPr id="8" name="TextBox 7"/>
+          <p:cNvSpPr txBox="1"/>
+          <p:nvPr/>
+        </p:nvSpPr>
+        <p:spPr>
+          <a:xfrm>
+            <a:off x="1258009" y="5654478"/>
+            <a:ext cx="7233007" cy="369332"/>
+          </a:xfrm>
+          <a:prstGeom prst="rect">
+            <a:avLst/>
+          </a:prstGeom>
+          <a:noFill/>
+        </p:spPr>
+        <p:txBody>
+          <a:bodyPr wrap="square" rtlCol="0">
+            <a:spAutoFit/>
+          </a:bodyPr>
+          <a:lstStyle/>
+          <a:p>
+            <a:r>
+              <a:rPr lang="en-US" dirty="0"/>
+              <a:t>http://www.rossmanchance.com/applets/OneProp/OneProp.htm</a:t>
+            </a:r>
           </a:p>
         </p:txBody>
       </p:sp>
@@ -23060,6 +29637,29 @@
           </a:p>
         </p:txBody>
       </p:sp>
+      <p:sp>
+        <p:nvSpPr>
+          <p:cNvPr id="5" name="Footer Placeholder 4"/>
+          <p:cNvSpPr>
+            <a:spLocks noGrp="1"/>
+          </p:cNvSpPr>
+          <p:nvPr>
+            <p:ph type="ftr" sz="quarter" idx="11"/>
+          </p:nvPr>
+        </p:nvSpPr>
+        <p:spPr/>
+        <p:txBody>
+          <a:bodyPr/>
+          <a:lstStyle/>
+          <a:p>
+            <a:r>
+              <a:rPr lang="en-US" smtClean="0"/>
+              <a:t>(CC) ETHAN BROwN|brow3821@umn.edu|github.com/statisfactions/beyond_P</a:t>
+            </a:r>
+            <a:endParaRPr lang="en-US"/>
+          </a:p>
+        </p:txBody>
+      </p:sp>
     </p:spTree>
     <p:extLst>
       <p:ext uri="{BB962C8B-B14F-4D97-AF65-F5344CB8AC3E}">
@@ -23231,6 +29831,29 @@
               <a:t> et al. (1993)</a:t>
             </a:r>
             <a:endParaRPr lang="en-US" dirty="0"/>
+          </a:p>
+        </p:txBody>
+      </p:sp>
+      <p:sp>
+        <p:nvSpPr>
+          <p:cNvPr id="5" name="Footer Placeholder 4"/>
+          <p:cNvSpPr>
+            <a:spLocks noGrp="1"/>
+          </p:cNvSpPr>
+          <p:nvPr>
+            <p:ph type="ftr" sz="quarter" idx="11"/>
+          </p:nvPr>
+        </p:nvSpPr>
+        <p:spPr/>
+        <p:txBody>
+          <a:bodyPr/>
+          <a:lstStyle/>
+          <a:p>
+            <a:r>
+              <a:rPr lang="en-US" smtClean="0"/>
+              <a:t>(CC) ETHAN BROwN|brow3821@umn.edu|github.com/statisfactions/beyond_P</a:t>
+            </a:r>
+            <a:endParaRPr lang="en-US"/>
           </a:p>
         </p:txBody>
       </p:sp>
@@ -23491,6 +30114,29 @@
             <a:endParaRPr lang="en-US" sz="9600" dirty="0">
               <a:latin typeface="+mj-lt"/>
             </a:endParaRPr>
+          </a:p>
+        </p:txBody>
+      </p:sp>
+      <p:sp>
+        <p:nvSpPr>
+          <p:cNvPr id="3" name="Footer Placeholder 2"/>
+          <p:cNvSpPr>
+            <a:spLocks noGrp="1"/>
+          </p:cNvSpPr>
+          <p:nvPr>
+            <p:ph type="ftr" sz="quarter" idx="11"/>
+          </p:nvPr>
+        </p:nvSpPr>
+        <p:spPr/>
+        <p:txBody>
+          <a:bodyPr/>
+          <a:lstStyle/>
+          <a:p>
+            <a:r>
+              <a:rPr lang="en-US" smtClean="0"/>
+              <a:t>(CC) ETHAN BROwN|brow3821@umn.edu|github.com/statisfactions/beyond_P</a:t>
+            </a:r>
+            <a:endParaRPr lang="en-US"/>
           </a:p>
         </p:txBody>
       </p:sp>
@@ -23792,7 +30438,7 @@
         </p:nvSpPr>
         <p:spPr>
           <a:xfrm>
-            <a:off x="1188699" y="6061325"/>
+            <a:off x="1258009" y="5654478"/>
             <a:ext cx="7233007" cy="369332"/>
           </a:xfrm>
           <a:prstGeom prst="rect">
@@ -23810,77 +30456,6 @@
               <a:rPr lang="en-US" dirty="0"/>
               <a:t>http://www.rossmanchance.com/applets/OneProp/OneProp.htm</a:t>
             </a:r>
-          </a:p>
-        </p:txBody>
-      </p:sp>
-      <p:sp>
-        <p:nvSpPr>
-          <p:cNvPr id="7" name="TextBox 6"/>
-          <p:cNvSpPr txBox="1"/>
-          <p:nvPr/>
-        </p:nvSpPr>
-        <p:spPr>
-          <a:xfrm>
-            <a:off x="800100" y="4905375"/>
-            <a:ext cx="10439400" cy="923330"/>
-          </a:xfrm>
-          <a:prstGeom prst="rect">
-            <a:avLst/>
-          </a:prstGeom>
-          <a:noFill/>
-        </p:spPr>
-        <p:txBody>
-          <a:bodyPr wrap="square" rtlCol="0">
-            <a:spAutoFit/>
-          </a:bodyPr>
-          <a:lstStyle/>
-          <a:p>
-            <a:pPr marL="342900" indent="-342900">
-              <a:buAutoNum type="arabicParenR"/>
-            </a:pPr>
-            <a:r>
-              <a:rPr lang="en-US" b="1" dirty="0" smtClean="0"/>
-              <a:t>Simulate </a:t>
-            </a:r>
-            <a:r>
-              <a:rPr lang="en-US" dirty="0" smtClean="0"/>
-              <a:t>flipping </a:t>
-            </a:r>
-            <a:r>
-              <a:rPr lang="en-US" i="1" dirty="0" smtClean="0"/>
-              <a:t>fair </a:t>
-            </a:r>
-            <a:r>
-              <a:rPr lang="en-US" dirty="0" smtClean="0"/>
-              <a:t>coin 5 times</a:t>
-            </a:r>
-          </a:p>
-          <a:p>
-            <a:pPr marL="342900" indent="-342900">
-              <a:buAutoNum type="arabicParenR"/>
-            </a:pPr>
-            <a:r>
-              <a:rPr lang="en-US" b="1" dirty="0" smtClean="0"/>
-              <a:t>Repeat </a:t>
-            </a:r>
-            <a:r>
-              <a:rPr lang="en-US" dirty="0" smtClean="0"/>
-              <a:t>many times</a:t>
-            </a:r>
-          </a:p>
-          <a:p>
-            <a:pPr marL="342900" indent="-342900">
-              <a:buAutoNum type="arabicParenR"/>
-            </a:pPr>
-            <a:r>
-              <a:rPr lang="en-US" b="1" dirty="0" smtClean="0"/>
-              <a:t>Evaluate</a:t>
-            </a:r>
-            <a:r>
-              <a:rPr lang="en-US" dirty="0" smtClean="0"/>
-              <a:t> how “unusual” our actual result was, assuming that the result was fair.</a:t>
-            </a:r>
-            <a:endParaRPr lang="en-US" dirty="0"/>
           </a:p>
         </p:txBody>
       </p:sp>
@@ -24162,6 +30737,106 @@
           </a:p>
         </p:txBody>
       </p:sp>
+      <p:sp>
+        <p:nvSpPr>
+          <p:cNvPr id="7" name="TextBox 6"/>
+          <p:cNvSpPr txBox="1"/>
+          <p:nvPr/>
+        </p:nvSpPr>
+        <p:spPr>
+          <a:xfrm>
+            <a:off x="332920" y="2782306"/>
+            <a:ext cx="11131061" cy="2554545"/>
+          </a:xfrm>
+          <a:prstGeom prst="rect">
+            <a:avLst/>
+          </a:prstGeom>
+          <a:solidFill>
+            <a:schemeClr val="bg1"/>
+          </a:solidFill>
+        </p:spPr>
+        <p:txBody>
+          <a:bodyPr wrap="square" rtlCol="0">
+            <a:spAutoFit/>
+          </a:bodyPr>
+          <a:lstStyle/>
+          <a:p>
+            <a:pPr marL="342900" indent="-342900">
+              <a:buAutoNum type="arabicParenR"/>
+            </a:pPr>
+            <a:r>
+              <a:rPr lang="en-US" sz="4000" b="1" dirty="0" smtClean="0"/>
+              <a:t> Simulate </a:t>
+            </a:r>
+            <a:r>
+              <a:rPr lang="en-US" sz="4000" dirty="0" smtClean="0"/>
+              <a:t>flipping </a:t>
+            </a:r>
+            <a:r>
+              <a:rPr lang="en-US" sz="4000" i="1" dirty="0" smtClean="0"/>
+              <a:t>fair </a:t>
+            </a:r>
+            <a:r>
+              <a:rPr lang="en-US" sz="4000" dirty="0" smtClean="0"/>
+              <a:t>coin 5 times</a:t>
+            </a:r>
+          </a:p>
+          <a:p>
+            <a:pPr marL="342900" indent="-342900">
+              <a:buAutoNum type="arabicParenR"/>
+            </a:pPr>
+            <a:r>
+              <a:rPr lang="en-US" sz="4000" b="1" dirty="0" smtClean="0"/>
+              <a:t> Repeat </a:t>
+            </a:r>
+            <a:r>
+              <a:rPr lang="en-US" sz="4000" dirty="0" smtClean="0"/>
+              <a:t>many times</a:t>
+            </a:r>
+          </a:p>
+          <a:p>
+            <a:pPr marL="342900" indent="-342900">
+              <a:buAutoNum type="arabicParenR"/>
+            </a:pPr>
+            <a:r>
+              <a:rPr lang="en-US" sz="4000" b="1" dirty="0" smtClean="0"/>
+              <a:t> Evaluate</a:t>
+            </a:r>
+            <a:r>
+              <a:rPr lang="en-US" sz="4000" dirty="0" smtClean="0"/>
+              <a:t> </a:t>
+            </a:r>
+            <a:r>
+              <a:rPr lang="en-US" sz="4000" dirty="0" smtClean="0"/>
+              <a:t>how “unusual” our actual result was, assuming that the result was fair.</a:t>
+            </a:r>
+            <a:endParaRPr lang="en-US" sz="4000" dirty="0"/>
+          </a:p>
+        </p:txBody>
+      </p:sp>
+      <p:sp>
+        <p:nvSpPr>
+          <p:cNvPr id="3" name="Footer Placeholder 2"/>
+          <p:cNvSpPr>
+            <a:spLocks noGrp="1"/>
+          </p:cNvSpPr>
+          <p:nvPr>
+            <p:ph type="ftr" sz="quarter" idx="11"/>
+          </p:nvPr>
+        </p:nvSpPr>
+        <p:spPr/>
+        <p:txBody>
+          <a:bodyPr/>
+          <a:lstStyle/>
+          <a:p>
+            <a:r>
+              <a:rPr lang="en-US" smtClean="0"/>
+              <a:t>(CC) ETHAN BROwN|brow3821@umn.edu|github.com/statisfactions/beyond_P</a:t>
+            </a:r>
+            <a:endParaRPr lang="en-US"/>
+          </a:p>
+        </p:txBody>
+      </p:sp>
     </p:spTree>
     <p:extLst>
       <p:ext uri="{BB962C8B-B14F-4D97-AF65-F5344CB8AC3E}">
@@ -24175,9 +30850,80 @@
   <p:timing>
     <p:tnLst>
       <p:par>
-        <p:cTn id="1" dur="indefinite" restart="never" nodeType="tmRoot"/>
+        <p:cTn id="1" dur="indefinite" restart="never" nodeType="tmRoot">
+          <p:childTnLst>
+            <p:seq concurrent="1" nextAc="seek">
+              <p:cTn id="2" dur="indefinite" nodeType="mainSeq">
+                <p:childTnLst>
+                  <p:par>
+                    <p:cTn id="3" fill="hold">
+                      <p:stCondLst>
+                        <p:cond delay="indefinite"/>
+                      </p:stCondLst>
+                      <p:childTnLst>
+                        <p:par>
+                          <p:cTn id="4" fill="hold">
+                            <p:stCondLst>
+                              <p:cond delay="0"/>
+                            </p:stCondLst>
+                            <p:childTnLst>
+                              <p:par>
+                                <p:cTn id="5" presetID="1" presetClass="entr" presetSubtype="0" fill="hold" grpId="0" nodeType="clickEffect">
+                                  <p:stCondLst>
+                                    <p:cond delay="0"/>
+                                  </p:stCondLst>
+                                  <p:childTnLst>
+                                    <p:set>
+                                      <p:cBhvr>
+                                        <p:cTn id="6" dur="1" fill="hold">
+                                          <p:stCondLst>
+                                            <p:cond delay="0"/>
+                                          </p:stCondLst>
+                                        </p:cTn>
+                                        <p:tgtEl>
+                                          <p:spTgt spid="7"/>
+                                        </p:tgtEl>
+                                        <p:attrNameLst>
+                                          <p:attrName>style.visibility</p:attrName>
+                                        </p:attrNameLst>
+                                      </p:cBhvr>
+                                      <p:to>
+                                        <p:strVal val="visible"/>
+                                      </p:to>
+                                    </p:set>
+                                  </p:childTnLst>
+                                </p:cTn>
+                              </p:par>
+                            </p:childTnLst>
+                          </p:cTn>
+                        </p:par>
+                      </p:childTnLst>
+                    </p:cTn>
+                  </p:par>
+                </p:childTnLst>
+              </p:cTn>
+              <p:prevCondLst>
+                <p:cond evt="onPrev" delay="0">
+                  <p:tgtEl>
+                    <p:sldTgt/>
+                  </p:tgtEl>
+                </p:cond>
+              </p:prevCondLst>
+              <p:nextCondLst>
+                <p:cond evt="onNext" delay="0">
+                  <p:tgtEl>
+                    <p:sldTgt/>
+                  </p:tgtEl>
+                </p:cond>
+              </p:nextCondLst>
+            </p:seq>
+          </p:childTnLst>
+        </p:cTn>
       </p:par>
     </p:tnLst>
+    <p:bldLst>
+      <p:bldP spid="7" grpId="0" animBg="1"/>
+    </p:bldLst>
   </p:timing>
 </p:sld>
 </file>
@@ -24302,6 +31048,29 @@
           </a:prstGeom>
         </p:spPr>
       </p:pic>
+      <p:sp>
+        <p:nvSpPr>
+          <p:cNvPr id="3" name="Footer Placeholder 2"/>
+          <p:cNvSpPr>
+            <a:spLocks noGrp="1"/>
+          </p:cNvSpPr>
+          <p:nvPr>
+            <p:ph type="ftr" sz="quarter" idx="11"/>
+          </p:nvPr>
+        </p:nvSpPr>
+        <p:spPr/>
+        <p:txBody>
+          <a:bodyPr/>
+          <a:lstStyle/>
+          <a:p>
+            <a:r>
+              <a:rPr lang="en-US" smtClean="0"/>
+              <a:t>(CC) ETHAN BROwN|brow3821@umn.edu|github.com/statisfactions/beyond_P</a:t>
+            </a:r>
+            <a:endParaRPr lang="en-US"/>
+          </a:p>
+        </p:txBody>
+      </p:sp>
     </p:spTree>
     <p:extLst>
       <p:ext uri="{BB962C8B-B14F-4D97-AF65-F5344CB8AC3E}">

--- a/Beyond the P-Value.pptx
+++ b/Beyond the P-Value.pptx
@@ -272,7 +272,7 @@
           <a:p>
             <a:fld id="{5B4D735E-FF2B-4F2C-B387-0C10F724C3FF}" type="datetimeFigureOut">
               <a:rPr lang="en-US" smtClean="0"/>
-              <a:t>1/10/2019</a:t>
+              <a:t>1/11/2019</a:t>
             </a:fld>
             <a:endParaRPr lang="en-US"/>
           </a:p>
@@ -586,11 +586,19 @@
           <a:p>
             <a:r>
               <a:rPr lang="en-US" dirty="0" smtClean="0"/>
-              <a:t>Setup notes – put</a:t>
+              <a:t>Picture has two meanings – oftentimes</a:t>
             </a:r>
             <a:r>
               <a:rPr lang="en-US" baseline="0" dirty="0" smtClean="0"/>
-              <a:t> z link to repository.</a:t>
+              <a:t> we are looking for Prince Charming in our data.  Also: “I’m </a:t>
+            </a:r>
+            <a:r>
+              <a:rPr lang="en-US" baseline="0" dirty="0" err="1" smtClean="0"/>
+              <a:t>talkin</a:t>
+            </a:r>
+            <a:r>
+              <a:rPr lang="en-US" baseline="0" dirty="0" smtClean="0"/>
+              <a:t>’ bout the man in the mirror”</a:t>
             </a:r>
             <a:endParaRPr lang="en-US" dirty="0"/>
           </a:p>
@@ -10332,7 +10340,7 @@
           <a:p>
             <a:fld id="{88EE5525-E8FD-4960-9983-7CCD6AC1DAB7}" type="datetime1">
               <a:rPr lang="en-US" smtClean="0"/>
-              <a:t>1/10/2019</a:t>
+              <a:t>1/11/2019</a:t>
             </a:fld>
             <a:endParaRPr lang="en-US"/>
           </a:p>
@@ -10559,7 +10567,7 @@
           <a:p>
             <a:fld id="{C2DB710E-975F-4823-B8D2-19CB838134C9}" type="datetime1">
               <a:rPr lang="en-US" smtClean="0"/>
-              <a:t>1/10/2019</a:t>
+              <a:t>1/11/2019</a:t>
             </a:fld>
             <a:endParaRPr lang="en-US"/>
           </a:p>
@@ -10743,7 +10751,7 @@
           <a:p>
             <a:fld id="{F2635D49-5073-432F-B357-DE77A9FED238}" type="datetime1">
               <a:rPr lang="en-US" smtClean="0"/>
-              <a:t>1/10/2019</a:t>
+              <a:t>1/11/2019</a:t>
             </a:fld>
             <a:endParaRPr lang="en-US"/>
           </a:p>
@@ -10978,7 +10986,7 @@
           <a:p>
             <a:fld id="{50860A5E-F1AC-41A8-83BB-B581D83362C0}" type="datetime1">
               <a:rPr lang="en-US" smtClean="0"/>
-              <a:t>1/10/2019</a:t>
+              <a:t>1/11/2019</a:t>
             </a:fld>
             <a:endParaRPr lang="en-US"/>
           </a:p>
@@ -19896,7 +19904,7 @@
           <a:p>
             <a:fld id="{FD1BC067-A27C-47F5-9607-CBCCE5FA7D31}" type="datetime1">
               <a:rPr lang="en-US" smtClean="0"/>
-              <a:t>1/10/2019</a:t>
+              <a:t>1/11/2019</a:t>
             </a:fld>
             <a:endParaRPr lang="en-US"/>
           </a:p>
@@ -20190,7 +20198,7 @@
           <a:p>
             <a:fld id="{70D4EDFA-A56A-46D7-ADA1-1FFF5186F60D}" type="datetime1">
               <a:rPr lang="en-US" smtClean="0"/>
-              <a:t>1/10/2019</a:t>
+              <a:t>1/11/2019</a:t>
             </a:fld>
             <a:endParaRPr lang="en-US"/>
           </a:p>
@@ -20599,7 +20607,7 @@
           <a:p>
             <a:fld id="{767157F7-F041-4B9B-B232-533A7DDD06FD}" type="datetime1">
               <a:rPr lang="en-US" smtClean="0"/>
-              <a:t>1/10/2019</a:t>
+              <a:t>1/11/2019</a:t>
             </a:fld>
             <a:endParaRPr lang="en-US"/>
           </a:p>
@@ -20728,7 +20736,7 @@
           <a:p>
             <a:fld id="{0B6A0657-F110-4D73-B5B1-EE2ADBE71D94}" type="datetime1">
               <a:rPr lang="en-US" smtClean="0"/>
-              <a:t>1/10/2019</a:t>
+              <a:t>1/11/2019</a:t>
             </a:fld>
             <a:endParaRPr lang="en-US"/>
           </a:p>
@@ -20834,7 +20842,7 @@
           <a:p>
             <a:fld id="{13DC128E-3973-4DBB-B04E-088A657002EF}" type="datetime1">
               <a:rPr lang="en-US" smtClean="0"/>
-              <a:t>1/10/2019</a:t>
+              <a:t>1/11/2019</a:t>
             </a:fld>
             <a:endParaRPr lang="en-US"/>
           </a:p>
@@ -21128,7 +21136,7 @@
           <a:p>
             <a:fld id="{2EBD0036-ED30-4311-9E85-DFE1BE3908C9}" type="datetime1">
               <a:rPr lang="en-US" smtClean="0"/>
-              <a:t>1/10/2019</a:t>
+              <a:t>1/11/2019</a:t>
             </a:fld>
             <a:endParaRPr lang="en-US"/>
           </a:p>
@@ -21412,7 +21420,7 @@
           <a:p>
             <a:fld id="{16618C25-6C29-4B65-AD15-CF70FEA92D21}" type="datetime1">
               <a:rPr lang="en-US" smtClean="0"/>
-              <a:t>1/10/2019</a:t>
+              <a:t>1/11/2019</a:t>
             </a:fld>
             <a:endParaRPr lang="en-US"/>
           </a:p>
@@ -21666,7 +21674,7 @@
           <a:p>
             <a:fld id="{3DCE7BD7-4D8A-48BB-BC4B-D89DF1351AB3}" type="datetime1">
               <a:rPr lang="en-US" smtClean="0"/>
-              <a:t>1/10/2019</a:t>
+              <a:t>1/11/2019</a:t>
             </a:fld>
             <a:endParaRPr lang="en-US"/>
           </a:p>
@@ -22265,8 +22273,8 @@
         </p:nvSpPr>
         <p:spPr>
           <a:xfrm>
-            <a:off x="1833687" y="4960137"/>
-            <a:ext cx="4073899" cy="1282510"/>
+            <a:off x="1620983" y="4904509"/>
+            <a:ext cx="4286604" cy="1338138"/>
           </a:xfrm>
         </p:spPr>
         <p:txBody>
@@ -22275,8 +22283,42 @@
           <a:p>
             <a:pPr algn="r"/>
             <a:r>
-              <a:rPr lang="en-US" smtClean="0"/>
-              <a:t>(CC) ETHAN BROwN|brow3821@umn.edu|github.com/statisfactions/beyond_P</a:t>
+              <a:rPr lang="en-US" dirty="0" smtClean="0"/>
+              <a:t>(CC) ETHAN </a:t>
+            </a:r>
+            <a:r>
+              <a:rPr lang="en-US" dirty="0" err="1" smtClean="0"/>
+              <a:t>BROwN</a:t>
+            </a:r>
+            <a:endParaRPr lang="en-US" dirty="0" smtClean="0"/>
+          </a:p>
+          <a:p>
+            <a:pPr algn="r"/>
+            <a:r>
+              <a:rPr lang="en-US" dirty="0" smtClean="0">
+                <a:hlinkClick r:id="rId3"/>
+              </a:rPr>
+              <a:t>brow3821@umn.edu</a:t>
+            </a:r>
+            <a:endParaRPr lang="en-US" dirty="0" smtClean="0"/>
+          </a:p>
+          <a:p>
+            <a:pPr algn="r"/>
+            <a:r>
+              <a:rPr lang="en-US" dirty="0" smtClean="0"/>
+              <a:t>github.com/</a:t>
+            </a:r>
+            <a:r>
+              <a:rPr lang="en-US" dirty="0" err="1" smtClean="0"/>
+              <a:t>statisfactions</a:t>
+            </a:r>
+            <a:r>
+              <a:rPr lang="en-US" dirty="0" smtClean="0"/>
+              <a:t>/</a:t>
+            </a:r>
+            <a:r>
+              <a:rPr lang="en-US" dirty="0" err="1" smtClean="0"/>
+              <a:t>beyond_P</a:t>
             </a:r>
             <a:endParaRPr lang="en-US" dirty="0"/>
           </a:p>
@@ -22291,7 +22333,7 @@
           <p:nvPr/>
         </p:nvPicPr>
         <p:blipFill>
-          <a:blip r:embed="rId3" cstate="print">
+          <a:blip r:embed="rId4" cstate="print">
             <a:extLst>
               <a:ext uri="{28A0092B-C50C-407E-A947-70E740481C1C}">
                 <a14:useLocalDpi xmlns:a14="http://schemas.microsoft.com/office/drawing/2010/main" val="0"/>
@@ -23002,13 +23044,8 @@
           <a:p>
             <a:r>
               <a:rPr lang="en-US" dirty="0" smtClean="0"/>
-              <a:t>What evidence can you find for “psi</a:t>
+              <a:t>What evidence can you find for “psi”? Or for how “psi” works?</a:t>
             </a:r>
-            <a:r>
-              <a:rPr lang="en-US" dirty="0" smtClean="0"/>
-              <a:t>”? Or for how “psi” works?</a:t>
-            </a:r>
-            <a:endParaRPr lang="en-US" dirty="0" smtClean="0"/>
           </a:p>
         </p:txBody>
       </p:sp>
@@ -26959,7 +26996,6 @@
               <a:rPr lang="en-US" dirty="0" smtClean="0"/>
               <a:t>In Preregistration</a:t>
             </a:r>
-            <a:endParaRPr lang="en-US" dirty="0" smtClean="0"/>
           </a:p>
         </p:txBody>
       </p:sp>
@@ -27212,7 +27248,6 @@
               <a:rPr lang="en-US" dirty="0" smtClean="0"/>
               <a:t>“Additional exploratory analysis suggested…”</a:t>
             </a:r>
-            <a:endParaRPr lang="en-US" dirty="0" smtClean="0"/>
           </a:p>
         </p:txBody>
       </p:sp>
@@ -27495,7 +27530,6 @@
               <a:rPr lang="en-US" dirty="0"/>
               <a:t>, A., Cook, D., Hofmann, H., Lawrence, M., Lee, E.-K., Swayne, D. F, Wickham, H. (2009) Statistical Inference for Exploratory Data Analysis and Model Diagnostics, Royal Society Philosophical Transactions A, 367:4361–4383.</a:t>
             </a:r>
-            <a:endParaRPr lang="en-US" dirty="0"/>
           </a:p>
         </p:txBody>
       </p:sp>
@@ -30804,11 +30838,7 @@
             </a:r>
             <a:r>
               <a:rPr lang="en-US" sz="4000" dirty="0" smtClean="0"/>
-              <a:t> </a:t>
-            </a:r>
-            <a:r>
-              <a:rPr lang="en-US" sz="4000" dirty="0" smtClean="0"/>
-              <a:t>how “unusual” our actual result was, assuming that the result was fair.</a:t>
+              <a:t> how “unusual” our actual result was, assuming that the result was fair.</a:t>
             </a:r>
             <a:endParaRPr lang="en-US" sz="4000" dirty="0"/>
           </a:p>

--- a/Beyond the P-Value.pptx
+++ b/Beyond the P-Value.pptx
@@ -272,7 +272,7 @@
           <a:p>
             <a:fld id="{5B4D735E-FF2B-4F2C-B387-0C10F724C3FF}" type="datetimeFigureOut">
               <a:rPr lang="en-US" smtClean="0"/>
-              <a:t>1/11/2019</a:t>
+              <a:t>1/16/2019</a:t>
             </a:fld>
             <a:endParaRPr lang="en-US"/>
           </a:p>
@@ -713,6 +713,98 @@
           <a:p>
             <a:fld id="{2E0A6CDD-7EB5-4CA4-848D-7292B55DA744}" type="slidenum">
               <a:rPr lang="en-US" smtClean="0"/>
+              <a:t>18</a:t>
+            </a:fld>
+            <a:endParaRPr lang="en-US"/>
+          </a:p>
+        </p:txBody>
+      </p:sp>
+    </p:spTree>
+    <p:extLst>
+      <p:ext uri="{BB962C8B-B14F-4D97-AF65-F5344CB8AC3E}">
+        <p14:creationId xmlns:p14="http://schemas.microsoft.com/office/powerpoint/2010/main" val="864461149"/>
+      </p:ext>
+    </p:extLst>
+  </p:cSld>
+  <p:clrMapOvr>
+    <a:masterClrMapping/>
+  </p:clrMapOvr>
+</p:notes>
+</file>
+
+<file path=ppt/notesSlides/notesSlide11.xml><?xml version="1.0" encoding="utf-8"?>
+<p:notes xmlns:a="http://schemas.openxmlformats.org/drawingml/2006/main" xmlns:r="http://schemas.openxmlformats.org/officeDocument/2006/relationships" xmlns:p="http://schemas.openxmlformats.org/presentationml/2006/main">
+  <p:cSld>
+    <p:spTree>
+      <p:nvGrpSpPr>
+        <p:cNvPr id="1" name=""/>
+        <p:cNvGrpSpPr/>
+        <p:nvPr/>
+      </p:nvGrpSpPr>
+      <p:grpSpPr>
+        <a:xfrm>
+          <a:off x="0" y="0"/>
+          <a:ext cx="0" cy="0"/>
+          <a:chOff x="0" y="0"/>
+          <a:chExt cx="0" cy="0"/>
+        </a:xfrm>
+      </p:grpSpPr>
+      <p:sp>
+        <p:nvSpPr>
+          <p:cNvPr id="2" name="Slide Image Placeholder 1"/>
+          <p:cNvSpPr>
+            <a:spLocks noGrp="1" noRot="1" noChangeAspect="1"/>
+          </p:cNvSpPr>
+          <p:nvPr>
+            <p:ph type="sldImg"/>
+          </p:nvPr>
+        </p:nvSpPr>
+        <p:spPr/>
+      </p:sp>
+      <p:sp>
+        <p:nvSpPr>
+          <p:cNvPr id="3" name="Notes Placeholder 2"/>
+          <p:cNvSpPr>
+            <a:spLocks noGrp="1"/>
+          </p:cNvSpPr>
+          <p:nvPr>
+            <p:ph type="body" idx="1"/>
+          </p:nvPr>
+        </p:nvSpPr>
+        <p:spPr/>
+        <p:txBody>
+          <a:bodyPr/>
+          <a:lstStyle/>
+          <a:p>
+            <a:r>
+              <a:rPr lang="en-US" dirty="0" smtClean="0"/>
+              <a:t>Where</a:t>
+            </a:r>
+            <a:r>
+              <a:rPr lang="en-US" baseline="0" dirty="0" smtClean="0"/>
+              <a:t> does most of your research fall?</a:t>
+            </a:r>
+            <a:endParaRPr lang="en-US" dirty="0"/>
+          </a:p>
+        </p:txBody>
+      </p:sp>
+      <p:sp>
+        <p:nvSpPr>
+          <p:cNvPr id="4" name="Slide Number Placeholder 3"/>
+          <p:cNvSpPr>
+            <a:spLocks noGrp="1"/>
+          </p:cNvSpPr>
+          <p:nvPr>
+            <p:ph type="sldNum" sz="quarter" idx="10"/>
+          </p:nvPr>
+        </p:nvSpPr>
+        <p:spPr/>
+        <p:txBody>
+          <a:bodyPr/>
+          <a:lstStyle/>
+          <a:p>
+            <a:fld id="{2E0A6CDD-7EB5-4CA4-848D-7292B55DA744}" type="slidenum">
+              <a:rPr lang="en-US" smtClean="0"/>
               <a:t>19</a:t>
             </a:fld>
             <a:endParaRPr lang="en-US"/>
@@ -732,7 +824,7 @@
 </p:notes>
 </file>
 
-<file path=ppt/notesSlides/notesSlide11.xml><?xml version="1.0" encoding="utf-8"?>
+<file path=ppt/notesSlides/notesSlide12.xml><?xml version="1.0" encoding="utf-8"?>
 <p:notes xmlns:a="http://schemas.openxmlformats.org/drawingml/2006/main" xmlns:r="http://schemas.openxmlformats.org/officeDocument/2006/relationships" xmlns:p="http://schemas.openxmlformats.org/presentationml/2006/main">
   <p:cSld>
     <p:spTree>
@@ -1128,6 +1220,90 @@
           <a:bodyPr/>
           <a:lstStyle/>
           <a:p>
+            <a:endParaRPr lang="en-US" dirty="0"/>
+          </a:p>
+        </p:txBody>
+      </p:sp>
+      <p:sp>
+        <p:nvSpPr>
+          <p:cNvPr id="4" name="Slide Number Placeholder 3"/>
+          <p:cNvSpPr>
+            <a:spLocks noGrp="1"/>
+          </p:cNvSpPr>
+          <p:nvPr>
+            <p:ph type="sldNum" sz="quarter" idx="10"/>
+          </p:nvPr>
+        </p:nvSpPr>
+        <p:spPr/>
+        <p:txBody>
+          <a:bodyPr/>
+          <a:lstStyle/>
+          <a:p>
+            <a:fld id="{2E0A6CDD-7EB5-4CA4-848D-7292B55DA744}" type="slidenum">
+              <a:rPr lang="en-US" smtClean="0"/>
+              <a:t>7</a:t>
+            </a:fld>
+            <a:endParaRPr lang="en-US"/>
+          </a:p>
+        </p:txBody>
+      </p:sp>
+    </p:spTree>
+    <p:extLst>
+      <p:ext uri="{BB962C8B-B14F-4D97-AF65-F5344CB8AC3E}">
+        <p14:creationId xmlns:p14="http://schemas.microsoft.com/office/powerpoint/2010/main" val="4116331218"/>
+      </p:ext>
+    </p:extLst>
+  </p:cSld>
+  <p:clrMapOvr>
+    <a:masterClrMapping/>
+  </p:clrMapOvr>
+</p:notes>
+</file>
+
+<file path=ppt/notesSlides/notesSlide6.xml><?xml version="1.0" encoding="utf-8"?>
+<p:notes xmlns:a="http://schemas.openxmlformats.org/drawingml/2006/main" xmlns:r="http://schemas.openxmlformats.org/officeDocument/2006/relationships" xmlns:p="http://schemas.openxmlformats.org/presentationml/2006/main">
+  <p:cSld>
+    <p:spTree>
+      <p:nvGrpSpPr>
+        <p:cNvPr id="1" name=""/>
+        <p:cNvGrpSpPr/>
+        <p:nvPr/>
+      </p:nvGrpSpPr>
+      <p:grpSpPr>
+        <a:xfrm>
+          <a:off x="0" y="0"/>
+          <a:ext cx="0" cy="0"/>
+          <a:chOff x="0" y="0"/>
+          <a:chExt cx="0" cy="0"/>
+        </a:xfrm>
+      </p:grpSpPr>
+      <p:sp>
+        <p:nvSpPr>
+          <p:cNvPr id="2" name="Slide Image Placeholder 1"/>
+          <p:cNvSpPr>
+            <a:spLocks noGrp="1" noRot="1" noChangeAspect="1"/>
+          </p:cNvSpPr>
+          <p:nvPr>
+            <p:ph type="sldImg"/>
+          </p:nvPr>
+        </p:nvSpPr>
+        <p:spPr/>
+      </p:sp>
+      <p:sp>
+        <p:nvSpPr>
+          <p:cNvPr id="3" name="Notes Placeholder 2"/>
+          <p:cNvSpPr>
+            <a:spLocks noGrp="1"/>
+          </p:cNvSpPr>
+          <p:nvPr>
+            <p:ph type="body" idx="1"/>
+          </p:nvPr>
+        </p:nvSpPr>
+        <p:spPr/>
+        <p:txBody>
+          <a:bodyPr/>
+          <a:lstStyle/>
+          <a:p>
             <a:r>
               <a:rPr lang="en-US" dirty="0" smtClean="0"/>
               <a:t>Transition</a:t>
@@ -1178,7 +1354,7 @@
 </p:notes>
 </file>
 
-<file path=ppt/notesSlides/notesSlide6.xml><?xml version="1.0" encoding="utf-8"?>
+<file path=ppt/notesSlides/notesSlide7.xml><?xml version="1.0" encoding="utf-8"?>
 <p:notes xmlns:a="http://schemas.openxmlformats.org/drawingml/2006/main" xmlns:r="http://schemas.openxmlformats.org/officeDocument/2006/relationships" xmlns:p="http://schemas.openxmlformats.org/presentationml/2006/main">
   <p:cSld>
     <p:spTree>
@@ -1270,7 +1446,7 @@
 </p:notes>
 </file>
 
-<file path=ppt/notesSlides/notesSlide7.xml><?xml version="1.0" encoding="utf-8"?>
+<file path=ppt/notesSlides/notesSlide8.xml><?xml version="1.0" encoding="utf-8"?>
 <p:notes xmlns:a="http://schemas.openxmlformats.org/drawingml/2006/main" xmlns:r="http://schemas.openxmlformats.org/officeDocument/2006/relationships" xmlns:p="http://schemas.openxmlformats.org/presentationml/2006/main">
   <p:cSld>
     <p:spTree>
@@ -1371,7 +1547,7 @@
 </p:notes>
 </file>
 
-<file path=ppt/notesSlides/notesSlide8.xml><?xml version="1.0" encoding="utf-8"?>
+<file path=ppt/notesSlides/notesSlide9.xml><?xml version="1.0" encoding="utf-8"?>
 <p:notes xmlns:a="http://schemas.openxmlformats.org/drawingml/2006/main" xmlns:r="http://schemas.openxmlformats.org/officeDocument/2006/relationships" xmlns:p="http://schemas.openxmlformats.org/presentationml/2006/main">
   <p:cSld>
     <p:spTree>
@@ -1446,98 +1622,6 @@
     <p:extLst>
       <p:ext uri="{BB962C8B-B14F-4D97-AF65-F5344CB8AC3E}">
         <p14:creationId xmlns:p14="http://schemas.microsoft.com/office/powerpoint/2010/main" val="2558614093"/>
-      </p:ext>
-    </p:extLst>
-  </p:cSld>
-  <p:clrMapOvr>
-    <a:masterClrMapping/>
-  </p:clrMapOvr>
-</p:notes>
-</file>
-
-<file path=ppt/notesSlides/notesSlide9.xml><?xml version="1.0" encoding="utf-8"?>
-<p:notes xmlns:a="http://schemas.openxmlformats.org/drawingml/2006/main" xmlns:r="http://schemas.openxmlformats.org/officeDocument/2006/relationships" xmlns:p="http://schemas.openxmlformats.org/presentationml/2006/main">
-  <p:cSld>
-    <p:spTree>
-      <p:nvGrpSpPr>
-        <p:cNvPr id="1" name=""/>
-        <p:cNvGrpSpPr/>
-        <p:nvPr/>
-      </p:nvGrpSpPr>
-      <p:grpSpPr>
-        <a:xfrm>
-          <a:off x="0" y="0"/>
-          <a:ext cx="0" cy="0"/>
-          <a:chOff x="0" y="0"/>
-          <a:chExt cx="0" cy="0"/>
-        </a:xfrm>
-      </p:grpSpPr>
-      <p:sp>
-        <p:nvSpPr>
-          <p:cNvPr id="2" name="Slide Image Placeholder 1"/>
-          <p:cNvSpPr>
-            <a:spLocks noGrp="1" noRot="1" noChangeAspect="1"/>
-          </p:cNvSpPr>
-          <p:nvPr>
-            <p:ph type="sldImg"/>
-          </p:nvPr>
-        </p:nvSpPr>
-        <p:spPr/>
-      </p:sp>
-      <p:sp>
-        <p:nvSpPr>
-          <p:cNvPr id="3" name="Notes Placeholder 2"/>
-          <p:cNvSpPr>
-            <a:spLocks noGrp="1"/>
-          </p:cNvSpPr>
-          <p:nvPr>
-            <p:ph type="body" idx="1"/>
-          </p:nvPr>
-        </p:nvSpPr>
-        <p:spPr/>
-        <p:txBody>
-          <a:bodyPr/>
-          <a:lstStyle/>
-          <a:p>
-            <a:r>
-              <a:rPr lang="en-US" dirty="0" smtClean="0"/>
-              <a:t>Where</a:t>
-            </a:r>
-            <a:r>
-              <a:rPr lang="en-US" baseline="0" dirty="0" smtClean="0"/>
-              <a:t> does most of your research fall?</a:t>
-            </a:r>
-            <a:endParaRPr lang="en-US" dirty="0"/>
-          </a:p>
-        </p:txBody>
-      </p:sp>
-      <p:sp>
-        <p:nvSpPr>
-          <p:cNvPr id="4" name="Slide Number Placeholder 3"/>
-          <p:cNvSpPr>
-            <a:spLocks noGrp="1"/>
-          </p:cNvSpPr>
-          <p:nvPr>
-            <p:ph type="sldNum" sz="quarter" idx="10"/>
-          </p:nvPr>
-        </p:nvSpPr>
-        <p:spPr/>
-        <p:txBody>
-          <a:bodyPr/>
-          <a:lstStyle/>
-          <a:p>
-            <a:fld id="{2E0A6CDD-7EB5-4CA4-848D-7292B55DA744}" type="slidenum">
-              <a:rPr lang="en-US" smtClean="0"/>
-              <a:t>18</a:t>
-            </a:fld>
-            <a:endParaRPr lang="en-US"/>
-          </a:p>
-        </p:txBody>
-      </p:sp>
-    </p:spTree>
-    <p:extLst>
-      <p:ext uri="{BB962C8B-B14F-4D97-AF65-F5344CB8AC3E}">
-        <p14:creationId xmlns:p14="http://schemas.microsoft.com/office/powerpoint/2010/main" val="864461149"/>
       </p:ext>
     </p:extLst>
   </p:cSld>
@@ -10340,7 +10424,7 @@
           <a:p>
             <a:fld id="{88EE5525-E8FD-4960-9983-7CCD6AC1DAB7}" type="datetime1">
               <a:rPr lang="en-US" smtClean="0"/>
-              <a:t>1/11/2019</a:t>
+              <a:t>1/16/2019</a:t>
             </a:fld>
             <a:endParaRPr lang="en-US"/>
           </a:p>
@@ -10567,7 +10651,7 @@
           <a:p>
             <a:fld id="{C2DB710E-975F-4823-B8D2-19CB838134C9}" type="datetime1">
               <a:rPr lang="en-US" smtClean="0"/>
-              <a:t>1/11/2019</a:t>
+              <a:t>1/16/2019</a:t>
             </a:fld>
             <a:endParaRPr lang="en-US"/>
           </a:p>
@@ -10751,7 +10835,7 @@
           <a:p>
             <a:fld id="{F2635D49-5073-432F-B357-DE77A9FED238}" type="datetime1">
               <a:rPr lang="en-US" smtClean="0"/>
-              <a:t>1/11/2019</a:t>
+              <a:t>1/16/2019</a:t>
             </a:fld>
             <a:endParaRPr lang="en-US"/>
           </a:p>
@@ -10986,7 +11070,7 @@
           <a:p>
             <a:fld id="{50860A5E-F1AC-41A8-83BB-B581D83362C0}" type="datetime1">
               <a:rPr lang="en-US" smtClean="0"/>
-              <a:t>1/11/2019</a:t>
+              <a:t>1/16/2019</a:t>
             </a:fld>
             <a:endParaRPr lang="en-US"/>
           </a:p>
@@ -19904,7 +19988,7 @@
           <a:p>
             <a:fld id="{FD1BC067-A27C-47F5-9607-CBCCE5FA7D31}" type="datetime1">
               <a:rPr lang="en-US" smtClean="0"/>
-              <a:t>1/11/2019</a:t>
+              <a:t>1/16/2019</a:t>
             </a:fld>
             <a:endParaRPr lang="en-US"/>
           </a:p>
@@ -20198,7 +20282,7 @@
           <a:p>
             <a:fld id="{70D4EDFA-A56A-46D7-ADA1-1FFF5186F60D}" type="datetime1">
               <a:rPr lang="en-US" smtClean="0"/>
-              <a:t>1/11/2019</a:t>
+              <a:t>1/16/2019</a:t>
             </a:fld>
             <a:endParaRPr lang="en-US"/>
           </a:p>
@@ -20607,7 +20691,7 @@
           <a:p>
             <a:fld id="{767157F7-F041-4B9B-B232-533A7DDD06FD}" type="datetime1">
               <a:rPr lang="en-US" smtClean="0"/>
-              <a:t>1/11/2019</a:t>
+              <a:t>1/16/2019</a:t>
             </a:fld>
             <a:endParaRPr lang="en-US"/>
           </a:p>
@@ -20736,7 +20820,7 @@
           <a:p>
             <a:fld id="{0B6A0657-F110-4D73-B5B1-EE2ADBE71D94}" type="datetime1">
               <a:rPr lang="en-US" smtClean="0"/>
-              <a:t>1/11/2019</a:t>
+              <a:t>1/16/2019</a:t>
             </a:fld>
             <a:endParaRPr lang="en-US"/>
           </a:p>
@@ -20842,7 +20926,7 @@
           <a:p>
             <a:fld id="{13DC128E-3973-4DBB-B04E-088A657002EF}" type="datetime1">
               <a:rPr lang="en-US" smtClean="0"/>
-              <a:t>1/11/2019</a:t>
+              <a:t>1/16/2019</a:t>
             </a:fld>
             <a:endParaRPr lang="en-US"/>
           </a:p>
@@ -21136,7 +21220,7 @@
           <a:p>
             <a:fld id="{2EBD0036-ED30-4311-9E85-DFE1BE3908C9}" type="datetime1">
               <a:rPr lang="en-US" smtClean="0"/>
-              <a:t>1/11/2019</a:t>
+              <a:t>1/16/2019</a:t>
             </a:fld>
             <a:endParaRPr lang="en-US"/>
           </a:p>
@@ -21420,7 +21504,7 @@
           <a:p>
             <a:fld id="{16618C25-6C29-4B65-AD15-CF70FEA92D21}" type="datetime1">
               <a:rPr lang="en-US" smtClean="0"/>
-              <a:t>1/11/2019</a:t>
+              <a:t>1/16/2019</a:t>
             </a:fld>
             <a:endParaRPr lang="en-US"/>
           </a:p>
@@ -21674,7 +21758,7 @@
           <a:p>
             <a:fld id="{3DCE7BD7-4D8A-48BB-BC4B-D89DF1351AB3}" type="datetime1">
               <a:rPr lang="en-US" smtClean="0"/>
-              <a:t>1/11/2019</a:t>
+              <a:t>1/16/2019</a:t>
             </a:fld>
             <a:endParaRPr lang="en-US"/>
           </a:p>
@@ -22482,7 +22566,7 @@
           <a:p>
             <a:r>
               <a:rPr lang="en-US" dirty="0" smtClean="0"/>
-              <a:t>Probability of getting a result at least as big as what we observed</a:t>
+              <a:t>Probability of getting a result at least as big as what we observed, UNDER THE NULL HYPOTHESIS</a:t>
             </a:r>
           </a:p>
           <a:p>
@@ -23322,6 +23406,13 @@
   <p:clrMapOvr>
     <a:masterClrMapping/>
   </p:clrMapOvr>
+  <p:timing>
+    <p:tnLst>
+      <p:par>
+        <p:cTn id="1" dur="indefinite" restart="never" nodeType="tmRoot"/>
+      </p:par>
+    </p:tnLst>
+  </p:timing>
 </p:sld>
 </file>
 
@@ -24887,7 +24978,7 @@
         </p:nvSpPr>
         <p:spPr>
           <a:xfrm>
-            <a:off x="1024128" y="6396335"/>
+            <a:off x="1147220" y="123551"/>
             <a:ext cx="9776866" cy="461665"/>
           </a:xfrm>
           <a:prstGeom prst="rect">
@@ -24975,6 +25066,13 @@
   <p:clrMapOvr>
     <a:masterClrMapping/>
   </p:clrMapOvr>
+  <p:timing>
+    <p:tnLst>
+      <p:par>
+        <p:cTn id="1" dur="indefinite" restart="never" nodeType="tmRoot"/>
+      </p:par>
+    </p:tnLst>
+  </p:timing>
 </p:sld>
 </file>
 
@@ -27543,6 +27641,13 @@
   <p:clrMapOvr>
     <a:masterClrMapping/>
   </p:clrMapOvr>
+  <p:timing>
+    <p:tnLst>
+      <p:par>
+        <p:cTn id="1" dur="indefinite" restart="never" nodeType="tmRoot"/>
+      </p:par>
+    </p:tnLst>
+  </p:timing>
 </p:sld>
 </file>
 
@@ -27732,6 +27837,13 @@
   <p:clrMapOvr>
     <a:masterClrMapping/>
   </p:clrMapOvr>
+  <p:timing>
+    <p:tnLst>
+      <p:par>
+        <p:cTn id="1" dur="indefinite" restart="never" nodeType="tmRoot"/>
+      </p:par>
+    </p:tnLst>
+  </p:timing>
 </p:sld>
 </file>
 
@@ -29962,7 +30074,7 @@
           <p:nvPr/>
         </p:nvPicPr>
         <p:blipFill>
-          <a:blip r:embed="rId2"/>
+          <a:blip r:embed="rId3"/>
           <a:stretch>
             <a:fillRect/>
           </a:stretch>
@@ -29986,7 +30098,7 @@
           <p:nvPr/>
         </p:nvPicPr>
         <p:blipFill>
-          <a:blip r:embed="rId3"/>
+          <a:blip r:embed="rId4"/>
           <a:stretch>
             <a:fillRect/>
           </a:stretch>
@@ -30044,7 +30156,7 @@
           <p:nvPr/>
         </p:nvPicPr>
         <p:blipFill>
-          <a:blip r:embed="rId2"/>
+          <a:blip r:embed="rId3"/>
           <a:stretch>
             <a:fillRect/>
           </a:stretch>
@@ -30068,7 +30180,7 @@
           <p:nvPr/>
         </p:nvPicPr>
         <p:blipFill>
-          <a:blip r:embed="rId3"/>
+          <a:blip r:embed="rId4"/>
           <a:stretch>
             <a:fillRect/>
           </a:stretch>
@@ -30106,14 +30218,11 @@
           <a:lstStyle/>
           <a:p>
             <a:r>
-              <a:rPr lang="en-US" sz="9600" dirty="0" smtClean="0">
+              <a:rPr lang="en-US" sz="9600" dirty="0">
                 <a:latin typeface="+mj-lt"/>
               </a:rPr>
-              <a:t>&gt;</a:t>
+              <a:t>&lt;</a:t>
             </a:r>
-            <a:endParaRPr lang="en-US" sz="9600" dirty="0">
-              <a:latin typeface="+mj-lt"/>
-            </a:endParaRPr>
           </a:p>
         </p:txBody>
       </p:sp>
